--- a/Mary Kait Heeren Dice Combos Presentation Poster.pptx
+++ b/Mary Kait Heeren Dice Combos Presentation Poster.pptx
@@ -132,12 +132,122 @@
 </p:presentation>
 </file>
 
+<file path=ppt/commentAuthors.xml><?xml version="1.0" encoding="utf-8"?>
+<p:cmAuthorLst xmlns:a="http://schemas.openxmlformats.org/drawingml/2006/main" xmlns:r="http://schemas.openxmlformats.org/officeDocument/2006/relationships" xmlns:p="http://schemas.openxmlformats.org/presentationml/2006/main">
+  <p:cmAuthor id="1" name="Jeremy Becnel" initials="JB" lastIdx="9" clrIdx="0">
+    <p:extLst>
+      <p:ext uri="{19B8F6BF-5375-455C-9EA6-DF929625EA0E}">
+        <p15:presenceInfo xmlns:p15="http://schemas.microsoft.com/office/powerpoint/2012/main" userId="S::becneljj@sfasu.edu::83c67da8-0358-45df-a8cb-c23f6394336a" providerId="AD"/>
+      </p:ext>
+    </p:extLst>
+  </p:cmAuthor>
+</p:cmAuthorLst>
+</file>
+
 <file path=ppt/revisionInfo.xml><?xml version="1.0" encoding="utf-8"?>
 <p1510:revInfo xmlns:a="http://schemas.openxmlformats.org/drawingml/2006/main" xmlns:r="http://schemas.openxmlformats.org/officeDocument/2006/relationships" xmlns:p1510="http://schemas.microsoft.com/office/powerpoint/2015/10/main">
   <p1510:revLst>
     <p1510:client id="{3140F632-45D5-46B1-8A8C-98F51C064F8D}" v="19" dt="2024-08-19T03:21:01.588"/>
   </p1510:revLst>
 </p1510:revInfo>
+</file>
+
+<file path=ppt/comments/comment1.xml><?xml version="1.0" encoding="utf-8"?>
+<p:cmLst xmlns:a="http://schemas.openxmlformats.org/drawingml/2006/main" xmlns:r="http://schemas.openxmlformats.org/officeDocument/2006/relationships" xmlns:p="http://schemas.openxmlformats.org/presentationml/2006/main">
+  <p:cm authorId="1" dt="2024-09-02T18:31:35.596" idx="1">
+    <p:pos x="15552" y="10381"/>
+    <p:text>So if we move this over, we can have an example where there are two die tied for "best" in a certain configuration.</p:text>
+    <p:extLst>
+      <p:ext uri="{C676402C-5697-4E1C-873F-D02D1690AC5C}">
+        <p15:threadingInfo xmlns:p15="http://schemas.microsoft.com/office/powerpoint/2012/main" timeZoneBias="300"/>
+      </p:ext>
+    </p:extLst>
+  </p:cm>
+  <p:cm authorId="1" dt="2024-09-02T18:32:39.475" idx="2">
+    <p:pos x="1058" y="12417"/>
+    <p:text>You might move your example on the right panel to here.</p:text>
+    <p:extLst>
+      <p:ext uri="{C676402C-5697-4E1C-873F-D02D1690AC5C}">
+        <p15:threadingInfo xmlns:p15="http://schemas.microsoft.com/office/powerpoint/2012/main" timeZoneBias="300"/>
+      </p:ext>
+    </p:extLst>
+  </p:cm>
+  <p:cm authorId="1" dt="2024-09-02T18:32:58.522" idx="3">
+    <p:pos x="7501" y="6604"/>
+    <p:text>I have some info on games with asymmetric die. I'd like to inlcude some example like Mario Party. Here are some other:</p:text>
+    <p:extLst>
+      <p:ext uri="{C676402C-5697-4E1C-873F-D02D1690AC5C}">
+        <p15:threadingInfo xmlns:p15="http://schemas.microsoft.com/office/powerpoint/2012/main" timeZoneBias="300"/>
+      </p:ext>
+    </p:extLst>
+  </p:cm>
+  <p:cm authorId="1" dt="2024-09-02T18:33:44.830" idx="4">
+    <p:pos x="7501" y="6700"/>
+    <p:text>Mino Dice  - dice have faces like 
+1, 1 , 1, 2, 7, flag
+Rock, Rock, Rock, 4, 5, flag
+Paper, paper, paper, 3, 4, flag
+Etc...
+Dice forge - actual literal modular Dice you edit as you progress through the game
+Eclipse - weapon types have different hit values, most dice are 3x blank, 3x single hit, and there are some that have 4x blank, 2x 4 hits, some that have 2 blank 4 double hits, etc could be misremembering
+Reavers/ champions of Midgard- all dice types have different faces that mean different things. Reavers has more commonality between die faces, champions has more variety and varying hit values
+Batman: Arkham Chronicles - ok this is a stretch considering it's like a $300 board game but it's got something similar to eclipse, each type of dice has a different hit spread and hit count per hit, with variance in those, too</p:text>
+    <p:extLst>
+      <p:ext uri="{C676402C-5697-4E1C-873F-D02D1690AC5C}">
+        <p15:threadingInfo xmlns:p15="http://schemas.microsoft.com/office/powerpoint/2012/main" timeZoneBias="300">
+          <p15:parentCm authorId="1" idx="3"/>
+        </p15:threadingInfo>
+      </p:ext>
+    </p:extLst>
+  </p:cm>
+  <p:cm authorId="1" dt="2024-09-02T18:34:09.563" idx="5">
+    <p:pos x="17376" y="5651"/>
+    <p:text>Let's change n and k to sides and pips for the examples</p:text>
+    <p:extLst>
+      <p:ext uri="{C676402C-5697-4E1C-873F-D02D1690AC5C}">
+        <p15:threadingInfo xmlns:p15="http://schemas.microsoft.com/office/powerpoint/2012/main" timeZoneBias="300"/>
+      </p:ext>
+    </p:extLst>
+  </p:cm>
+  <p:cm authorId="1" dt="2024-09-02T18:35:56.183" idx="6">
+    <p:pos x="21004" y="3711"/>
+    <p:text>Double check this with code.</p:text>
+    <p:extLst>
+      <p:ext uri="{C676402C-5697-4E1C-873F-D02D1690AC5C}">
+        <p15:threadingInfo xmlns:p15="http://schemas.microsoft.com/office/powerpoint/2012/main" timeZoneBias="300"/>
+      </p:ext>
+    </p:extLst>
+  </p:cm>
+  <p:cm authorId="1" dt="2024-09-02T18:36:26.786" idx="7">
+    <p:pos x="16490" y="19021"/>
+    <p:text>You can change this part. You may want to thank the Honors college.</p:text>
+    <p:extLst>
+      <p:ext uri="{C676402C-5697-4E1C-873F-D02D1690AC5C}">
+        <p15:threadingInfo xmlns:p15="http://schemas.microsoft.com/office/powerpoint/2012/main" timeZoneBias="300"/>
+      </p:ext>
+    </p:extLst>
+  </p:cm>
+  <p:cm authorId="1" dt="2024-09-02T18:37:02.113" idx="8">
+    <p:pos x="16490" y="19117"/>
+    <p:text>and the CS Department</p:text>
+    <p:extLst>
+      <p:ext uri="{C676402C-5697-4E1C-873F-D02D1690AC5C}">
+        <p15:threadingInfo xmlns:p15="http://schemas.microsoft.com/office/powerpoint/2012/main" timeZoneBias="300">
+          <p15:parentCm authorId="1" idx="7"/>
+        </p15:threadingInfo>
+      </p:ext>
+    </p:extLst>
+  </p:cm>
+  <p:cm authorId="1" dt="2024-09-02T18:37:07.359" idx="9">
+    <p:pos x="19209" y="18995"/>
+    <p:text>We can make the repo public so you can think your code.</p:text>
+    <p:extLst>
+      <p:ext uri="{C676402C-5697-4E1C-873F-D02D1690AC5C}">
+        <p15:threadingInfo xmlns:p15="http://schemas.microsoft.com/office/powerpoint/2012/main" timeZoneBias="300"/>
+      </p:ext>
+    </p:extLst>
+  </p:cm>
+</p:cmLst>
 </file>
 
 <file path=ppt/handoutMasters/handoutMaster1.xml><?xml version="1.0" encoding="utf-8"?>
@@ -234,7 +344,7 @@
           <a:p>
             <a:fld id="{7151A46D-D41C-4A90-A00B-41DB1F43CE1D}" type="datetimeFigureOut">
               <a:rPr lang="en-US" smtClean="0"/>
-              <a:t>8/30/2024</a:t>
+              <a:t>9/2/2024</a:t>
             </a:fld>
             <a:endParaRPr lang="en-US"/>
           </a:p>
@@ -411,7 +521,7 @@
           <a:p>
             <a:fld id="{06CA19FA-A97A-4A00-A435-23AB33AC757B}" type="datetimeFigureOut">
               <a:rPr lang="en-US" smtClean="0"/>
-              <a:t>8/30/2024</a:t>
+              <a:t>9/2/2024</a:t>
             </a:fld>
             <a:endParaRPr lang="en-US"/>
           </a:p>
@@ -960,7 +1070,7 @@
           <a:p>
             <a:fld id="{985D6BDF-9D0E-4E2B-85B8-D8F4790360C9}" type="datetimeFigureOut">
               <a:rPr lang="en-US" smtClean="0"/>
-              <a:t>8/30/2024</a:t>
+              <a:t>9/2/2024</a:t>
             </a:fld>
             <a:endParaRPr lang="en-US" dirty="0"/>
           </a:p>
@@ -2334,7 +2444,7 @@
                 </a:solidFill>
                 <a:latin typeface="+mn-lt"/>
               </a:rPr>
-              <a:t>Combinatorial Analysis of Dice Configurations</a:t>
+              <a:t>Analysis of Optimal Die Configurations</a:t>
             </a:r>
           </a:p>
         </p:txBody>
@@ -2916,7 +3026,7 @@
                 <a:latin typeface="+mn-lt"/>
                 <a:cs typeface="Arial" panose="020B0604020202020204" pitchFamily="34" charset="0"/>
               </a:rPr>
-              <a:t>The intent of this exploration is to analyze the mathematical intricacies involved in constructing dice with n faces and k pips, with a focus on combinatorial analysis. The initial motivation stemmed from the development of a Python program designed to generate and compare dice configurations. This program served as a practical tool for visualizing die combinations and led to a deeper investigation into related mathematical concepts.</a:t>
+              <a:t>This exploration aims to analyze the mathematical intricacies involved in constructing dice with n faces and k pips, with a focus on combinatorial analysis. The initial motivation stemmed from developing a Python program to generate and compare dice configurations. This program is a practical tool for visualizing die combinations, leading to a deeper investigation into related mathematical concepts.</a:t>
             </a:r>
           </a:p>
           <a:p>
@@ -2931,7 +3041,7 @@
                 <a:latin typeface="+mn-lt"/>
                 <a:cs typeface="Arial" panose="020B0604020202020204" pitchFamily="34" charset="0"/>
               </a:rPr>
-              <a:t>The investigation delves into the combinatorial aspects of dice configurations, examining how different setups influence the probability of winning. Additionally, it explores the concept of transitivity in dice relationships through examples and mathematical proofs, providing insights into the theoretical foundations of dice performance.</a:t>
+              <a:t>The investigation uses an algorithm to construct all possible dice and compares the die to determine the optimal configuration, which is the configuration with the highest probability of winning.  Additionally, we explore properties of the die including the concept of transitivity in dice relationships.</a:t>
             </a:r>
           </a:p>
         </p:txBody>
@@ -4139,7 +4249,7 @@
         <p:spPr bwMode="auto">
           <a:xfrm>
             <a:off x="29281582" y="22138672"/>
-            <a:ext cx="13167360" cy="6186262"/>
+            <a:ext cx="13167360" cy="5201377"/>
           </a:xfrm>
           <a:prstGeom prst="rect">
             <a:avLst/>
@@ -4262,7 +4372,19 @@
               <a:rPr lang="en-US" sz="3200" dirty="0">
                 <a:latin typeface="Calibri" pitchFamily="34" charset="0"/>
               </a:rPr>
-              <a:t>Through the development of a python method for generating and comparing dice configurations, we observed transitivity does not universally hold amongst dice comparisons. We explored variations of comparison including “overall strength” versus “face-to-face” comparison and how outcomes will vary between both in regards to transitivity.  We utilized the principle of the Bell Triangle to explore and quantify the number of possible dice configurations. </a:t>
+              <a:t>We have developed algorithms to generate and compare dice configurations. We observed that transitivity does not universally hold amongst dice comparisons. We also noted that there are situations</a:t>
+            </a:r>
+            <a:r>
+              <a:rPr lang="en-US" sz="3200" b="1" dirty="0">
+                <a:latin typeface="Calibri" pitchFamily="34" charset="0"/>
+              </a:rPr>
+              <a:t> with no maximal or best die. </a:t>
+            </a:r>
+            <a:r>
+              <a:rPr lang="en-US" sz="3200" dirty="0">
+                <a:latin typeface="Calibri" pitchFamily="34" charset="0"/>
+              </a:rPr>
+              <a:t>We utilized the principle of the Bell Triangle to explore and quantify the number of possible dice configurations. </a:t>
             </a:r>
           </a:p>
           <a:p>
@@ -4277,7 +4399,7 @@
               <a:rPr lang="en-US" sz="3200" dirty="0">
                 <a:latin typeface="Calibri" pitchFamily="34" charset="0"/>
               </a:rPr>
-              <a:t>Overall, this research highlights the complexity of dice analysis that range from applications in programming to combinatorics. These results suggest an unconventional nature of dice and open the door for further investigation into the behavior of dice and their application in different environments. </a:t>
+              <a:t>Overall, this research highlights the complexity of dice analysis, which has applications in programming and combinatorics. These results suggest dice's unconventional nature and open the door for further investigation into their behavior and application in different environments. </a:t>
             </a:r>
           </a:p>
         </p:txBody>
@@ -4348,7 +4470,7 @@
         <p:spPr bwMode="auto">
           <a:xfrm>
             <a:off x="1463040" y="13075920"/>
-            <a:ext cx="13167360" cy="15450081"/>
+            <a:ext cx="13167360" cy="15770040"/>
           </a:xfrm>
           <a:prstGeom prst="rect">
             <a:avLst/>
@@ -4511,7 +4633,7 @@
                 <a:ea typeface="Aptos" panose="020B0004020202020204" pitchFamily="34" charset="0"/>
                 <a:cs typeface="Times New Roman" panose="02020603050405020304" pitchFamily="18" charset="0"/>
               </a:rPr>
-              <a:t>method creates every possible arrangement of pips on a die with a specific number of faces and a total number of pips. It starts by finding all possible ways to divide the total number of pips into groups, where each group represents the pips on a face of the die. The method ensures that each face has at least one pip and checks each configuration to make sure it’s valid and unique. It then organizes these configurations and provides a list of all possible, distinct dice setups.</a:t>
+              <a:t>method creates every possible arrangement of pips on a die with a specific number of faces and a total number of pips..</a:t>
             </a:r>
           </a:p>
           <a:p>
@@ -4555,6 +4677,75 @@
             <a:endParaRPr lang="en-US" sz="3200" dirty="0">
               <a:latin typeface="+mn-lt"/>
             </a:endParaRPr>
+          </a:p>
+          <a:p>
+            <a:pPr eaLnBrk="1" hangingPunct="1"/>
+            <a:endParaRPr lang="en-US" sz="3200" dirty="0">
+              <a:latin typeface="+mn-lt"/>
+            </a:endParaRPr>
+          </a:p>
+          <a:p>
+            <a:pPr eaLnBrk="1" hangingPunct="1"/>
+            <a:r>
+              <a:rPr lang="en-US" sz="3200" b="1" dirty="0">
+                <a:latin typeface="+mn-lt"/>
+              </a:rPr>
+              <a:t>Definition. </a:t>
+            </a:r>
+            <a:r>
+              <a:rPr lang="en-US" sz="3200" dirty="0">
+                <a:latin typeface="+mn-lt"/>
+              </a:rPr>
+              <a:t>Given two dice ad with the same number of sides, we say a die A is said to </a:t>
+            </a:r>
+            <a:r>
+              <a:rPr lang="en-US" sz="3200" b="1" dirty="0">
+                <a:latin typeface="+mn-lt"/>
+              </a:rPr>
+              <a:t>beat </a:t>
+            </a:r>
+            <a:r>
+              <a:rPr lang="en-US" sz="3200" dirty="0">
+                <a:latin typeface="+mn-lt"/>
+              </a:rPr>
+              <a:t>or another die B if given every pairing of sides (</a:t>
+            </a:r>
+            <a:r>
+              <a:rPr lang="en-US" sz="3200" dirty="0" err="1">
+                <a:latin typeface="+mn-lt"/>
+              </a:rPr>
+              <a:t>a,b</a:t>
+            </a:r>
+            <a:r>
+              <a:rPr lang="en-US" sz="3200" dirty="0">
+                <a:latin typeface="+mn-lt"/>
+              </a:rPr>
+              <a:t>) where a is said from A and B is a side of A, the majority of the pairing have a &gt; b.</a:t>
+            </a:r>
+            <a:endParaRPr lang="en-US" sz="3200" b="1" dirty="0">
+              <a:latin typeface="+mn-lt"/>
+            </a:endParaRPr>
+          </a:p>
+          <a:p>
+            <a:pPr eaLnBrk="1" hangingPunct="1"/>
+            <a:endParaRPr lang="en-US" sz="3200" dirty="0">
+              <a:latin typeface="+mn-lt"/>
+            </a:endParaRPr>
+          </a:p>
+          <a:p>
+            <a:pPr eaLnBrk="1" hangingPunct="1"/>
+            <a:r>
+              <a:rPr lang="en-US" sz="3200" b="1" dirty="0">
+                <a:latin typeface="+mn-lt"/>
+              </a:rPr>
+              <a:t>Example</a:t>
+            </a:r>
+            <a:r>
+              <a:rPr lang="en-US" sz="3200" dirty="0">
+                <a:latin typeface="+mn-lt"/>
+              </a:rPr>
+              <a:t>: Give your example to the right here:</a:t>
+            </a:r>
           </a:p>
           <a:p>
             <a:pPr eaLnBrk="1" hangingPunct="1"/>
@@ -4813,140 +5004,6 @@
           </a:prstGeom>
         </p:spPr>
       </p:pic>
-      <p:grpSp>
-        <p:nvGrpSpPr>
-          <p:cNvPr id="37" name="Group 36">
-            <a:extLst>
-              <a:ext uri="{FF2B5EF4-FFF2-40B4-BE49-F238E27FC236}">
-                <a16:creationId xmlns:a16="http://schemas.microsoft.com/office/drawing/2014/main" id="{5914D990-2504-4B21-A6EB-04FF4361B89B}"/>
-              </a:ext>
-            </a:extLst>
-          </p:cNvPr>
-          <p:cNvGrpSpPr/>
-          <p:nvPr/>
-        </p:nvGrpSpPr>
-        <p:grpSpPr>
-          <a:xfrm>
-            <a:off x="34461329" y="875014"/>
-            <a:ext cx="8421724" cy="2242944"/>
-            <a:chOff x="502920" y="30815280"/>
-            <a:chExt cx="26517600" cy="7062391"/>
-          </a:xfrm>
-        </p:grpSpPr>
-        <p:sp>
-          <p:nvSpPr>
-            <p:cNvPr id="38" name="Rectangle 37">
-              <a:extLst>
-                <a:ext uri="{FF2B5EF4-FFF2-40B4-BE49-F238E27FC236}">
-                  <a16:creationId xmlns:a16="http://schemas.microsoft.com/office/drawing/2014/main" id="{F98B8427-E96B-461B-9744-6E372A321F21}"/>
-                </a:ext>
-              </a:extLst>
-            </p:cNvPr>
-            <p:cNvSpPr/>
-            <p:nvPr/>
-          </p:nvSpPr>
-          <p:spPr>
-            <a:xfrm>
-              <a:off x="502920" y="30815280"/>
-              <a:ext cx="26517600" cy="7062391"/>
-            </a:xfrm>
-            <a:prstGeom prst="rect">
-              <a:avLst/>
-            </a:prstGeom>
-            <a:solidFill>
-              <a:schemeClr val="bg1"/>
-            </a:solidFill>
-          </p:spPr>
-          <p:style>
-            <a:lnRef idx="2">
-              <a:schemeClr val="accent1">
-                <a:shade val="50000"/>
-              </a:schemeClr>
-            </a:lnRef>
-            <a:fillRef idx="1">
-              <a:schemeClr val="accent1"/>
-            </a:fillRef>
-            <a:effectRef idx="0">
-              <a:schemeClr val="accent1"/>
-            </a:effectRef>
-            <a:fontRef idx="minor">
-              <a:schemeClr val="lt1"/>
-            </a:fontRef>
-          </p:style>
-          <p:txBody>
-            <a:bodyPr rtlCol="0" anchor="ctr"/>
-            <a:lstStyle/>
-            <a:p>
-              <a:pPr marL="0" marR="0" lvl="0" indent="0" algn="ctr" defTabSz="457200" rtl="0" eaLnBrk="1" fontAlgn="auto" latinLnBrk="0" hangingPunct="1">
-                <a:lnSpc>
-                  <a:spcPct val="100000"/>
-                </a:lnSpc>
-                <a:spcBef>
-                  <a:spcPts val="0"/>
-                </a:spcBef>
-                <a:spcAft>
-                  <a:spcPts val="0"/>
-                </a:spcAft>
-                <a:buClrTx/>
-                <a:buSzTx/>
-                <a:buFontTx/>
-                <a:buNone/>
-                <a:tabLst/>
-                <a:defRPr/>
-              </a:pPr>
-              <a:endParaRPr kumimoji="0" lang="en-US" sz="1800" b="0" i="0" u="none" strike="noStrike" kern="1200" cap="none" spc="0" normalizeH="0" baseline="0" noProof="0">
-                <a:ln>
-                  <a:noFill/>
-                </a:ln>
-                <a:solidFill>
-                  <a:prstClr val="white"/>
-                </a:solidFill>
-                <a:effectLst/>
-                <a:uLnTx/>
-                <a:uFillTx/>
-                <a:latin typeface="Calibri" panose="020F0502020204030204"/>
-                <a:ea typeface="+mn-ea"/>
-                <a:cs typeface="+mn-cs"/>
-              </a:endParaRPr>
-            </a:p>
-          </p:txBody>
-        </p:sp>
-        <p:pic>
-          <p:nvPicPr>
-            <p:cNvPr id="39" name="Picture 38">
-              <a:extLst>
-                <a:ext uri="{FF2B5EF4-FFF2-40B4-BE49-F238E27FC236}">
-                  <a16:creationId xmlns:a16="http://schemas.microsoft.com/office/drawing/2014/main" id="{A0F6B9BD-1217-4B82-B0E3-0A91720D1424}"/>
-                </a:ext>
-              </a:extLst>
-            </p:cNvPr>
-            <p:cNvPicPr>
-              <a:picLocks noChangeAspect="1"/>
-            </p:cNvPicPr>
-            <p:nvPr/>
-          </p:nvPicPr>
-          <p:blipFill rotWithShape="1">
-            <a:blip r:embed="rId7" cstate="print">
-              <a:extLst>
-                <a:ext uri="{28A0092B-C50C-407E-A947-70E740481C1C}">
-                  <a14:useLocalDpi xmlns:a14="http://schemas.microsoft.com/office/drawing/2010/main" val="0"/>
-                </a:ext>
-              </a:extLst>
-            </a:blip>
-            <a:srcRect t="14538" b="12773"/>
-            <a:stretch/>
-          </p:blipFill>
-          <p:spPr>
-            <a:xfrm>
-              <a:off x="862690" y="31135320"/>
-              <a:ext cx="25745902" cy="6540717"/>
-            </a:xfrm>
-            <a:prstGeom prst="rect">
-              <a:avLst/>
-            </a:prstGeom>
-          </p:spPr>
-        </p:pic>
-      </p:grpSp>
       <p:pic>
         <p:nvPicPr>
           <p:cNvPr id="6" name="Picture 5">
@@ -4962,7 +5019,7 @@
           <p:nvPr/>
         </p:nvPicPr>
         <p:blipFill>
-          <a:blip r:embed="rId8"/>
+          <a:blip r:embed="rId7"/>
           <a:stretch>
             <a:fillRect/>
           </a:stretch>
@@ -4997,13 +5054,13 @@
           <p:nvPr/>
         </p:nvPicPr>
         <p:blipFill rotWithShape="1">
-          <a:blip r:embed="rId9"/>
+          <a:blip r:embed="rId8"/>
           <a:srcRect r="62458"/>
           <a:stretch/>
         </p:blipFill>
         <p:spPr>
           <a:xfrm>
-            <a:off x="5867400" y="16929462"/>
+            <a:off x="5995415" y="14303183"/>
             <a:ext cx="3918861" cy="3777171"/>
           </a:xfrm>
           <a:prstGeom prst="rect">
@@ -5031,7 +5088,7 @@
           <p:nvPr/>
         </p:nvPicPr>
         <p:blipFill rotWithShape="1">
-          <a:blip r:embed="rId10"/>
+          <a:blip r:embed="rId9"/>
           <a:srcRect r="572" b="54117"/>
           <a:stretch/>
         </p:blipFill>
@@ -5065,7 +5122,7 @@
           <p:nvPr/>
         </p:nvPicPr>
         <p:blipFill rotWithShape="1">
-          <a:blip r:embed="rId10"/>
+          <a:blip r:embed="rId9"/>
           <a:srcRect t="50000" r="413" b="2046"/>
           <a:stretch/>
         </p:blipFill>
@@ -5252,7 +5309,7 @@
           <p:nvPr/>
         </p:nvPicPr>
         <p:blipFill>
-          <a:blip r:embed="rId11"/>
+          <a:blip r:embed="rId10"/>
           <a:stretch>
             <a:fillRect/>
           </a:stretch>
@@ -5287,7 +5344,7 @@
           <p:nvPr/>
         </p:nvPicPr>
         <p:blipFill>
-          <a:blip r:embed="rId12"/>
+          <a:blip r:embed="rId11"/>
           <a:stretch>
             <a:fillRect/>
           </a:stretch>
@@ -5322,7 +5379,7 @@
           <p:nvPr/>
         </p:nvPicPr>
         <p:blipFill>
-          <a:blip r:embed="rId13"/>
+          <a:blip r:embed="rId12"/>
           <a:stretch>
             <a:fillRect/>
           </a:stretch>

--- a/Mary Kait Heeren Dice Combos Presentation Poster.pptx
+++ b/Mary Kait Heeren Dice Combos Presentation Poster.pptx
@@ -132,122 +132,273 @@
 </p:presentation>
 </file>
 
-<file path=ppt/commentAuthors.xml><?xml version="1.0" encoding="utf-8"?>
-<p:cmAuthorLst xmlns:a="http://schemas.openxmlformats.org/drawingml/2006/main" xmlns:r="http://schemas.openxmlformats.org/officeDocument/2006/relationships" xmlns:p="http://schemas.openxmlformats.org/presentationml/2006/main">
-  <p:cmAuthor id="1" name="Jeremy Becnel" initials="JB" lastIdx="9" clrIdx="0">
-    <p:extLst>
-      <p:ext uri="{19B8F6BF-5375-455C-9EA6-DF929625EA0E}">
-        <p15:presenceInfo xmlns:p15="http://schemas.microsoft.com/office/powerpoint/2012/main" userId="S::becneljj@sfasu.edu::83c67da8-0358-45df-a8cb-c23f6394336a" providerId="AD"/>
-      </p:ext>
-    </p:extLst>
-  </p:cmAuthor>
-</p:cmAuthorLst>
-</file>
-
 <file path=ppt/revisionInfo.xml><?xml version="1.0" encoding="utf-8"?>
 <p1510:revInfo xmlns:a="http://schemas.openxmlformats.org/drawingml/2006/main" xmlns:r="http://schemas.openxmlformats.org/officeDocument/2006/relationships" xmlns:p1510="http://schemas.microsoft.com/office/powerpoint/2015/10/main">
   <p1510:revLst>
-    <p1510:client id="{3140F632-45D5-46B1-8A8C-98F51C064F8D}" v="19" dt="2024-08-19T03:21:01.588"/>
+    <p1510:client id="{8759A6CF-2F2F-40FB-9B2C-B3F79B6DB9B0}" v="43" dt="2024-11-03T21:32:13.945"/>
   </p1510:revLst>
 </p1510:revInfo>
 </file>
 
-<file path=ppt/comments/comment1.xml><?xml version="1.0" encoding="utf-8"?>
-<p:cmLst xmlns:a="http://schemas.openxmlformats.org/drawingml/2006/main" xmlns:r="http://schemas.openxmlformats.org/officeDocument/2006/relationships" xmlns:p="http://schemas.openxmlformats.org/presentationml/2006/main">
-  <p:cm authorId="1" dt="2024-09-02T18:31:35.596" idx="1">
-    <p:pos x="15552" y="10381"/>
-    <p:text>So if we move this over, we can have an example where there are two die tied for "best" in a certain configuration.</p:text>
-    <p:extLst>
-      <p:ext uri="{C676402C-5697-4E1C-873F-D02D1690AC5C}">
-        <p15:threadingInfo xmlns:p15="http://schemas.microsoft.com/office/powerpoint/2012/main" timeZoneBias="300"/>
-      </p:ext>
-    </p:extLst>
-  </p:cm>
-  <p:cm authorId="1" dt="2024-09-02T18:32:39.475" idx="2">
-    <p:pos x="1058" y="12417"/>
-    <p:text>You might move your example on the right panel to here.</p:text>
-    <p:extLst>
-      <p:ext uri="{C676402C-5697-4E1C-873F-D02D1690AC5C}">
-        <p15:threadingInfo xmlns:p15="http://schemas.microsoft.com/office/powerpoint/2012/main" timeZoneBias="300"/>
-      </p:ext>
-    </p:extLst>
-  </p:cm>
-  <p:cm authorId="1" dt="2024-09-02T18:32:58.522" idx="3">
-    <p:pos x="7501" y="6604"/>
-    <p:text>I have some info on games with asymmetric die. I'd like to inlcude some example like Mario Party. Here are some other:</p:text>
-    <p:extLst>
-      <p:ext uri="{C676402C-5697-4E1C-873F-D02D1690AC5C}">
-        <p15:threadingInfo xmlns:p15="http://schemas.microsoft.com/office/powerpoint/2012/main" timeZoneBias="300"/>
-      </p:ext>
-    </p:extLst>
-  </p:cm>
-  <p:cm authorId="1" dt="2024-09-02T18:33:44.830" idx="4">
-    <p:pos x="7501" y="6700"/>
-    <p:text>Mino Dice  - dice have faces like 
-1, 1 , 1, 2, 7, flag
-Rock, Rock, Rock, 4, 5, flag
-Paper, paper, paper, 3, 4, flag
-Etc...
-Dice forge - actual literal modular Dice you edit as you progress through the game
-Eclipse - weapon types have different hit values, most dice are 3x blank, 3x single hit, and there are some that have 4x blank, 2x 4 hits, some that have 2 blank 4 double hits, etc could be misremembering
-Reavers/ champions of Midgard- all dice types have different faces that mean different things. Reavers has more commonality between die faces, champions has more variety and varying hit values
-Batman: Arkham Chronicles - ok this is a stretch considering it's like a $300 board game but it's got something similar to eclipse, each type of dice has a different hit spread and hit count per hit, with variance in those, too</p:text>
-    <p:extLst>
-      <p:ext uri="{C676402C-5697-4E1C-873F-D02D1690AC5C}">
-        <p15:threadingInfo xmlns:p15="http://schemas.microsoft.com/office/powerpoint/2012/main" timeZoneBias="300">
-          <p15:parentCm authorId="1" idx="3"/>
-        </p15:threadingInfo>
-      </p:ext>
-    </p:extLst>
-  </p:cm>
-  <p:cm authorId="1" dt="2024-09-02T18:34:09.563" idx="5">
-    <p:pos x="17376" y="5651"/>
-    <p:text>Let's change n and k to sides and pips for the examples</p:text>
-    <p:extLst>
-      <p:ext uri="{C676402C-5697-4E1C-873F-D02D1690AC5C}">
-        <p15:threadingInfo xmlns:p15="http://schemas.microsoft.com/office/powerpoint/2012/main" timeZoneBias="300"/>
-      </p:ext>
-    </p:extLst>
-  </p:cm>
-  <p:cm authorId="1" dt="2024-09-02T18:35:56.183" idx="6">
-    <p:pos x="21004" y="3711"/>
-    <p:text>Double check this with code.</p:text>
-    <p:extLst>
-      <p:ext uri="{C676402C-5697-4E1C-873F-D02D1690AC5C}">
-        <p15:threadingInfo xmlns:p15="http://schemas.microsoft.com/office/powerpoint/2012/main" timeZoneBias="300"/>
-      </p:ext>
-    </p:extLst>
-  </p:cm>
-  <p:cm authorId="1" dt="2024-09-02T18:36:26.786" idx="7">
-    <p:pos x="16490" y="19021"/>
-    <p:text>You can change this part. You may want to thank the Honors college.</p:text>
-    <p:extLst>
-      <p:ext uri="{C676402C-5697-4E1C-873F-D02D1690AC5C}">
-        <p15:threadingInfo xmlns:p15="http://schemas.microsoft.com/office/powerpoint/2012/main" timeZoneBias="300"/>
-      </p:ext>
-    </p:extLst>
-  </p:cm>
-  <p:cm authorId="1" dt="2024-09-02T18:37:02.113" idx="8">
-    <p:pos x="16490" y="19117"/>
-    <p:text>and the CS Department</p:text>
-    <p:extLst>
-      <p:ext uri="{C676402C-5697-4E1C-873F-D02D1690AC5C}">
-        <p15:threadingInfo xmlns:p15="http://schemas.microsoft.com/office/powerpoint/2012/main" timeZoneBias="300">
-          <p15:parentCm authorId="1" idx="7"/>
-        </p15:threadingInfo>
-      </p:ext>
-    </p:extLst>
-  </p:cm>
-  <p:cm authorId="1" dt="2024-09-02T18:37:07.359" idx="9">
-    <p:pos x="19209" y="18995"/>
-    <p:text>We can make the repo public so you can think your code.</p:text>
-    <p:extLst>
-      <p:ext uri="{C676402C-5697-4E1C-873F-D02D1690AC5C}">
-        <p15:threadingInfo xmlns:p15="http://schemas.microsoft.com/office/powerpoint/2012/main" timeZoneBias="300"/>
-      </p:ext>
-    </p:extLst>
-  </p:cm>
-</p:cmLst>
+<file path=ppt/changesInfos/changesInfo1.xml><?xml version="1.0" encoding="utf-8"?>
+<pc:chgInfo xmlns:a="http://schemas.openxmlformats.org/drawingml/2006/main" xmlns:r="http://schemas.openxmlformats.org/officeDocument/2006/relationships" xmlns:ac="http://schemas.microsoft.com/office/drawing/2013/main/command" xmlns:pc="http://schemas.microsoft.com/office/powerpoint/2013/main/command">
+  <pc:docChgLst>
+    <pc:chgData name="Mary Heeren" userId="b9b6226669082583" providerId="LiveId" clId="{8759A6CF-2F2F-40FB-9B2C-B3F79B6DB9B0}"/>
+    <pc:docChg chg="undo custSel modSld">
+      <pc:chgData name="Mary Heeren" userId="b9b6226669082583" providerId="LiveId" clId="{8759A6CF-2F2F-40FB-9B2C-B3F79B6DB9B0}" dt="2024-11-03T21:55:43.666" v="5370" actId="20577"/>
+      <pc:docMkLst>
+        <pc:docMk/>
+      </pc:docMkLst>
+      <pc:sldChg chg="addSp delSp modSp mod">
+        <pc:chgData name="Mary Heeren" userId="b9b6226669082583" providerId="LiveId" clId="{8759A6CF-2F2F-40FB-9B2C-B3F79B6DB9B0}" dt="2024-11-03T21:55:43.666" v="5370" actId="20577"/>
+        <pc:sldMkLst>
+          <pc:docMk/>
+          <pc:sldMk cId="2251251862" sldId="256"/>
+        </pc:sldMkLst>
+        <pc:spChg chg="mod">
+          <ac:chgData name="Mary Heeren" userId="b9b6226669082583" providerId="LiveId" clId="{8759A6CF-2F2F-40FB-9B2C-B3F79B6DB9B0}" dt="2024-10-28T20:19:35.866" v="4729" actId="20577"/>
+          <ac:spMkLst>
+            <pc:docMk/>
+            <pc:sldMk cId="2251251862" sldId="256"/>
+            <ac:spMk id="4" creationId="{00000000-0000-0000-0000-000000000000}"/>
+          </ac:spMkLst>
+        </pc:spChg>
+        <pc:spChg chg="mod">
+          <ac:chgData name="Mary Heeren" userId="b9b6226669082583" providerId="LiveId" clId="{8759A6CF-2F2F-40FB-9B2C-B3F79B6DB9B0}" dt="2024-10-27T19:50:00.697" v="4683" actId="1076"/>
+          <ac:spMkLst>
+            <pc:docMk/>
+            <pc:sldMk cId="2251251862" sldId="256"/>
+            <ac:spMk id="9" creationId="{DE024D36-1DDE-D6E7-0830-7ED81574BF98}"/>
+          </ac:spMkLst>
+        </pc:spChg>
+        <pc:spChg chg="mod">
+          <ac:chgData name="Mary Heeren" userId="b9b6226669082583" providerId="LiveId" clId="{8759A6CF-2F2F-40FB-9B2C-B3F79B6DB9B0}" dt="2024-10-18T18:06:02.907" v="0"/>
+          <ac:spMkLst>
+            <pc:docMk/>
+            <pc:sldMk cId="2251251862" sldId="256"/>
+            <ac:spMk id="10" creationId="{00000000-0000-0000-0000-000000000000}"/>
+          </ac:spMkLst>
+        </pc:spChg>
+        <pc:spChg chg="mod">
+          <ac:chgData name="Mary Heeren" userId="b9b6226669082583" providerId="LiveId" clId="{8759A6CF-2F2F-40FB-9B2C-B3F79B6DB9B0}" dt="2024-10-27T13:53:53.844" v="4667" actId="113"/>
+          <ac:spMkLst>
+            <pc:docMk/>
+            <pc:sldMk cId="2251251862" sldId="256"/>
+            <ac:spMk id="11" creationId="{00000000-0000-0000-0000-000000000000}"/>
+          </ac:spMkLst>
+        </pc:spChg>
+        <pc:spChg chg="mod">
+          <ac:chgData name="Mary Heeren" userId="b9b6226669082583" providerId="LiveId" clId="{8759A6CF-2F2F-40FB-9B2C-B3F79B6DB9B0}" dt="2024-11-03T21:50:47.869" v="5316" actId="14100"/>
+          <ac:spMkLst>
+            <pc:docMk/>
+            <pc:sldMk cId="2251251862" sldId="256"/>
+            <ac:spMk id="12" creationId="{00000000-0000-0000-0000-000000000000}"/>
+          </ac:spMkLst>
+        </pc:spChg>
+        <pc:spChg chg="mod">
+          <ac:chgData name="Mary Heeren" userId="b9b6226669082583" providerId="LiveId" clId="{8759A6CF-2F2F-40FB-9B2C-B3F79B6DB9B0}" dt="2024-11-03T21:55:43.666" v="5370" actId="20577"/>
+          <ac:spMkLst>
+            <pc:docMk/>
+            <pc:sldMk cId="2251251862" sldId="256"/>
+            <ac:spMk id="13" creationId="{00000000-0000-0000-0000-000000000000}"/>
+          </ac:spMkLst>
+        </pc:spChg>
+        <pc:spChg chg="mod">
+          <ac:chgData name="Mary Heeren" userId="b9b6226669082583" providerId="LiveId" clId="{8759A6CF-2F2F-40FB-9B2C-B3F79B6DB9B0}" dt="2024-10-27T19:51:07.908" v="4684" actId="33524"/>
+          <ac:spMkLst>
+            <pc:docMk/>
+            <pc:sldMk cId="2251251862" sldId="256"/>
+            <ac:spMk id="14" creationId="{00000000-0000-0000-0000-000000000000}"/>
+          </ac:spMkLst>
+        </pc:spChg>
+        <pc:spChg chg="mod">
+          <ac:chgData name="Mary Heeren" userId="b9b6226669082583" providerId="LiveId" clId="{8759A6CF-2F2F-40FB-9B2C-B3F79B6DB9B0}" dt="2024-11-03T20:42:34.574" v="4738" actId="113"/>
+          <ac:spMkLst>
+            <pc:docMk/>
+            <pc:sldMk cId="2251251862" sldId="256"/>
+            <ac:spMk id="15" creationId="{00000000-0000-0000-0000-000000000000}"/>
+          </ac:spMkLst>
+        </pc:spChg>
+        <pc:spChg chg="mod">
+          <ac:chgData name="Mary Heeren" userId="b9b6226669082583" providerId="LiveId" clId="{8759A6CF-2F2F-40FB-9B2C-B3F79B6DB9B0}" dt="2024-11-03T21:54:25.771" v="5361" actId="20577"/>
+          <ac:spMkLst>
+            <pc:docMk/>
+            <pc:sldMk cId="2251251862" sldId="256"/>
+            <ac:spMk id="26" creationId="{00000000-0000-0000-0000-000000000000}"/>
+          </ac:spMkLst>
+        </pc:spChg>
+        <pc:spChg chg="mod">
+          <ac:chgData name="Mary Heeren" userId="b9b6226669082583" providerId="LiveId" clId="{8759A6CF-2F2F-40FB-9B2C-B3F79B6DB9B0}" dt="2024-10-21T23:21:56.904" v="686" actId="20577"/>
+          <ac:spMkLst>
+            <pc:docMk/>
+            <pc:sldMk cId="2251251862" sldId="256"/>
+            <ac:spMk id="29" creationId="{D43723A2-6131-23ED-A860-A2CA70FAD474}"/>
+          </ac:spMkLst>
+        </pc:spChg>
+        <pc:spChg chg="mod">
+          <ac:chgData name="Mary Heeren" userId="b9b6226669082583" providerId="LiveId" clId="{8759A6CF-2F2F-40FB-9B2C-B3F79B6DB9B0}" dt="2024-10-21T23:29:18.068" v="695" actId="20577"/>
+          <ac:spMkLst>
+            <pc:docMk/>
+            <pc:sldMk cId="2251251862" sldId="256"/>
+            <ac:spMk id="33" creationId="{00000000-0000-0000-0000-000000000000}"/>
+          </ac:spMkLst>
+        </pc:spChg>
+        <pc:spChg chg="mod">
+          <ac:chgData name="Mary Heeren" userId="b9b6226669082583" providerId="LiveId" clId="{8759A6CF-2F2F-40FB-9B2C-B3F79B6DB9B0}" dt="2024-11-03T21:45:28.623" v="4941" actId="1076"/>
+          <ac:spMkLst>
+            <pc:docMk/>
+            <pc:sldMk cId="2251251862" sldId="256"/>
+            <ac:spMk id="34" creationId="{00000000-0000-0000-0000-000000000000}"/>
+          </ac:spMkLst>
+        </pc:spChg>
+        <pc:spChg chg="mod">
+          <ac:chgData name="Mary Heeren" userId="b9b6226669082583" providerId="LiveId" clId="{8759A6CF-2F2F-40FB-9B2C-B3F79B6DB9B0}" dt="2024-10-28T20:08:48.842" v="4690" actId="1076"/>
+          <ac:spMkLst>
+            <pc:docMk/>
+            <pc:sldMk cId="2251251862" sldId="256"/>
+            <ac:spMk id="45" creationId="{00000000-0000-0000-0000-000000000000}"/>
+          </ac:spMkLst>
+        </pc:spChg>
+        <pc:picChg chg="add mod">
+          <ac:chgData name="Mary Heeren" userId="b9b6226669082583" providerId="LiveId" clId="{8759A6CF-2F2F-40FB-9B2C-B3F79B6DB9B0}" dt="2024-11-03T21:54:44.988" v="5362" actId="14100"/>
+          <ac:picMkLst>
+            <pc:docMk/>
+            <pc:sldMk cId="2251251862" sldId="256"/>
+            <ac:picMk id="6" creationId="{107D1107-B231-39C4-11CD-46CBD4C6CCE2}"/>
+          </ac:picMkLst>
+        </pc:picChg>
+        <pc:picChg chg="del">
+          <ac:chgData name="Mary Heeren" userId="b9b6226669082583" providerId="LiveId" clId="{8759A6CF-2F2F-40FB-9B2C-B3F79B6DB9B0}" dt="2024-10-18T18:06:57.029" v="3" actId="478"/>
+          <ac:picMkLst>
+            <pc:docMk/>
+            <pc:sldMk cId="2251251862" sldId="256"/>
+            <ac:picMk id="6" creationId="{3CA2932D-5DB9-DF8C-3EE5-226E781409F8}"/>
+          </ac:picMkLst>
+        </pc:picChg>
+        <pc:picChg chg="add del mod">
+          <ac:chgData name="Mary Heeren" userId="b9b6226669082583" providerId="LiveId" clId="{8759A6CF-2F2F-40FB-9B2C-B3F79B6DB9B0}" dt="2024-10-20T20:47:28.218" v="282" actId="478"/>
+          <ac:picMkLst>
+            <pc:docMk/>
+            <pc:sldMk cId="2251251862" sldId="256"/>
+            <ac:picMk id="7" creationId="{879ECB07-2A0F-9578-E711-FFAEC324AA84}"/>
+          </ac:picMkLst>
+        </pc:picChg>
+        <pc:picChg chg="add del mod">
+          <ac:chgData name="Mary Heeren" userId="b9b6226669082583" providerId="LiveId" clId="{8759A6CF-2F2F-40FB-9B2C-B3F79B6DB9B0}" dt="2024-11-03T21:30:05.685" v="4770" actId="478"/>
+          <ac:picMkLst>
+            <pc:docMk/>
+            <pc:sldMk cId="2251251862" sldId="256"/>
+            <ac:picMk id="8" creationId="{DE59CBEE-86CB-3328-92F8-38B9FC894E63}"/>
+          </ac:picMkLst>
+        </pc:picChg>
+        <pc:picChg chg="add del mod">
+          <ac:chgData name="Mary Heeren" userId="b9b6226669082583" providerId="LiveId" clId="{8759A6CF-2F2F-40FB-9B2C-B3F79B6DB9B0}" dt="2024-10-20T20:44:04.110" v="278" actId="478"/>
+          <ac:picMkLst>
+            <pc:docMk/>
+            <pc:sldMk cId="2251251862" sldId="256"/>
+            <ac:picMk id="16" creationId="{A1DD4AF2-CB32-A3D5-D972-22CBFF36DC9B}"/>
+          </ac:picMkLst>
+        </pc:picChg>
+        <pc:picChg chg="add mod">
+          <ac:chgData name="Mary Heeren" userId="b9b6226669082583" providerId="LiveId" clId="{8759A6CF-2F2F-40FB-9B2C-B3F79B6DB9B0}" dt="2024-11-03T21:47:28.895" v="4956" actId="14100"/>
+          <ac:picMkLst>
+            <pc:docMk/>
+            <pc:sldMk cId="2251251862" sldId="256"/>
+            <ac:picMk id="17" creationId="{A1DE0511-100E-0432-70E6-3DBB11DD371A}"/>
+          </ac:picMkLst>
+        </pc:picChg>
+        <pc:picChg chg="add del mod">
+          <ac:chgData name="Mary Heeren" userId="b9b6226669082583" providerId="LiveId" clId="{8759A6CF-2F2F-40FB-9B2C-B3F79B6DB9B0}" dt="2024-10-21T23:16:05.508" v="445" actId="478"/>
+          <ac:picMkLst>
+            <pc:docMk/>
+            <pc:sldMk cId="2251251862" sldId="256"/>
+            <ac:picMk id="18" creationId="{0B0293FD-57C3-8B2C-7305-8D676B6E632E}"/>
+          </ac:picMkLst>
+        </pc:picChg>
+        <pc:picChg chg="del">
+          <ac:chgData name="Mary Heeren" userId="b9b6226669082583" providerId="LiveId" clId="{8759A6CF-2F2F-40FB-9B2C-B3F79B6DB9B0}" dt="2024-10-18T18:06:55.653" v="2" actId="478"/>
+          <ac:picMkLst>
+            <pc:docMk/>
+            <pc:sldMk cId="2251251862" sldId="256"/>
+            <ac:picMk id="19" creationId="{CA7F02E4-CD79-FAA7-243E-7D1924AC8F1C}"/>
+          </ac:picMkLst>
+        </pc:picChg>
+        <pc:picChg chg="del mod">
+          <ac:chgData name="Mary Heeren" userId="b9b6226669082583" providerId="LiveId" clId="{8759A6CF-2F2F-40FB-9B2C-B3F79B6DB9B0}" dt="2024-11-03T21:29:55.883" v="4766" actId="478"/>
+          <ac:picMkLst>
+            <pc:docMk/>
+            <pc:sldMk cId="2251251862" sldId="256"/>
+            <ac:picMk id="21" creationId="{72E9D892-71CF-7A43-B237-2394F5BF711F}"/>
+          </ac:picMkLst>
+        </pc:picChg>
+        <pc:picChg chg="del mod">
+          <ac:chgData name="Mary Heeren" userId="b9b6226669082583" providerId="LiveId" clId="{8759A6CF-2F2F-40FB-9B2C-B3F79B6DB9B0}" dt="2024-10-27T13:13:07.954" v="2396" actId="478"/>
+          <ac:picMkLst>
+            <pc:docMk/>
+            <pc:sldMk cId="2251251862" sldId="256"/>
+            <ac:picMk id="22" creationId="{9739A0A6-476C-6EEF-7E0F-6B9DF43C3B1C}"/>
+          </ac:picMkLst>
+        </pc:picChg>
+        <pc:picChg chg="del mod">
+          <ac:chgData name="Mary Heeren" userId="b9b6226669082583" providerId="LiveId" clId="{8759A6CF-2F2F-40FB-9B2C-B3F79B6DB9B0}" dt="2024-11-03T20:53:47.848" v="4757" actId="478"/>
+          <ac:picMkLst>
+            <pc:docMk/>
+            <pc:sldMk cId="2251251862" sldId="256"/>
+            <ac:picMk id="23" creationId="{637B3BB4-70D4-01EF-773D-4F270A14BA3F}"/>
+          </ac:picMkLst>
+        </pc:picChg>
+        <pc:picChg chg="del">
+          <ac:chgData name="Mary Heeren" userId="b9b6226669082583" providerId="LiveId" clId="{8759A6CF-2F2F-40FB-9B2C-B3F79B6DB9B0}" dt="2024-10-21T23:33:43.646" v="747" actId="478"/>
+          <ac:picMkLst>
+            <pc:docMk/>
+            <pc:sldMk cId="2251251862" sldId="256"/>
+            <ac:picMk id="28" creationId="{6ABD83B1-C1BB-DEA5-8795-52694A1E21BC}"/>
+          </ac:picMkLst>
+        </pc:picChg>
+        <pc:picChg chg="add mod">
+          <ac:chgData name="Mary Heeren" userId="b9b6226669082583" providerId="LiveId" clId="{8759A6CF-2F2F-40FB-9B2C-B3F79B6DB9B0}" dt="2024-10-21T23:28:30.220" v="688" actId="1076"/>
+          <ac:picMkLst>
+            <pc:docMk/>
+            <pc:sldMk cId="2251251862" sldId="256"/>
+            <ac:picMk id="30" creationId="{C9C911B9-1B0F-DCA3-7D3F-36046FB64CED}"/>
+          </ac:picMkLst>
+        </pc:picChg>
+        <pc:picChg chg="del">
+          <ac:chgData name="Mary Heeren" userId="b9b6226669082583" providerId="LiveId" clId="{8759A6CF-2F2F-40FB-9B2C-B3F79B6DB9B0}" dt="2024-10-21T23:33:44.858" v="748" actId="478"/>
+          <ac:picMkLst>
+            <pc:docMk/>
+            <pc:sldMk cId="2251251862" sldId="256"/>
+            <ac:picMk id="40" creationId="{48F079EA-E6B1-731B-605A-4AFFC5FAB50C}"/>
+          </ac:picMkLst>
+        </pc:picChg>
+        <pc:picChg chg="add mod">
+          <ac:chgData name="Mary Heeren" userId="b9b6226669082583" providerId="LiveId" clId="{8759A6CF-2F2F-40FB-9B2C-B3F79B6DB9B0}" dt="2024-10-18T18:57:33.930" v="61" actId="1076"/>
+          <ac:picMkLst>
+            <pc:docMk/>
+            <pc:sldMk cId="2251251862" sldId="256"/>
+            <ac:picMk id="1026" creationId="{CE9A83DC-DEAD-2391-6519-C88267F0F2B0}"/>
+          </ac:picMkLst>
+        </pc:picChg>
+        <pc:picChg chg="add mod">
+          <ac:chgData name="Mary Heeren" userId="b9b6226669082583" providerId="LiveId" clId="{8759A6CF-2F2F-40FB-9B2C-B3F79B6DB9B0}" dt="2024-10-21T23:28:39.127" v="690" actId="1076"/>
+          <ac:picMkLst>
+            <pc:docMk/>
+            <pc:sldMk cId="2251251862" sldId="256"/>
+            <ac:picMk id="1028" creationId="{FACEF0A8-740A-43AF-CB32-72FB3BD54465}"/>
+          </ac:picMkLst>
+        </pc:picChg>
+        <pc:picChg chg="add mod">
+          <ac:chgData name="Mary Heeren" userId="b9b6226669082583" providerId="LiveId" clId="{8759A6CF-2F2F-40FB-9B2C-B3F79B6DB9B0}" dt="2024-10-21T23:28:44.849" v="691" actId="166"/>
+          <ac:picMkLst>
+            <pc:docMk/>
+            <pc:sldMk cId="2251251862" sldId="256"/>
+            <ac:picMk id="1030" creationId="{B65C70D2-60D1-CAF3-23AA-A305C0D26381}"/>
+          </ac:picMkLst>
+        </pc:picChg>
+      </pc:sldChg>
+    </pc:docChg>
+  </pc:docChgLst>
+</pc:chgInfo>
 </file>
 
 <file path=ppt/handoutMasters/handoutMaster1.xml><?xml version="1.0" encoding="utf-8"?>
@@ -344,7 +495,7 @@
           <a:p>
             <a:fld id="{7151A46D-D41C-4A90-A00B-41DB1F43CE1D}" type="datetimeFigureOut">
               <a:rPr lang="en-US" smtClean="0"/>
-              <a:t>9/2/2024</a:t>
+              <a:t>11/3/2024</a:t>
             </a:fld>
             <a:endParaRPr lang="en-US"/>
           </a:p>
@@ -521,7 +672,7 @@
           <a:p>
             <a:fld id="{06CA19FA-A97A-4A00-A435-23AB33AC757B}" type="datetimeFigureOut">
               <a:rPr lang="en-US" smtClean="0"/>
-              <a:t>9/2/2024</a:t>
+              <a:t>11/3/2024</a:t>
             </a:fld>
             <a:endParaRPr lang="en-US"/>
           </a:p>
@@ -1070,7 +1221,7 @@
           <a:p>
             <a:fld id="{985D6BDF-9D0E-4E2B-85B8-D8F4790360C9}" type="datetimeFigureOut">
               <a:rPr lang="en-US" smtClean="0"/>
-              <a:t>9/2/2024</a:t>
+              <a:t>11/3/2024</a:t>
             </a:fld>
             <a:endParaRPr lang="en-US" dirty="0"/>
           </a:p>
@@ -2444,8 +2595,23 @@
                 </a:solidFill>
                 <a:latin typeface="+mn-lt"/>
               </a:rPr>
-              <a:t>Analysis of Optimal Die Configurations</a:t>
-            </a:r>
+              <a:t>Analysis of Optimal </a:t>
+            </a:r>
+            <a:r>
+              <a:rPr lang="en-US" sz="7200" b="1">
+                <a:solidFill>
+                  <a:schemeClr val="bg1"/>
+                </a:solidFill>
+                <a:latin typeface="+mn-lt"/>
+              </a:rPr>
+              <a:t>Die Configurations</a:t>
+            </a:r>
+            <a:endParaRPr lang="en-US" sz="7200" b="1" dirty="0">
+              <a:solidFill>
+                <a:schemeClr val="bg1"/>
+              </a:solidFill>
+              <a:latin typeface="+mn-lt"/>
+            </a:endParaRPr>
           </a:p>
         </p:txBody>
       </p:sp>
@@ -2773,25 +2939,35 @@
           </a:bodyPr>
           <a:lstStyle/>
           <a:p>
-            <a:pPr marL="342842" indent="-342842">
-              <a:buFont typeface="+mj-lt"/>
-              <a:buAutoNum type="arabicPeriod"/>
-            </a:pPr>
             <a:r>
               <a:rPr lang="en-US" sz="2500" dirty="0"/>
-              <a:t> Geeks for Geeks (</a:t>
+              <a:t>1.  </a:t>
+            </a:r>
+            <a:r>
+              <a:rPr lang="en-US" sz="2500" dirty="0" err="1"/>
+              <a:t>Jupyter</a:t>
+            </a:r>
+            <a:r>
+              <a:rPr lang="en-US" sz="2500" dirty="0"/>
+              <a:t> Notebook (</a:t>
             </a:r>
             <a:r>
               <a:rPr lang="en-US" sz="2800" dirty="0">
                 <a:hlinkClick r:id="rId3"/>
               </a:rPr>
-              <a:t>Aitken's Array or Bell Triangle - </a:t>
+              <a:t>Project </a:t>
             </a:r>
             <a:r>
               <a:rPr lang="en-US" sz="2800" dirty="0" err="1">
                 <a:hlinkClick r:id="rId3"/>
               </a:rPr>
-              <a:t>GeeksforGeeks</a:t>
+              <a:t>Jupyter</a:t>
+            </a:r>
+            <a:r>
+              <a:rPr lang="en-US" sz="2800" dirty="0">
+                <a:hlinkClick r:id="rId3"/>
+              </a:rPr>
+              <a:t> | Home</a:t>
             </a:r>
             <a:r>
               <a:rPr lang="en-US" sz="2800" dirty="0"/>
@@ -2800,66 +2976,50 @@
             <a:endParaRPr lang="en-US" sz="2500" dirty="0"/>
           </a:p>
           <a:p>
-            <a:pPr marL="342842" indent="-342842">
-              <a:buFont typeface="+mj-lt"/>
-              <a:buAutoNum type="arabicPeriod"/>
-            </a:pPr>
             <a:r>
               <a:rPr lang="en-US" sz="2500" dirty="0"/>
-              <a:t> </a:t>
-            </a:r>
-            <a:r>
-              <a:rPr lang="en-US" sz="2500" dirty="0" err="1"/>
-              <a:t>Jupyter</a:t>
-            </a:r>
-            <a:r>
-              <a:rPr lang="en-US" sz="2500" dirty="0"/>
-              <a:t> Notebook (</a:t>
+              <a:t>2. Geeks for Geeks (</a:t>
             </a:r>
             <a:r>
               <a:rPr lang="en-US" sz="2800" dirty="0">
                 <a:hlinkClick r:id="rId4"/>
               </a:rPr>
-              <a:t>Project </a:t>
-            </a:r>
-            <a:r>
-              <a:rPr lang="en-US" sz="2800" dirty="0" err="1">
-                <a:hlinkClick r:id="rId4"/>
-              </a:rPr>
-              <a:t>Jupyter</a:t>
-            </a:r>
-            <a:r>
-              <a:rPr lang="en-US" sz="2800" dirty="0">
-                <a:hlinkClick r:id="rId4"/>
-              </a:rPr>
-              <a:t> | Home</a:t>
+              <a:t>Transitive Relations: Definition, Properties, and Examples (geeksforgeeks.org)</a:t>
             </a:r>
             <a:r>
               <a:rPr lang="en-US" sz="2800" dirty="0"/>
               <a:t>)</a:t>
             </a:r>
-            <a:endParaRPr lang="en-US" sz="2500" dirty="0"/>
-          </a:p>
-          <a:p>
-            <a:pPr marL="342842" indent="-342842">
-              <a:buFont typeface="+mj-lt"/>
-              <a:buAutoNum type="arabicPeriod"/>
-            </a:pPr>
-            <a:r>
-              <a:rPr lang="en-US" sz="2500" dirty="0"/>
-              <a:t> Geeks for Geeks (</a:t>
+          </a:p>
+          <a:p>
+            <a:r>
+              <a:rPr lang="en-US" sz="2800" dirty="0"/>
+              <a:t>3. </a:t>
+            </a:r>
+            <a:r>
+              <a:rPr lang="en-US" sz="2800" dirty="0" err="1"/>
+              <a:t>Github</a:t>
+            </a:r>
+            <a:r>
+              <a:rPr lang="en-US" sz="2800" dirty="0"/>
+              <a:t> Repository (</a:t>
             </a:r>
             <a:r>
               <a:rPr lang="en-US" sz="2800" dirty="0">
                 <a:hlinkClick r:id="rId5"/>
               </a:rPr>
-              <a:t>Transitive Relations: Definition, Properties, and Examples (geeksforgeeks.org)</a:t>
+              <a:t>SFA-CS/</a:t>
+            </a:r>
+            <a:r>
+              <a:rPr lang="en-US" sz="2800" dirty="0" err="1">
+                <a:hlinkClick r:id="rId5"/>
+              </a:rPr>
+              <a:t>DiceProblem</a:t>
             </a:r>
             <a:r>
               <a:rPr lang="en-US" sz="2800" dirty="0"/>
               <a:t>)</a:t>
             </a:r>
-            <a:endParaRPr lang="en-US" sz="2500" dirty="0"/>
           </a:p>
         </p:txBody>
       </p:sp>
@@ -3111,8 +3271,8 @@
         </p:nvSpPr>
         <p:spPr bwMode="auto">
           <a:xfrm>
-            <a:off x="15368016" y="17146522"/>
-            <a:ext cx="13161264" cy="11110687"/>
+            <a:off x="15387669" y="5415783"/>
+            <a:ext cx="13161264" cy="8648475"/>
           </a:xfrm>
           <a:prstGeom prst="rect">
             <a:avLst/>
@@ -3232,10 +3392,313 @@
           <a:p>
             <a:pPr eaLnBrk="1" hangingPunct="1"/>
             <a:r>
+              <a:rPr lang="en-US" sz="3200" b="1" i="0" dirty="0">
+                <a:solidFill>
+                  <a:srgbClr val="000000"/>
+                </a:solidFill>
+                <a:effectLst/>
+                <a:latin typeface="+mn-lt"/>
+              </a:rPr>
+              <a:t>Definition. </a:t>
+            </a:r>
+            <a:r>
+              <a:rPr lang="en-US" sz="3200" b="0" i="0" dirty="0">
+                <a:solidFill>
+                  <a:srgbClr val="000000"/>
+                </a:solidFill>
+                <a:effectLst/>
+                <a:latin typeface="+mn-lt"/>
+              </a:rPr>
+              <a:t>Given two dice </a:t>
+            </a:r>
+            <a:r>
+              <a:rPr lang="en-US" sz="3200" b="0" i="1" dirty="0">
+                <a:solidFill>
+                  <a:srgbClr val="000000"/>
+                </a:solidFill>
+                <a:effectLst/>
+                <a:latin typeface="+mn-lt"/>
+              </a:rPr>
+              <a:t>A</a:t>
+            </a:r>
+            <a:r>
+              <a:rPr lang="en-US" sz="3200" b="0" i="0" dirty="0">
+                <a:solidFill>
+                  <a:srgbClr val="000000"/>
+                </a:solidFill>
+                <a:effectLst/>
+                <a:latin typeface="+mn-lt"/>
+              </a:rPr>
+              <a:t> and </a:t>
+            </a:r>
+            <a:r>
+              <a:rPr lang="en-US" sz="3200" b="0" i="1" dirty="0">
+                <a:solidFill>
+                  <a:srgbClr val="000000"/>
+                </a:solidFill>
+                <a:effectLst/>
+                <a:latin typeface="+mn-lt"/>
+              </a:rPr>
+              <a:t>B</a:t>
+            </a:r>
+            <a:r>
+              <a:rPr lang="en-US" sz="3200" b="0" i="0" dirty="0">
+                <a:solidFill>
+                  <a:srgbClr val="000000"/>
+                </a:solidFill>
+                <a:effectLst/>
+                <a:latin typeface="+mn-lt"/>
+              </a:rPr>
+              <a:t> with the same number of sides, a die </a:t>
+            </a:r>
+            <a:r>
+              <a:rPr lang="en-US" sz="3200" b="0" i="1" dirty="0">
+                <a:solidFill>
+                  <a:srgbClr val="000000"/>
+                </a:solidFill>
+                <a:effectLst/>
+                <a:latin typeface="+mn-lt"/>
+              </a:rPr>
+              <a:t>A</a:t>
+            </a:r>
+            <a:r>
+              <a:rPr lang="en-US" sz="3200" b="0" i="0" dirty="0">
+                <a:solidFill>
+                  <a:srgbClr val="000000"/>
+                </a:solidFill>
+                <a:effectLst/>
+                <a:latin typeface="+mn-lt"/>
+              </a:rPr>
+              <a:t> is said to </a:t>
+            </a:r>
+            <a:r>
+              <a:rPr lang="en-US" sz="3200" b="1" i="0" dirty="0">
+                <a:solidFill>
+                  <a:srgbClr val="000000"/>
+                </a:solidFill>
+                <a:effectLst/>
+                <a:latin typeface="+mn-lt"/>
+              </a:rPr>
+              <a:t>win </a:t>
+            </a:r>
+            <a:r>
+              <a:rPr lang="en-US" sz="3200" i="0" dirty="0">
+                <a:solidFill>
+                  <a:srgbClr val="000000"/>
+                </a:solidFill>
+                <a:effectLst/>
+                <a:latin typeface="+mn-lt"/>
+              </a:rPr>
+              <a:t>over</a:t>
+            </a:r>
+            <a:r>
+              <a:rPr lang="en-US" sz="3200" b="1" i="0" dirty="0">
+                <a:solidFill>
+                  <a:srgbClr val="000000"/>
+                </a:solidFill>
+                <a:effectLst/>
+                <a:latin typeface="+mn-lt"/>
+              </a:rPr>
+              <a:t> </a:t>
+            </a:r>
+            <a:r>
+              <a:rPr lang="en-US" sz="3200" b="0" i="0" dirty="0">
+                <a:solidFill>
+                  <a:srgbClr val="000000"/>
+                </a:solidFill>
+                <a:effectLst/>
+                <a:latin typeface="+mn-lt"/>
+              </a:rPr>
+              <a:t>another die </a:t>
+            </a:r>
+            <a:r>
+              <a:rPr lang="en-US" sz="3200" b="0" i="1" dirty="0">
+                <a:solidFill>
+                  <a:srgbClr val="000000"/>
+                </a:solidFill>
+                <a:effectLst/>
+                <a:latin typeface="+mn-lt"/>
+              </a:rPr>
+              <a:t>B</a:t>
+            </a:r>
+            <a:r>
+              <a:rPr lang="en-US" sz="3200" b="0" i="0" dirty="0">
+                <a:solidFill>
+                  <a:srgbClr val="000000"/>
+                </a:solidFill>
+                <a:effectLst/>
+                <a:latin typeface="+mn-lt"/>
+              </a:rPr>
+              <a:t> if given every pairing of sides (</a:t>
+            </a:r>
+            <a:r>
+              <a:rPr lang="en-US" sz="3200" b="0" i="1" dirty="0" err="1">
+                <a:solidFill>
+                  <a:srgbClr val="000000"/>
+                </a:solidFill>
+                <a:effectLst/>
+                <a:latin typeface="+mn-lt"/>
+              </a:rPr>
+              <a:t>a,b</a:t>
+            </a:r>
+            <a:r>
+              <a:rPr lang="en-US" sz="3200" b="0" i="0" dirty="0">
+                <a:solidFill>
+                  <a:srgbClr val="000000"/>
+                </a:solidFill>
+                <a:effectLst/>
+                <a:latin typeface="+mn-lt"/>
+              </a:rPr>
+              <a:t>) where a is from </a:t>
+            </a:r>
+            <a:r>
+              <a:rPr lang="en-US" sz="3200" b="0" i="1" dirty="0">
+                <a:solidFill>
+                  <a:srgbClr val="000000"/>
+                </a:solidFill>
+                <a:effectLst/>
+                <a:latin typeface="+mn-lt"/>
+              </a:rPr>
+              <a:t>A</a:t>
+            </a:r>
+            <a:r>
+              <a:rPr lang="en-US" sz="3200" b="0" i="0" dirty="0">
+                <a:solidFill>
+                  <a:srgbClr val="000000"/>
+                </a:solidFill>
+                <a:effectLst/>
+                <a:latin typeface="+mn-lt"/>
+              </a:rPr>
+              <a:t> and </a:t>
+            </a:r>
+            <a:r>
+              <a:rPr lang="en-US" sz="3200" b="0" i="1" dirty="0">
+                <a:solidFill>
+                  <a:srgbClr val="000000"/>
+                </a:solidFill>
+                <a:effectLst/>
+                <a:latin typeface="+mn-lt"/>
+              </a:rPr>
+              <a:t>b</a:t>
+            </a:r>
+            <a:r>
+              <a:rPr lang="en-US" sz="3200" b="0" i="0" dirty="0">
+                <a:solidFill>
+                  <a:srgbClr val="000000"/>
+                </a:solidFill>
+                <a:effectLst/>
+                <a:latin typeface="+mn-lt"/>
+              </a:rPr>
+              <a:t> is from </a:t>
+            </a:r>
+            <a:r>
+              <a:rPr lang="en-US" sz="3200" b="0" i="1" dirty="0">
+                <a:solidFill>
+                  <a:srgbClr val="000000"/>
+                </a:solidFill>
+                <a:effectLst/>
+                <a:latin typeface="+mn-lt"/>
+              </a:rPr>
+              <a:t>B</a:t>
+            </a:r>
+            <a:r>
+              <a:rPr lang="en-US" sz="3200" b="0" i="0" dirty="0">
+                <a:solidFill>
+                  <a:srgbClr val="000000"/>
+                </a:solidFill>
+                <a:effectLst/>
+                <a:latin typeface="+mn-lt"/>
+              </a:rPr>
+              <a:t>, the majority of the pairing satisfy </a:t>
+            </a:r>
+            <a:r>
+              <a:rPr lang="en-US" sz="3200" b="0" i="1" dirty="0">
+                <a:solidFill>
+                  <a:srgbClr val="000000"/>
+                </a:solidFill>
+                <a:effectLst/>
+                <a:latin typeface="+mn-lt"/>
+              </a:rPr>
+              <a:t>a &gt; b</a:t>
+            </a:r>
+            <a:r>
+              <a:rPr lang="en-US" sz="3200" b="0" i="0" dirty="0">
+                <a:solidFill>
+                  <a:srgbClr val="000000"/>
+                </a:solidFill>
+                <a:effectLst/>
+                <a:latin typeface="+mn-lt"/>
+              </a:rPr>
+              <a:t>.</a:t>
+            </a:r>
+            <a:endParaRPr lang="en-US" sz="3200" dirty="0">
+              <a:highlight>
+                <a:srgbClr val="FFFF00"/>
+              </a:highlight>
+              <a:latin typeface="+mn-lt"/>
+            </a:endParaRPr>
+          </a:p>
+          <a:p>
+            <a:pPr eaLnBrk="1" hangingPunct="1"/>
+            <a:endParaRPr lang="en-US" sz="3200" dirty="0">
+              <a:highlight>
+                <a:srgbClr val="FFFF00"/>
+              </a:highlight>
+              <a:latin typeface="Calibri" pitchFamily="34" charset="0"/>
+            </a:endParaRPr>
+          </a:p>
+          <a:p>
+            <a:pPr eaLnBrk="1" hangingPunct="1"/>
+            <a:r>
               <a:rPr lang="en-US" sz="3200" dirty="0">
                 <a:latin typeface="Calibri" pitchFamily="34" charset="0"/>
               </a:rPr>
-              <a:t>While exploring the transitive properties of dice, I discovered that there were multiple options when comparing dice that cause the results of transitivity to vary. An example of this would be comparing 1 face of the die to 1 face of the other die. This is referred to as the “overall strength” of the die. </a:t>
+              <a:t>Given a dice with 3 sides and 9 pips to divide over the sides. We can generate the possible combinations. </a:t>
+            </a:r>
+          </a:p>
+          <a:p>
+            <a:pPr algn="ctr" eaLnBrk="1" hangingPunct="1"/>
+            <a:r>
+              <a:rPr lang="en-US" sz="3200" dirty="0">
+                <a:latin typeface="Calibri" pitchFamily="34" charset="0"/>
+              </a:rPr>
+              <a:t>[5,3,1],[4,3,2],[6,2,1]</a:t>
+            </a:r>
+          </a:p>
+          <a:p>
+            <a:pPr eaLnBrk="1" hangingPunct="1"/>
+            <a:r>
+              <a:rPr lang="en-US" sz="3200" dirty="0">
+                <a:latin typeface="Calibri" pitchFamily="34" charset="0"/>
+              </a:rPr>
+              <a:t>Therefore, when compared…</a:t>
+            </a:r>
+          </a:p>
+          <a:p>
+            <a:pPr eaLnBrk="1" hangingPunct="1"/>
+            <a:r>
+              <a:rPr lang="en-US" sz="3200" dirty="0">
+                <a:latin typeface="Calibri" pitchFamily="34" charset="0"/>
+              </a:rPr>
+              <a:t>[5,3,1] &amp; [4,3,2]: TIE</a:t>
+            </a:r>
+          </a:p>
+          <a:p>
+            <a:pPr eaLnBrk="1" hangingPunct="1"/>
+            <a:r>
+              <a:rPr lang="en-US" sz="3200" dirty="0">
+                <a:latin typeface="Calibri" pitchFamily="34" charset="0"/>
+              </a:rPr>
+              <a:t>[4,3,2] &amp; [6,2,1]: [4,3,2] wins</a:t>
+            </a:r>
+          </a:p>
+          <a:p>
+            <a:pPr eaLnBrk="1" hangingPunct="1"/>
+            <a:r>
+              <a:rPr lang="en-US" sz="3200" dirty="0">
+                <a:latin typeface="Calibri" pitchFamily="34" charset="0"/>
+              </a:rPr>
+              <a:t>[5,3,1] &amp; [6,2,1]: TIE</a:t>
             </a:r>
           </a:p>
           <a:p>
@@ -3247,95 +3710,26 @@
           <a:p>
             <a:pPr eaLnBrk="1" hangingPunct="1"/>
             <a:r>
-              <a:rPr lang="en-US" sz="3200" b="1" dirty="0">
+              <a:rPr lang="en-US" sz="3200" dirty="0">
                 <a:latin typeface="Calibri" pitchFamily="34" charset="0"/>
               </a:rPr>
-              <a:t>Overall Strength Method:</a:t>
-            </a:r>
+              <a:t>Therefore, this example demonstrates that there is not always a maximal die given a specified number of sides and pips. Not one of the three dice win consistently over the others thus disproving the theory that there will be a dominant or maximal die for every number of sides and pips. </a:t>
+            </a:r>
+            <a:endParaRPr lang="en-US" sz="3200" dirty="0">
+              <a:highlight>
+                <a:srgbClr val="FFFF00"/>
+              </a:highlight>
+              <a:latin typeface="Calibri" pitchFamily="34" charset="0"/>
+            </a:endParaRPr>
           </a:p>
           <a:p>
             <a:pPr eaLnBrk="1" hangingPunct="1"/>
             <a:endParaRPr lang="en-US" sz="3200" dirty="0">
+              <a:highlight>
+                <a:srgbClr val="FFFF00"/>
+              </a:highlight>
               <a:latin typeface="Calibri" pitchFamily="34" charset="0"/>
             </a:endParaRPr>
-          </a:p>
-          <a:p>
-            <a:pPr eaLnBrk="1" hangingPunct="1"/>
-            <a:endParaRPr lang="en-US" sz="3200" dirty="0">
-              <a:latin typeface="Calibri" pitchFamily="34" charset="0"/>
-            </a:endParaRPr>
-          </a:p>
-          <a:p>
-            <a:pPr eaLnBrk="1" hangingPunct="1"/>
-            <a:endParaRPr lang="en-US" sz="3200" dirty="0">
-              <a:latin typeface="Calibri" pitchFamily="34" charset="0"/>
-            </a:endParaRPr>
-          </a:p>
-          <a:p>
-            <a:pPr eaLnBrk="1" hangingPunct="1"/>
-            <a:endParaRPr lang="en-US" sz="3200" dirty="0">
-              <a:latin typeface="Calibri" pitchFamily="34" charset="0"/>
-            </a:endParaRPr>
-          </a:p>
-          <a:p>
-            <a:pPr eaLnBrk="1" hangingPunct="1"/>
-            <a:r>
-              <a:rPr lang="en-US" sz="3200" b="1" dirty="0">
-                <a:latin typeface="Calibri" pitchFamily="34" charset="0"/>
-              </a:rPr>
-              <a:t>Our Dice Comparison Method:</a:t>
-            </a:r>
-          </a:p>
-          <a:p>
-            <a:pPr eaLnBrk="1" hangingPunct="1"/>
-            <a:endParaRPr lang="en-US" sz="3200" dirty="0">
-              <a:latin typeface="Calibri" pitchFamily="34" charset="0"/>
-            </a:endParaRPr>
-          </a:p>
-          <a:p>
-            <a:pPr eaLnBrk="1" hangingPunct="1"/>
-            <a:endParaRPr lang="en-US" sz="3200" dirty="0">
-              <a:latin typeface="Calibri" pitchFamily="34" charset="0"/>
-            </a:endParaRPr>
-          </a:p>
-          <a:p>
-            <a:pPr eaLnBrk="1" hangingPunct="1"/>
-            <a:endParaRPr lang="en-US" sz="3200" dirty="0">
-              <a:latin typeface="Calibri" pitchFamily="34" charset="0"/>
-            </a:endParaRPr>
-          </a:p>
-          <a:p>
-            <a:pPr eaLnBrk="1" hangingPunct="1"/>
-            <a:endParaRPr lang="en-US" sz="3200" dirty="0">
-              <a:latin typeface="Calibri" pitchFamily="34" charset="0"/>
-            </a:endParaRPr>
-          </a:p>
-          <a:p>
-            <a:pPr eaLnBrk="1" hangingPunct="1"/>
-            <a:endParaRPr lang="en-US" sz="3200" dirty="0">
-              <a:latin typeface="Calibri" pitchFamily="34" charset="0"/>
-            </a:endParaRPr>
-          </a:p>
-          <a:p>
-            <a:pPr eaLnBrk="1" hangingPunct="1"/>
-            <a:endParaRPr lang="en-US" sz="3200" dirty="0">
-              <a:latin typeface="Calibri" pitchFamily="34" charset="0"/>
-            </a:endParaRPr>
-          </a:p>
-          <a:p>
-            <a:pPr eaLnBrk="1" hangingPunct="1"/>
-            <a:endParaRPr lang="en-US" sz="3200" dirty="0">
-              <a:latin typeface="Calibri" pitchFamily="34" charset="0"/>
-            </a:endParaRPr>
-          </a:p>
-          <a:p>
-            <a:pPr eaLnBrk="1" hangingPunct="1"/>
-            <a:r>
-              <a:rPr lang="en-US" sz="3200" dirty="0">
-                <a:latin typeface="Calibri" pitchFamily="34" charset="0"/>
-              </a:rPr>
-              <a:t>As shown in the two examples, the same two dice are being compared using two different methods to show that they will provide different comparison results. Upon further analyzation, it can be concluded that neither method shows transitivity amongst all cases. </a:t>
-            </a:r>
           </a:p>
         </p:txBody>
       </p:sp>
@@ -3347,7 +3741,7 @@
         </p:nvSpPr>
         <p:spPr>
           <a:xfrm>
-            <a:off x="1463040" y="12344400"/>
+            <a:off x="1482090" y="12145237"/>
             <a:ext cx="13167360" cy="731520"/>
           </a:xfrm>
           <a:prstGeom prst="rect">
@@ -3389,7 +3783,7 @@
                   <a:schemeClr val="bg1"/>
                 </a:solidFill>
               </a:rPr>
-              <a:t>Program Implementation</a:t>
+              <a:t>Dice Games</a:t>
             </a:r>
           </a:p>
         </p:txBody>
@@ -3404,8 +3798,8 @@
         </p:nvSpPr>
         <p:spPr bwMode="auto">
           <a:xfrm>
-            <a:off x="15361920" y="5486400"/>
-            <a:ext cx="13167360" cy="10442684"/>
+            <a:off x="15403961" y="15266803"/>
+            <a:ext cx="13167360" cy="12331278"/>
           </a:xfrm>
           <a:prstGeom prst="rect">
             <a:avLst/>
@@ -3608,7 +4002,25 @@
                 <a:ea typeface="Aptos" panose="020B0004020202020204" pitchFamily="34" charset="0"/>
                 <a:cs typeface="Times New Roman" panose="02020603050405020304" pitchFamily="18" charset="0"/>
               </a:rPr>
-              <a:t>If Die A beats Die B, and Die B beats Die C, then for transitivity to hold, Die A should also beat Die C.</a:t>
+              <a:t>If Die A wins over Die B, and Die B wins over Die C, then for transitivity to hold, Die A should also </a:t>
+            </a:r>
+            <a:r>
+              <a:rPr lang="en-US" sz="3200" kern="100">
+                <a:effectLst/>
+                <a:latin typeface="+mn-lt"/>
+                <a:ea typeface="Aptos" panose="020B0004020202020204" pitchFamily="34" charset="0"/>
+                <a:cs typeface="Times New Roman" panose="02020603050405020304" pitchFamily="18" charset="0"/>
+              </a:rPr>
+              <a:t>win over </a:t>
+            </a:r>
+            <a:r>
+              <a:rPr lang="en-US" sz="3200" kern="100" dirty="0">
+                <a:effectLst/>
+                <a:latin typeface="+mn-lt"/>
+                <a:ea typeface="Aptos" panose="020B0004020202020204" pitchFamily="34" charset="0"/>
+                <a:cs typeface="Times New Roman" panose="02020603050405020304" pitchFamily="18" charset="0"/>
+              </a:rPr>
+              <a:t>Die C.</a:t>
             </a:r>
           </a:p>
           <a:p>
@@ -3731,7 +4143,7 @@
                 <a:ea typeface="Aptos" panose="020B0004020202020204" pitchFamily="34" charset="0"/>
                 <a:cs typeface="Times New Roman" panose="02020603050405020304" pitchFamily="18" charset="0"/>
               </a:rPr>
-              <a:t>As shown above, there are a few scenarios where transitivity remains true.</a:t>
+              <a:t>.</a:t>
             </a:r>
             <a:endParaRPr lang="en-US" sz="3200" b="1" kern="100" dirty="0">
               <a:latin typeface="+mn-lt"/>
@@ -3812,29 +4224,6 @@
             </a:endParaRPr>
           </a:p>
           <a:p>
-            <a:pPr marR="0" lvl="0">
-              <a:lnSpc>
-                <a:spcPct val="107000"/>
-              </a:lnSpc>
-              <a:spcBef>
-                <a:spcPts val="0"/>
-              </a:spcBef>
-              <a:spcAft>
-                <a:spcPts val="800"/>
-              </a:spcAft>
-              <a:buSzPts val="1000"/>
-              <a:tabLst>
-                <a:tab pos="457200" algn="l"/>
-              </a:tabLst>
-            </a:pPr>
-            <a:endParaRPr lang="en-US" sz="3200" kern="100" dirty="0">
-              <a:effectLst/>
-              <a:latin typeface="+mn-lt"/>
-              <a:ea typeface="Aptos" panose="020B0004020202020204" pitchFamily="34" charset="0"/>
-              <a:cs typeface="Times New Roman" panose="02020603050405020304" pitchFamily="18" charset="0"/>
-            </a:endParaRPr>
-          </a:p>
-          <a:p>
             <a:pPr marL="342900" marR="0" lvl="0" indent="-342900">
               <a:lnSpc>
                 <a:spcPct val="107000"/>
@@ -3852,13 +4241,108 @@
                 <a:tab pos="457200" algn="l"/>
               </a:tabLst>
             </a:pPr>
-            <a:r>
-              <a:rPr lang="en-US" sz="3200" kern="100" dirty="0">
+            <a:endParaRPr lang="en-US" sz="3200" b="1" kern="100" dirty="0">
+              <a:latin typeface="+mn-lt"/>
+              <a:ea typeface="Aptos" panose="020B0004020202020204" pitchFamily="34" charset="0"/>
+              <a:cs typeface="Times New Roman" panose="02020603050405020304" pitchFamily="18" charset="0"/>
+            </a:endParaRPr>
+          </a:p>
+          <a:p>
+            <a:pPr marL="342900" marR="0" lvl="0" indent="-342900">
+              <a:lnSpc>
+                <a:spcPct val="107000"/>
+              </a:lnSpc>
+              <a:spcBef>
+                <a:spcPts val="0"/>
+              </a:spcBef>
+              <a:spcAft>
+                <a:spcPts val="800"/>
+              </a:spcAft>
+              <a:buSzPts val="1000"/>
+              <a:buFont typeface="Symbol" panose="05050102010706020507" pitchFamily="18" charset="2"/>
+              <a:buChar char=""/>
+              <a:tabLst>
+                <a:tab pos="457200" algn="l"/>
+              </a:tabLst>
+            </a:pPr>
+            <a:endParaRPr lang="en-US" sz="3200" b="1" kern="100" dirty="0">
+              <a:effectLst/>
+              <a:latin typeface="+mn-lt"/>
+              <a:ea typeface="Aptos" panose="020B0004020202020204" pitchFamily="34" charset="0"/>
+              <a:cs typeface="Times New Roman" panose="02020603050405020304" pitchFamily="18" charset="0"/>
+            </a:endParaRPr>
+          </a:p>
+          <a:p>
+            <a:pPr marL="342900" marR="0" lvl="0" indent="-342900">
+              <a:lnSpc>
+                <a:spcPct val="107000"/>
+              </a:lnSpc>
+              <a:spcBef>
+                <a:spcPts val="0"/>
+              </a:spcBef>
+              <a:spcAft>
+                <a:spcPts val="800"/>
+              </a:spcAft>
+              <a:buSzPts val="1000"/>
+              <a:buFont typeface="Symbol" panose="05050102010706020507" pitchFamily="18" charset="2"/>
+              <a:buChar char=""/>
+              <a:tabLst>
+                <a:tab pos="457200" algn="l"/>
+              </a:tabLst>
+            </a:pPr>
+            <a:endParaRPr lang="en-US" sz="3200" b="1" kern="100" dirty="0">
+              <a:latin typeface="+mn-lt"/>
+              <a:ea typeface="Aptos" panose="020B0004020202020204" pitchFamily="34" charset="0"/>
+              <a:cs typeface="Times New Roman" panose="02020603050405020304" pitchFamily="18" charset="0"/>
+            </a:endParaRPr>
+          </a:p>
+          <a:p>
+            <a:pPr marL="342900" marR="0" lvl="0" indent="-342900">
+              <a:lnSpc>
+                <a:spcPct val="107000"/>
+              </a:lnSpc>
+              <a:spcBef>
+                <a:spcPts val="0"/>
+              </a:spcBef>
+              <a:spcAft>
+                <a:spcPts val="800"/>
+              </a:spcAft>
+              <a:buSzPts val="1000"/>
+              <a:buFont typeface="Symbol" panose="05050102010706020507" pitchFamily="18" charset="2"/>
+              <a:buChar char=""/>
+              <a:tabLst>
+                <a:tab pos="457200" algn="l"/>
+              </a:tabLst>
+            </a:pPr>
+            <a:endParaRPr lang="en-US" sz="3200" b="1" kern="100" dirty="0">
+              <a:latin typeface="+mn-lt"/>
+              <a:ea typeface="Aptos" panose="020B0004020202020204" pitchFamily="34" charset="0"/>
+              <a:cs typeface="Times New Roman" panose="02020603050405020304" pitchFamily="18" charset="0"/>
+            </a:endParaRPr>
+          </a:p>
+          <a:p>
+            <a:pPr marR="0" lvl="0">
+              <a:lnSpc>
+                <a:spcPct val="107000"/>
+              </a:lnSpc>
+              <a:spcBef>
+                <a:spcPts val="0"/>
+              </a:spcBef>
+              <a:spcAft>
+                <a:spcPts val="800"/>
+              </a:spcAft>
+              <a:buSzPts val="1000"/>
+              <a:tabLst>
+                <a:tab pos="457200" algn="l"/>
+              </a:tabLst>
+            </a:pPr>
+            <a:r>
+              <a:rPr lang="en-US" sz="3200" b="1" kern="100" dirty="0">
                 <a:latin typeface="+mn-lt"/>
                 <a:ea typeface="Aptos" panose="020B0004020202020204" pitchFamily="34" charset="0"/>
                 <a:cs typeface="Times New Roman" panose="02020603050405020304" pitchFamily="18" charset="0"/>
               </a:rPr>
-              <a:t>Above, is an example where transitivity fails, thus disproving the theory that dice follow transitivity rules for every case. </a:t>
+              <a:t>Therefore, transitivity is not consistent in dice comparison, disproving the theory that dice could hold transitive properties in every case.  </a:t>
             </a:r>
           </a:p>
         </p:txBody>
@@ -3871,7 +4355,7 @@
         </p:nvSpPr>
         <p:spPr>
           <a:xfrm>
-            <a:off x="15361920" y="4754880"/>
+            <a:off x="15403961" y="14511580"/>
             <a:ext cx="13167360" cy="731520"/>
           </a:xfrm>
           <a:prstGeom prst="rect">
@@ -3913,7 +4397,7 @@
                   <a:schemeClr val="bg1"/>
                 </a:solidFill>
               </a:rPr>
-              <a:t>Transitivity</a:t>
+              <a:t>Transitivity Failure</a:t>
             </a:r>
           </a:p>
         </p:txBody>
@@ -3928,8 +4412,322 @@
         </p:nvSpPr>
         <p:spPr bwMode="auto">
           <a:xfrm>
-            <a:off x="29260800" y="5264693"/>
-            <a:ext cx="13167360" cy="15542670"/>
+            <a:off x="29338786" y="5333658"/>
+            <a:ext cx="13110156" cy="16035112"/>
+          </a:xfrm>
+          <a:prstGeom prst="rect">
+            <a:avLst/>
+          </a:prstGeom>
+          <a:solidFill>
+            <a:schemeClr val="bg1"/>
+          </a:solidFill>
+          <a:ln w="12700">
+            <a:solidFill>
+              <a:srgbClr val="5F259F"/>
+            </a:solidFill>
+          </a:ln>
+          <a:effectLst/>
+        </p:spPr>
+        <p:txBody>
+          <a:bodyPr wrap="square" lIns="137137" tIns="137137" rIns="137137" bIns="137137">
+            <a:spAutoFit/>
+          </a:bodyPr>
+          <a:lstStyle>
+            <a:lvl1pPr eaLnBrk="0" hangingPunct="0">
+              <a:defRPr sz="2200">
+                <a:solidFill>
+                  <a:schemeClr val="tx1"/>
+                </a:solidFill>
+                <a:latin typeface="Arial" charset="0"/>
+              </a:defRPr>
+            </a:lvl1pPr>
+            <a:lvl2pPr marL="742950" indent="-285750" eaLnBrk="0" hangingPunct="0">
+              <a:defRPr sz="2200">
+                <a:solidFill>
+                  <a:schemeClr val="tx1"/>
+                </a:solidFill>
+                <a:latin typeface="Arial" charset="0"/>
+              </a:defRPr>
+            </a:lvl2pPr>
+            <a:lvl3pPr marL="1143000" indent="-228600" eaLnBrk="0" hangingPunct="0">
+              <a:defRPr sz="2200">
+                <a:solidFill>
+                  <a:schemeClr val="tx1"/>
+                </a:solidFill>
+                <a:latin typeface="Arial" charset="0"/>
+              </a:defRPr>
+            </a:lvl3pPr>
+            <a:lvl4pPr marL="1600200" indent="-228600" eaLnBrk="0" hangingPunct="0">
+              <a:defRPr sz="2200">
+                <a:solidFill>
+                  <a:schemeClr val="tx1"/>
+                </a:solidFill>
+                <a:latin typeface="Arial" charset="0"/>
+              </a:defRPr>
+            </a:lvl4pPr>
+            <a:lvl5pPr marL="2057400" indent="-228600" eaLnBrk="0" hangingPunct="0">
+              <a:defRPr sz="2200">
+                <a:solidFill>
+                  <a:schemeClr val="tx1"/>
+                </a:solidFill>
+                <a:latin typeface="Arial" charset="0"/>
+              </a:defRPr>
+            </a:lvl5pPr>
+            <a:lvl6pPr marL="2514600" indent="-228600" eaLnBrk="0" fontAlgn="base" hangingPunct="0">
+              <a:spcBef>
+                <a:spcPct val="0"/>
+              </a:spcBef>
+              <a:spcAft>
+                <a:spcPct val="0"/>
+              </a:spcAft>
+              <a:defRPr sz="2200">
+                <a:solidFill>
+                  <a:schemeClr val="tx1"/>
+                </a:solidFill>
+                <a:latin typeface="Arial" charset="0"/>
+              </a:defRPr>
+            </a:lvl6pPr>
+            <a:lvl7pPr marL="2971800" indent="-228600" eaLnBrk="0" fontAlgn="base" hangingPunct="0">
+              <a:spcBef>
+                <a:spcPct val="0"/>
+              </a:spcBef>
+              <a:spcAft>
+                <a:spcPct val="0"/>
+              </a:spcAft>
+              <a:defRPr sz="2200">
+                <a:solidFill>
+                  <a:schemeClr val="tx1"/>
+                </a:solidFill>
+                <a:latin typeface="Arial" charset="0"/>
+              </a:defRPr>
+            </a:lvl7pPr>
+            <a:lvl8pPr marL="3429000" indent="-228600" eaLnBrk="0" fontAlgn="base" hangingPunct="0">
+              <a:spcBef>
+                <a:spcPct val="0"/>
+              </a:spcBef>
+              <a:spcAft>
+                <a:spcPct val="0"/>
+              </a:spcAft>
+              <a:defRPr sz="2200">
+                <a:solidFill>
+                  <a:schemeClr val="tx1"/>
+                </a:solidFill>
+                <a:latin typeface="Arial" charset="0"/>
+              </a:defRPr>
+            </a:lvl8pPr>
+            <a:lvl9pPr marL="3886200" indent="-228600" eaLnBrk="0" fontAlgn="base" hangingPunct="0">
+              <a:spcBef>
+                <a:spcPct val="0"/>
+              </a:spcBef>
+              <a:spcAft>
+                <a:spcPct val="0"/>
+              </a:spcAft>
+              <a:defRPr sz="2200">
+                <a:solidFill>
+                  <a:schemeClr val="tx1"/>
+                </a:solidFill>
+                <a:latin typeface="Arial" charset="0"/>
+              </a:defRPr>
+            </a:lvl9pPr>
+          </a:lstStyle>
+          <a:p>
+            <a:pPr eaLnBrk="1" hangingPunct="1"/>
+            <a:r>
+              <a:rPr lang="en-US" sz="3200" b="1" kern="100" dirty="0">
+                <a:latin typeface="+mn-lt"/>
+                <a:ea typeface="Aptos" panose="020B0004020202020204" pitchFamily="34" charset="0"/>
+                <a:cs typeface="Times New Roman" panose="02020603050405020304" pitchFamily="18" charset="0"/>
+              </a:rPr>
+              <a:t>Base Case: </a:t>
+            </a:r>
+            <a:r>
+              <a:rPr lang="en-US" sz="3200" kern="100" dirty="0">
+                <a:latin typeface="+mn-lt"/>
+                <a:ea typeface="Aptos" panose="020B0004020202020204" pitchFamily="34" charset="0"/>
+                <a:cs typeface="Times New Roman" panose="02020603050405020304" pitchFamily="18" charset="0"/>
+              </a:rPr>
+              <a:t>if the number of pips is less than the number of sides, then no dice are created since you cannot have a side without pips. Similarly, only one die is generated in the case that a die has an equal number of sides and pips, since each side can only have one pip.</a:t>
+            </a:r>
+          </a:p>
+          <a:p>
+            <a:pPr eaLnBrk="1" hangingPunct="1"/>
+            <a:endParaRPr lang="en-US" sz="3200" kern="100" dirty="0">
+              <a:latin typeface="+mn-lt"/>
+              <a:ea typeface="Aptos" panose="020B0004020202020204" pitchFamily="34" charset="0"/>
+              <a:cs typeface="Times New Roman" panose="02020603050405020304" pitchFamily="18" charset="0"/>
+            </a:endParaRPr>
+          </a:p>
+          <a:p>
+            <a:pPr eaLnBrk="1" hangingPunct="1"/>
+            <a:r>
+              <a:rPr lang="en-US" sz="3200" b="1" kern="100" dirty="0">
+                <a:latin typeface="+mn-lt"/>
+                <a:ea typeface="Aptos" panose="020B0004020202020204" pitchFamily="34" charset="0"/>
+                <a:cs typeface="Times New Roman" panose="02020603050405020304" pitchFamily="18" charset="0"/>
+              </a:rPr>
+              <a:t>Recursive Case</a:t>
+            </a:r>
+            <a:r>
+              <a:rPr lang="en-US" sz="3200" kern="100" dirty="0">
+                <a:latin typeface="+mn-lt"/>
+                <a:ea typeface="Aptos" panose="020B0004020202020204" pitchFamily="34" charset="0"/>
+                <a:cs typeface="Times New Roman" panose="02020603050405020304" pitchFamily="18" charset="0"/>
+              </a:rPr>
+              <a:t>: In this case, we use a minimum and maximum number that we can use to generate the number of pips for the first side. By using math.ceil(pips/sides) to set a lower bound on possible pips and a high bound of the previous pip (first pip of the previous iteration) or pips – sides + 1, this limits the possible values that pips on the first side of the die can take. For each possible value generated, the program recursively calls the method with sides minus one and pips minus pips generated for the first side. The pips from the first side are passed as the new previous pip as a check to ensure the current die’s value is not exceeded. </a:t>
+            </a:r>
+            <a:endParaRPr lang="en-US" sz="3200" dirty="0">
+              <a:latin typeface="+mn-lt"/>
+            </a:endParaRPr>
+          </a:p>
+          <a:p>
+            <a:pPr eaLnBrk="1" hangingPunct="1"/>
+            <a:r>
+              <a:rPr lang="en-US" sz="3200" b="1" dirty="0">
+                <a:latin typeface="+mn-lt"/>
+              </a:rPr>
+              <a:t>As an example, lets solve n = 3 and k = 5. </a:t>
+            </a:r>
+          </a:p>
+          <a:p>
+            <a:pPr eaLnBrk="1" hangingPunct="1"/>
+            <a:r>
+              <a:rPr lang="en-US" sz="3200" dirty="0">
+                <a:latin typeface="+mn-lt"/>
+              </a:rPr>
+              <a:t>			Finding the Lower and Upper Bound:</a:t>
+            </a:r>
+          </a:p>
+          <a:p>
+            <a:pPr eaLnBrk="1" hangingPunct="1"/>
+            <a:r>
+              <a:rPr lang="en-US" sz="3200" dirty="0">
+                <a:latin typeface="+mn-lt"/>
+              </a:rPr>
+              <a:t>			Lower: Ceiling of Pips/Sides: 2</a:t>
+            </a:r>
+          </a:p>
+          <a:p>
+            <a:pPr eaLnBrk="1" hangingPunct="1"/>
+            <a:r>
+              <a:rPr lang="en-US" sz="3200" dirty="0">
+                <a:latin typeface="+mn-lt"/>
+              </a:rPr>
+              <a:t>			Upper: Pips – Sides + 1: 3</a:t>
+            </a:r>
+          </a:p>
+          <a:p>
+            <a:pPr eaLnBrk="1" hangingPunct="1"/>
+            <a:r>
+              <a:rPr lang="en-US" sz="3200" dirty="0">
+                <a:latin typeface="+mn-lt"/>
+              </a:rPr>
+              <a:t>			Therefore, the dice will start with [2, _, _], [3, _, _].</a:t>
+            </a:r>
+          </a:p>
+          <a:p>
+            <a:pPr eaLnBrk="1" hangingPunct="1"/>
+            <a:r>
+              <a:rPr lang="en-US" sz="3200" b="1" dirty="0">
+                <a:latin typeface="+mn-lt"/>
+              </a:rPr>
+              <a:t>Repeat for each of these with parameters sides – 1 and total number of pips minus pips for the first side, as well as the first pip from the previous iteration. </a:t>
+            </a:r>
+          </a:p>
+          <a:p>
+            <a:pPr eaLnBrk="1" hangingPunct="1"/>
+            <a:r>
+              <a:rPr lang="en-US" sz="3200" dirty="0">
+                <a:latin typeface="+mn-lt"/>
+              </a:rPr>
+              <a:t>For first pip = 2, </a:t>
+            </a:r>
+          </a:p>
+          <a:p>
+            <a:pPr algn="ctr" eaLnBrk="1" hangingPunct="1"/>
+            <a:r>
+              <a:rPr lang="en-US" sz="3200" dirty="0">
+                <a:latin typeface="+mn-lt"/>
+              </a:rPr>
+              <a:t>Lower = 2, Upper = 2, so we have [2,2,_]</a:t>
+            </a:r>
+          </a:p>
+          <a:p>
+            <a:pPr eaLnBrk="1" hangingPunct="1"/>
+            <a:r>
+              <a:rPr lang="en-US" sz="3200" dirty="0">
+                <a:latin typeface="+mn-lt"/>
+              </a:rPr>
+              <a:t>For the next first pip, </a:t>
+            </a:r>
+          </a:p>
+          <a:p>
+            <a:pPr algn="ctr" eaLnBrk="1" hangingPunct="1"/>
+            <a:r>
+              <a:rPr lang="en-US" sz="3200" dirty="0">
+                <a:latin typeface="+mn-lt"/>
+              </a:rPr>
+              <a:t>Lower = 1, Upper = 1, so [2,2,1] = 1 die. </a:t>
+            </a:r>
+          </a:p>
+          <a:p>
+            <a:pPr eaLnBrk="1" hangingPunct="1"/>
+            <a:r>
+              <a:rPr lang="en-US" sz="3200" dirty="0">
+                <a:latin typeface="+mn-lt"/>
+              </a:rPr>
+              <a:t>For first pip = 3, </a:t>
+            </a:r>
+          </a:p>
+          <a:p>
+            <a:pPr algn="ctr" eaLnBrk="1" hangingPunct="1"/>
+            <a:r>
+              <a:rPr lang="en-US" sz="3200" dirty="0">
+                <a:latin typeface="+mn-lt"/>
+              </a:rPr>
+              <a:t>Lower = 1, Upper – 1, so [3,1,_].</a:t>
+            </a:r>
+          </a:p>
+          <a:p>
+            <a:pPr eaLnBrk="1" hangingPunct="1"/>
+            <a:r>
+              <a:rPr lang="en-US" sz="3200" dirty="0">
+                <a:latin typeface="+mn-lt"/>
+              </a:rPr>
+              <a:t>For the next first pip, </a:t>
+            </a:r>
+          </a:p>
+          <a:p>
+            <a:pPr algn="ctr" eaLnBrk="1" hangingPunct="1"/>
+            <a:r>
+              <a:rPr lang="en-US" sz="3200" dirty="0">
+                <a:latin typeface="+mn-lt"/>
+              </a:rPr>
+              <a:t>Lower = 1, Upper = 1, so [3,1,1] = 1 die.</a:t>
+            </a:r>
+          </a:p>
+          <a:p>
+            <a:pPr eaLnBrk="1" hangingPunct="1"/>
+            <a:r>
+              <a:rPr lang="en-US" sz="3200" b="1" dirty="0">
+                <a:latin typeface="+mn-lt"/>
+              </a:rPr>
+              <a:t>Therefore, we have 2 possible dice generated when there are 3 sides and 5 pips. </a:t>
+            </a:r>
+          </a:p>
+        </p:txBody>
+      </p:sp>
+      <p:sp>
+        <p:nvSpPr>
+          <p:cNvPr id="14" name="Text Box 193"/>
+          <p:cNvSpPr txBox="1">
+            <a:spLocks noChangeArrowheads="1"/>
+          </p:cNvSpPr>
+          <p:nvPr/>
+        </p:nvSpPr>
+        <p:spPr bwMode="auto">
+          <a:xfrm>
+            <a:off x="29281582" y="22138672"/>
+            <a:ext cx="13167360" cy="5693820"/>
           </a:xfrm>
           <a:prstGeom prst="rect">
             <a:avLst/>
@@ -4052,339 +4850,7 @@
               <a:rPr lang="en-US" sz="3200" dirty="0">
                 <a:latin typeface="Calibri" pitchFamily="34" charset="0"/>
               </a:rPr>
-              <a:t>The Bell Triangle, also known as the Aitken </a:t>
-            </a:r>
-            <a:r>
-              <a:rPr lang="en-US" sz="3200" dirty="0">
-                <a:latin typeface="+mn-lt"/>
-              </a:rPr>
-              <a:t>Triangle, is a </a:t>
-            </a:r>
-            <a:r>
-              <a:rPr lang="en-US" sz="3200" kern="100" dirty="0">
-                <a:effectLst/>
-                <a:latin typeface="+mn-lt"/>
-                <a:ea typeface="Aptos" panose="020B0004020202020204" pitchFamily="34" charset="0"/>
-                <a:cs typeface="Times New Roman" panose="02020603050405020304" pitchFamily="18" charset="0"/>
-              </a:rPr>
-              <a:t>triangular array of numbers that generates Bell numbers, which count the number of ways to partition a set. The Bell numbers are found in the leftmost diagonal of the triangle. </a:t>
-            </a:r>
-            <a:r>
-              <a:rPr lang="en-US" sz="3200" dirty="0">
-                <a:latin typeface="+mn-lt"/>
-              </a:rPr>
-              <a:t>Using the concept of Bell's Triangle, we derived a recursive formula that determines the number of possible die combinations.</a:t>
-            </a:r>
-          </a:p>
-          <a:p>
-            <a:pPr eaLnBrk="1" hangingPunct="1"/>
-            <a:endParaRPr lang="en-US" sz="3200" kern="100" dirty="0">
-              <a:latin typeface="+mn-lt"/>
-              <a:ea typeface="Aptos" panose="020B0004020202020204" pitchFamily="34" charset="0"/>
-              <a:cs typeface="Times New Roman" panose="02020603050405020304" pitchFamily="18" charset="0"/>
-            </a:endParaRPr>
-          </a:p>
-          <a:p>
-            <a:pPr eaLnBrk="1" hangingPunct="1"/>
-            <a:endParaRPr lang="en-US" sz="3200" kern="100" dirty="0">
-              <a:effectLst/>
-              <a:latin typeface="+mn-lt"/>
-              <a:ea typeface="Aptos" panose="020B0004020202020204" pitchFamily="34" charset="0"/>
-              <a:cs typeface="Times New Roman" panose="02020603050405020304" pitchFamily="18" charset="0"/>
-            </a:endParaRPr>
-          </a:p>
-          <a:p>
-            <a:pPr eaLnBrk="1" hangingPunct="1"/>
-            <a:endParaRPr lang="en-US" sz="3200" dirty="0">
-              <a:latin typeface="+mn-lt"/>
-            </a:endParaRPr>
-          </a:p>
-          <a:p>
-            <a:pPr eaLnBrk="1" hangingPunct="1"/>
-            <a:endParaRPr lang="en-US" sz="3200" dirty="0">
-              <a:latin typeface="+mn-lt"/>
-            </a:endParaRPr>
-          </a:p>
-          <a:p>
-            <a:pPr eaLnBrk="1" hangingPunct="1"/>
-            <a:endParaRPr lang="en-US" sz="3200" dirty="0">
-              <a:latin typeface="+mn-lt"/>
-            </a:endParaRPr>
-          </a:p>
-          <a:p>
-            <a:pPr eaLnBrk="1" hangingPunct="1"/>
-            <a:r>
-              <a:rPr lang="en-US" sz="3200" dirty="0">
-                <a:latin typeface="+mn-lt"/>
-              </a:rPr>
-              <a:t>As an example, lets solve n = 3 and k = 4. </a:t>
-            </a:r>
-          </a:p>
-          <a:p>
-            <a:pPr eaLnBrk="1" hangingPunct="1"/>
-            <a:endParaRPr lang="en-US" sz="3200" dirty="0">
-              <a:latin typeface="+mn-lt"/>
-            </a:endParaRPr>
-          </a:p>
-          <a:p>
-            <a:pPr algn="ctr" eaLnBrk="1" hangingPunct="1"/>
-            <a:r>
-              <a:rPr lang="en-US" sz="3200" dirty="0">
-                <a:latin typeface="+mn-lt"/>
-              </a:rPr>
-              <a:t>C(</a:t>
-            </a:r>
-            <a:r>
-              <a:rPr lang="en-US" sz="3200" dirty="0" err="1">
-                <a:latin typeface="+mn-lt"/>
-              </a:rPr>
-              <a:t>n,k</a:t>
-            </a:r>
-            <a:r>
-              <a:rPr lang="en-US" sz="3200" dirty="0">
-                <a:latin typeface="+mn-lt"/>
-              </a:rPr>
-              <a:t>) =  C(n, k – 1) + C(n – 1, k – 1)</a:t>
-            </a:r>
-          </a:p>
-          <a:p>
-            <a:pPr algn="ctr" eaLnBrk="1" hangingPunct="1"/>
-            <a:r>
-              <a:rPr lang="en-US" sz="3200" dirty="0">
-                <a:latin typeface="+mn-lt"/>
-              </a:rPr>
-              <a:t>C(3,4) = C(3,3) + C(2,3)</a:t>
-            </a:r>
-          </a:p>
-          <a:p>
-            <a:pPr algn="ctr" eaLnBrk="1" hangingPunct="1"/>
-            <a:r>
-              <a:rPr lang="en-US" sz="3200" dirty="0">
-                <a:latin typeface="+mn-lt"/>
-              </a:rPr>
-              <a:t>C(2,3) = C(2,2) + C(1,2)</a:t>
-            </a:r>
-          </a:p>
-          <a:p>
-            <a:pPr algn="ctr" eaLnBrk="1" hangingPunct="1"/>
-            <a:r>
-              <a:rPr lang="en-US" sz="3200" dirty="0">
-                <a:latin typeface="+mn-lt"/>
-              </a:rPr>
-              <a:t>C(1,2) = C(1,1) + C(0,1)</a:t>
-            </a:r>
-          </a:p>
-          <a:p>
-            <a:pPr algn="ctr" eaLnBrk="1" hangingPunct="1"/>
-            <a:r>
-              <a:rPr lang="en-US" sz="3200" dirty="0">
-                <a:latin typeface="+mn-lt"/>
-              </a:rPr>
-              <a:t>C(0,1) = 0</a:t>
-            </a:r>
-          </a:p>
-          <a:p>
-            <a:pPr algn="ctr" eaLnBrk="1" hangingPunct="1"/>
-            <a:endParaRPr lang="en-US" sz="3200" dirty="0">
-              <a:latin typeface="+mn-lt"/>
-            </a:endParaRPr>
-          </a:p>
-          <a:p>
-            <a:pPr eaLnBrk="1" hangingPunct="1"/>
-            <a:r>
-              <a:rPr lang="en-US" sz="3200" dirty="0">
-                <a:latin typeface="+mn-lt"/>
-              </a:rPr>
-              <a:t>Since C(3,3), C(2,2), and C(1,1) each represent one combination , there are 3 total combinations. We know to stop at C(0,1) because it results in 0 combinations added. To double check, we can write out each combination for n = 3 and k = 4 to verify the correct number of 3 combinations.</a:t>
-            </a:r>
-          </a:p>
-          <a:p>
-            <a:pPr eaLnBrk="1" hangingPunct="1"/>
-            <a:endParaRPr lang="en-US" sz="3200" dirty="0">
-              <a:latin typeface="+mn-lt"/>
-            </a:endParaRPr>
-          </a:p>
-          <a:p>
-            <a:pPr algn="ctr" eaLnBrk="1" hangingPunct="1"/>
-            <a:r>
-              <a:rPr lang="en-US" sz="3200" dirty="0">
-                <a:latin typeface="+mn-lt"/>
-              </a:rPr>
-              <a:t>[1,1,2], [1,2,1], [2,1,1]</a:t>
-            </a:r>
-          </a:p>
-          <a:p>
-            <a:pPr eaLnBrk="1" hangingPunct="1"/>
-            <a:endParaRPr lang="en-US" sz="3200" dirty="0">
-              <a:latin typeface="+mn-lt"/>
-            </a:endParaRPr>
-          </a:p>
-          <a:p>
-            <a:pPr eaLnBrk="1" hangingPunct="1"/>
-            <a:r>
-              <a:rPr lang="en-US" sz="3200" dirty="0">
-                <a:latin typeface="+mn-lt"/>
-              </a:rPr>
-              <a:t>Although the Bell Triangle and the recursive function for dice combinations are not the exact same, they share a common combinatorial theme. Both involve the addition of previous elements in a structured way to build a larger combinatorial object. The Bell Triangle is specifically used for partitioning sets, but the recursive thinking it embodies is relevant to many areas of combinatorics, including the problem of counting dice configurations.</a:t>
-            </a:r>
-            <a:endParaRPr lang="en-US" sz="1800" dirty="0">
-              <a:ln>
-                <a:solidFill>
-                  <a:schemeClr val="bg1"/>
-                </a:solidFill>
-              </a:ln>
-              <a:latin typeface="+mn-lt"/>
-            </a:endParaRPr>
-          </a:p>
-        </p:txBody>
-      </p:sp>
-      <p:sp>
-        <p:nvSpPr>
-          <p:cNvPr id="14" name="Text Box 193"/>
-          <p:cNvSpPr txBox="1">
-            <a:spLocks noChangeArrowheads="1"/>
-          </p:cNvSpPr>
-          <p:nvPr/>
-        </p:nvSpPr>
-        <p:spPr bwMode="auto">
-          <a:xfrm>
-            <a:off x="29281582" y="22138672"/>
-            <a:ext cx="13167360" cy="5201377"/>
-          </a:xfrm>
-          <a:prstGeom prst="rect">
-            <a:avLst/>
-          </a:prstGeom>
-          <a:solidFill>
-            <a:schemeClr val="bg1"/>
-          </a:solidFill>
-          <a:ln w="12700">
-            <a:solidFill>
-              <a:srgbClr val="5F259F"/>
-            </a:solidFill>
-          </a:ln>
-          <a:effectLst/>
-        </p:spPr>
-        <p:txBody>
-          <a:bodyPr lIns="137137" tIns="137137" rIns="137137" bIns="137137">
-            <a:spAutoFit/>
-          </a:bodyPr>
-          <a:lstStyle>
-            <a:lvl1pPr eaLnBrk="0" hangingPunct="0">
-              <a:defRPr sz="2200">
-                <a:solidFill>
-                  <a:schemeClr val="tx1"/>
-                </a:solidFill>
-                <a:latin typeface="Arial" charset="0"/>
-              </a:defRPr>
-            </a:lvl1pPr>
-            <a:lvl2pPr marL="742950" indent="-285750" eaLnBrk="0" hangingPunct="0">
-              <a:defRPr sz="2200">
-                <a:solidFill>
-                  <a:schemeClr val="tx1"/>
-                </a:solidFill>
-                <a:latin typeface="Arial" charset="0"/>
-              </a:defRPr>
-            </a:lvl2pPr>
-            <a:lvl3pPr marL="1143000" indent="-228600" eaLnBrk="0" hangingPunct="0">
-              <a:defRPr sz="2200">
-                <a:solidFill>
-                  <a:schemeClr val="tx1"/>
-                </a:solidFill>
-                <a:latin typeface="Arial" charset="0"/>
-              </a:defRPr>
-            </a:lvl3pPr>
-            <a:lvl4pPr marL="1600200" indent="-228600" eaLnBrk="0" hangingPunct="0">
-              <a:defRPr sz="2200">
-                <a:solidFill>
-                  <a:schemeClr val="tx1"/>
-                </a:solidFill>
-                <a:latin typeface="Arial" charset="0"/>
-              </a:defRPr>
-            </a:lvl4pPr>
-            <a:lvl5pPr marL="2057400" indent="-228600" eaLnBrk="0" hangingPunct="0">
-              <a:defRPr sz="2200">
-                <a:solidFill>
-                  <a:schemeClr val="tx1"/>
-                </a:solidFill>
-                <a:latin typeface="Arial" charset="0"/>
-              </a:defRPr>
-            </a:lvl5pPr>
-            <a:lvl6pPr marL="2514600" indent="-228600" eaLnBrk="0" fontAlgn="base" hangingPunct="0">
-              <a:spcBef>
-                <a:spcPct val="0"/>
-              </a:spcBef>
-              <a:spcAft>
-                <a:spcPct val="0"/>
-              </a:spcAft>
-              <a:defRPr sz="2200">
-                <a:solidFill>
-                  <a:schemeClr val="tx1"/>
-                </a:solidFill>
-                <a:latin typeface="Arial" charset="0"/>
-              </a:defRPr>
-            </a:lvl6pPr>
-            <a:lvl7pPr marL="2971800" indent="-228600" eaLnBrk="0" fontAlgn="base" hangingPunct="0">
-              <a:spcBef>
-                <a:spcPct val="0"/>
-              </a:spcBef>
-              <a:spcAft>
-                <a:spcPct val="0"/>
-              </a:spcAft>
-              <a:defRPr sz="2200">
-                <a:solidFill>
-                  <a:schemeClr val="tx1"/>
-                </a:solidFill>
-                <a:latin typeface="Arial" charset="0"/>
-              </a:defRPr>
-            </a:lvl7pPr>
-            <a:lvl8pPr marL="3429000" indent="-228600" eaLnBrk="0" fontAlgn="base" hangingPunct="0">
-              <a:spcBef>
-                <a:spcPct val="0"/>
-              </a:spcBef>
-              <a:spcAft>
-                <a:spcPct val="0"/>
-              </a:spcAft>
-              <a:defRPr sz="2200">
-                <a:solidFill>
-                  <a:schemeClr val="tx1"/>
-                </a:solidFill>
-                <a:latin typeface="Arial" charset="0"/>
-              </a:defRPr>
-            </a:lvl8pPr>
-            <a:lvl9pPr marL="3886200" indent="-228600" eaLnBrk="0" fontAlgn="base" hangingPunct="0">
-              <a:spcBef>
-                <a:spcPct val="0"/>
-              </a:spcBef>
-              <a:spcAft>
-                <a:spcPct val="0"/>
-              </a:spcAft>
-              <a:defRPr sz="2200">
-                <a:solidFill>
-                  <a:schemeClr val="tx1"/>
-                </a:solidFill>
-                <a:latin typeface="Arial" charset="0"/>
-              </a:defRPr>
-            </a:lvl9pPr>
-          </a:lstStyle>
-          <a:p>
-            <a:pPr eaLnBrk="1" hangingPunct="1"/>
-            <a:r>
-              <a:rPr lang="en-US" sz="3200" dirty="0">
-                <a:latin typeface="Calibri" pitchFamily="34" charset="0"/>
-              </a:rPr>
-              <a:t>We have developed algorithms to generate and compare dice configurations. We observed that transitivity does not universally hold amongst dice comparisons. We also noted that there are situations</a:t>
-            </a:r>
-            <a:r>
-              <a:rPr lang="en-US" sz="3200" b="1" dirty="0">
-                <a:latin typeface="Calibri" pitchFamily="34" charset="0"/>
-              </a:rPr>
-              <a:t> with no maximal or best die. </a:t>
-            </a:r>
-            <a:r>
-              <a:rPr lang="en-US" sz="3200" dirty="0">
-                <a:latin typeface="Calibri" pitchFamily="34" charset="0"/>
-              </a:rPr>
-              <a:t>We utilized the principle of the Bell Triangle to explore and quantify the number of possible dice configurations. </a:t>
+              <a:t>Through the development of a python method for generating and comparing dice configurations, we observed transitivity does not universally hold amongst dice comparisons. We explored variations of comparison including “overall strength” versus “face-to-face” comparison and how outcomes will vary between both in regard to transitivity.  We utilized recursion to explore and quantify the number of possible dice configurations. </a:t>
             </a:r>
           </a:p>
           <a:p>
@@ -4399,7 +4865,7 @@
               <a:rPr lang="en-US" sz="3200" dirty="0">
                 <a:latin typeface="Calibri" pitchFamily="34" charset="0"/>
               </a:rPr>
-              <a:t>Overall, this research highlights the complexity of dice analysis, which has applications in programming and combinatorics. These results suggest dice's unconventional nature and open the door for further investigation into their behavior and application in different environments. </a:t>
+              <a:t>Overall, this research highlights the complexity of dice analysis that range from applications in programming to combinatorics. These results suggest an unconventional nature of dice and open the door for further investigation into the behavior of dice and their application in different environments. </a:t>
             </a:r>
           </a:p>
         </p:txBody>
@@ -4469,8 +4935,8 @@
         </p:nvSpPr>
         <p:spPr bwMode="auto">
           <a:xfrm>
-            <a:off x="1463040" y="13075920"/>
-            <a:ext cx="13167360" cy="15770040"/>
+            <a:off x="1463040" y="12897742"/>
+            <a:ext cx="13173456" cy="15674757"/>
           </a:xfrm>
           <a:prstGeom prst="rect">
             <a:avLst/>
@@ -4486,7 +4952,7 @@
           <a:effectLst/>
         </p:spPr>
         <p:txBody>
-          <a:bodyPr lIns="137137" tIns="137137" rIns="137137" bIns="137137">
+          <a:bodyPr wrap="square" lIns="137137" tIns="137137" rIns="137137" bIns="137137">
             <a:spAutoFit/>
           </a:bodyPr>
           <a:lstStyle>
@@ -4600,158 +5066,19 @@
               </a:spcAft>
             </a:pPr>
             <a:r>
-              <a:rPr lang="en-US" sz="3200" kern="100" dirty="0">
-                <a:effectLst/>
-                <a:latin typeface="+mn-lt"/>
-                <a:ea typeface="Aptos" panose="020B0004020202020204" pitchFamily="34" charset="0"/>
-                <a:cs typeface="Times New Roman" panose="02020603050405020304" pitchFamily="18" charset="0"/>
-              </a:rPr>
-              <a:t>The </a:t>
-            </a:r>
-            <a:r>
-              <a:rPr lang="en-US" sz="3200" b="1" kern="100" dirty="0" err="1">
-                <a:effectLst/>
-                <a:latin typeface="+mn-lt"/>
-                <a:ea typeface="Aptos" panose="020B0004020202020204" pitchFamily="34" charset="0"/>
-                <a:cs typeface="Times New Roman" panose="02020603050405020304" pitchFamily="18" charset="0"/>
-              </a:rPr>
-              <a:t>generate_dice</a:t>
-            </a:r>
-            <a:r>
-              <a:rPr lang="en-US" sz="3200" b="1" kern="100" dirty="0">
-                <a:effectLst/>
-                <a:latin typeface="+mn-lt"/>
-                <a:ea typeface="Aptos" panose="020B0004020202020204" pitchFamily="34" charset="0"/>
-                <a:cs typeface="Times New Roman" panose="02020603050405020304" pitchFamily="18" charset="0"/>
-              </a:rPr>
-              <a:t> </a:t>
-            </a:r>
-            <a:r>
-              <a:rPr lang="en-US" sz="3200" kern="100" dirty="0">
-                <a:effectLst/>
-                <a:latin typeface="+mn-lt"/>
-                <a:ea typeface="Aptos" panose="020B0004020202020204" pitchFamily="34" charset="0"/>
-                <a:cs typeface="Times New Roman" panose="02020603050405020304" pitchFamily="18" charset="0"/>
-              </a:rPr>
-              <a:t>method creates every possible arrangement of pips on a die with a specific number of faces and a total number of pips..</a:t>
-            </a:r>
-          </a:p>
-          <a:p>
-            <a:pPr eaLnBrk="1" hangingPunct="1"/>
-            <a:endParaRPr lang="en-US" sz="3200" b="1" dirty="0">
-              <a:latin typeface="+mn-lt"/>
-            </a:endParaRPr>
-          </a:p>
-          <a:p>
-            <a:pPr eaLnBrk="1" hangingPunct="1"/>
-            <a:endParaRPr lang="en-US" sz="3200" dirty="0">
-              <a:latin typeface="+mn-lt"/>
-            </a:endParaRPr>
-          </a:p>
-          <a:p>
-            <a:pPr eaLnBrk="1" hangingPunct="1"/>
-            <a:endParaRPr lang="en-US" sz="3200" dirty="0">
-              <a:latin typeface="+mn-lt"/>
-            </a:endParaRPr>
-          </a:p>
-          <a:p>
-            <a:pPr eaLnBrk="1" hangingPunct="1"/>
-            <a:endParaRPr lang="en-US" sz="3200" dirty="0">
-              <a:latin typeface="+mn-lt"/>
-            </a:endParaRPr>
-          </a:p>
-          <a:p>
-            <a:pPr eaLnBrk="1" hangingPunct="1"/>
-            <a:endParaRPr lang="en-US" sz="3200" dirty="0">
-              <a:latin typeface="+mn-lt"/>
-            </a:endParaRPr>
-          </a:p>
-          <a:p>
-            <a:pPr eaLnBrk="1" hangingPunct="1"/>
-            <a:endParaRPr lang="en-US" sz="3200" dirty="0">
-              <a:latin typeface="+mn-lt"/>
-            </a:endParaRPr>
-          </a:p>
-          <a:p>
-            <a:pPr eaLnBrk="1" hangingPunct="1"/>
-            <a:endParaRPr lang="en-US" sz="3200" dirty="0">
-              <a:latin typeface="+mn-lt"/>
-            </a:endParaRPr>
-          </a:p>
-          <a:p>
-            <a:pPr eaLnBrk="1" hangingPunct="1"/>
-            <a:endParaRPr lang="en-US" sz="3200" dirty="0">
-              <a:latin typeface="+mn-lt"/>
-            </a:endParaRPr>
-          </a:p>
-          <a:p>
-            <a:pPr eaLnBrk="1" hangingPunct="1"/>
-            <a:r>
               <a:rPr lang="en-US" sz="3200" b="1" dirty="0">
                 <a:latin typeface="+mn-lt"/>
-              </a:rPr>
-              <a:t>Definition. </a:t>
+                <a:cs typeface="Arial" panose="020B0604020202020204" pitchFamily="34" charset="0"/>
+              </a:rPr>
+              <a:t>Mino Dice</a:t>
             </a:r>
             <a:r>
               <a:rPr lang="en-US" sz="3200" dirty="0">
                 <a:latin typeface="+mn-lt"/>
-              </a:rPr>
-              <a:t>Given two dice ad with the same number of sides, we say a die A is said to </a:t>
-            </a:r>
-            <a:r>
-              <a:rPr lang="en-US" sz="3200" b="1" dirty="0">
-                <a:latin typeface="+mn-lt"/>
-              </a:rPr>
-              <a:t>beat </a:t>
-            </a:r>
-            <a:r>
-              <a:rPr lang="en-US" sz="3200" dirty="0">
-                <a:latin typeface="+mn-lt"/>
-              </a:rPr>
-              <a:t>or another die B if given every pairing of sides (</a:t>
-            </a:r>
-            <a:r>
-              <a:rPr lang="en-US" sz="3200" dirty="0" err="1">
-                <a:latin typeface="+mn-lt"/>
-              </a:rPr>
-              <a:t>a,b</a:t>
-            </a:r>
-            <a:r>
-              <a:rPr lang="en-US" sz="3200" dirty="0">
-                <a:latin typeface="+mn-lt"/>
-              </a:rPr>
-              <a:t>) where a is said from A and B is a side of A, the majority of the pairing have a &gt; b.</a:t>
-            </a:r>
-            <a:endParaRPr lang="en-US" sz="3200" b="1" dirty="0">
-              <a:latin typeface="+mn-lt"/>
-            </a:endParaRPr>
-          </a:p>
-          <a:p>
-            <a:pPr eaLnBrk="1" hangingPunct="1"/>
-            <a:endParaRPr lang="en-US" sz="3200" dirty="0">
-              <a:latin typeface="+mn-lt"/>
-            </a:endParaRPr>
-          </a:p>
-          <a:p>
-            <a:pPr eaLnBrk="1" hangingPunct="1"/>
-            <a:r>
-              <a:rPr lang="en-US" sz="3200" b="1" dirty="0">
-                <a:latin typeface="+mn-lt"/>
-              </a:rPr>
-              <a:t>Example</a:t>
-            </a:r>
-            <a:r>
-              <a:rPr lang="en-US" sz="3200" dirty="0">
-                <a:latin typeface="+mn-lt"/>
-              </a:rPr>
-              <a:t>: Give your example to the right here:</a:t>
-            </a:r>
-          </a:p>
-          <a:p>
-            <a:pPr eaLnBrk="1" hangingPunct="1"/>
-            <a:endParaRPr lang="en-US" sz="3200" dirty="0">
-              <a:latin typeface="+mn-lt"/>
-            </a:endParaRPr>
+                <a:cs typeface="Arial" panose="020B0604020202020204" pitchFamily="34" charset="0"/>
+              </a:rPr>
+              <a:t>: The dice decide who wins each round. Number dice roll numbers, and special dice (like Minotaur's and Griffins) beat the number dice based on a simple rock-paper-scissors-like system.</a:t>
+            </a:r>
           </a:p>
           <a:p>
             <a:pPr marL="0" marR="0">
@@ -4766,41 +5093,22 @@
               </a:spcAft>
             </a:pPr>
             <a:r>
-              <a:rPr lang="en-US" sz="3200" kern="100" dirty="0">
-                <a:effectLst/>
-                <a:latin typeface="+mn-lt"/>
-                <a:ea typeface="Aptos" panose="020B0004020202020204" pitchFamily="34" charset="0"/>
-                <a:cs typeface="Times New Roman" panose="02020603050405020304" pitchFamily="18" charset="0"/>
-              </a:rPr>
-              <a:t>The </a:t>
-            </a:r>
-            <a:r>
-              <a:rPr lang="en-US" sz="3200" b="1" kern="100" dirty="0" err="1">
-                <a:effectLst/>
-                <a:latin typeface="+mn-lt"/>
-                <a:ea typeface="Aptos" panose="020B0004020202020204" pitchFamily="34" charset="0"/>
-                <a:cs typeface="Times New Roman" panose="02020603050405020304" pitchFamily="18" charset="0"/>
-              </a:rPr>
-              <a:t>best_dice</a:t>
-            </a:r>
-            <a:r>
-              <a:rPr lang="en-US" sz="3200" b="1" kern="100" dirty="0">
-                <a:effectLst/>
-                <a:latin typeface="+mn-lt"/>
-                <a:ea typeface="Aptos" panose="020B0004020202020204" pitchFamily="34" charset="0"/>
-                <a:cs typeface="Times New Roman" panose="02020603050405020304" pitchFamily="18" charset="0"/>
-              </a:rPr>
-              <a:t> </a:t>
-            </a:r>
-            <a:r>
-              <a:rPr lang="en-US" sz="3200" kern="100" dirty="0">
-                <a:effectLst/>
-                <a:latin typeface="+mn-lt"/>
-                <a:ea typeface="Aptos" panose="020B0004020202020204" pitchFamily="34" charset="0"/>
-                <a:cs typeface="Times New Roman" panose="02020603050405020304" pitchFamily="18" charset="0"/>
-              </a:rPr>
-              <a:t>method takes all the dice configurations created in the above method and compares each pair to see which one performs better. It does this by checking how often one die wins against another in a series of tests. For each pair, it counts the number of wins and ties.</a:t>
-            </a:r>
+              <a:rPr lang="en-US" sz="3200" b="1" dirty="0">
+                <a:latin typeface="+mn-lt"/>
+              </a:rPr>
+              <a:t>Mario Party</a:t>
+            </a:r>
+            <a:r>
+              <a:rPr lang="en-US" sz="3200" dirty="0">
+                <a:latin typeface="+mn-lt"/>
+              </a:rPr>
+              <a:t>: The dice mechanics combined with skill-based mini-games make Mario Party a blend of luck, strategy, and competition.</a:t>
+            </a:r>
+            <a:endParaRPr lang="en-US" sz="3200" kern="100" dirty="0">
+              <a:latin typeface="+mn-lt"/>
+              <a:ea typeface="Aptos" panose="020B0004020202020204" pitchFamily="34" charset="0"/>
+              <a:cs typeface="Arial" panose="020B0604020202020204" pitchFamily="34" charset="0"/>
+            </a:endParaRPr>
           </a:p>
           <a:p>
             <a:pPr marL="0" marR="0">
@@ -4815,31 +5123,31 @@
               </a:spcAft>
             </a:pPr>
             <a:r>
+              <a:rPr lang="en-US" sz="3200" b="1" kern="100" dirty="0">
+                <a:latin typeface="+mn-lt"/>
+                <a:ea typeface="Aptos" panose="020B0004020202020204" pitchFamily="34" charset="0"/>
+                <a:cs typeface="Arial" panose="020B0604020202020204" pitchFamily="34" charset="0"/>
+              </a:rPr>
+              <a:t>Batman: Arkham Chronicles</a:t>
+            </a:r>
+            <a:r>
               <a:rPr lang="en-US" sz="3200" kern="100" dirty="0">
-                <a:effectLst/>
                 <a:latin typeface="+mn-lt"/>
                 <a:ea typeface="Aptos" panose="020B0004020202020204" pitchFamily="34" charset="0"/>
-                <a:cs typeface="Times New Roman" panose="02020603050405020304" pitchFamily="18" charset="0"/>
-              </a:rPr>
-              <a:t>After comparing all the dice, the method looks for the die that has the most wins and the fewest ties. This die is considered the best one based on these comparisons, and the method then selects and shows this top-performing die.</a:t>
-            </a:r>
-          </a:p>
-          <a:p>
-            <a:pPr marL="0" marR="0">
-              <a:lnSpc>
-                <a:spcPct val="107000"/>
-              </a:lnSpc>
-              <a:spcBef>
-                <a:spcPts val="0"/>
-              </a:spcBef>
-              <a:spcAft>
-                <a:spcPts val="800"/>
-              </a:spcAft>
-            </a:pPr>
+                <a:cs typeface="Arial" panose="020B0604020202020204" pitchFamily="34" charset="0"/>
+              </a:rPr>
+              <a:t>: </a:t>
+            </a:r>
+            <a:r>
+              <a:rPr lang="en-US" sz="3200" dirty="0">
+                <a:latin typeface="+mn-lt"/>
+              </a:rPr>
+              <a:t>The game features dice-based mechanics where each roll can influence actions like combat, movement, or special abilities. Typically, the dice represent critical elements such as attacks, dodges, or actions that affect the outcome of battles against villains or completing mission objectives.</a:t>
+            </a:r>
             <a:endParaRPr lang="en-US" sz="3200" kern="100" dirty="0">
               <a:latin typeface="+mn-lt"/>
               <a:ea typeface="Aptos" panose="020B0004020202020204" pitchFamily="34" charset="0"/>
-              <a:cs typeface="Times New Roman" panose="02020603050405020304" pitchFamily="18" charset="0"/>
+              <a:cs typeface="Arial" panose="020B0604020202020204" pitchFamily="34" charset="0"/>
             </a:endParaRPr>
           </a:p>
           <a:p>
@@ -4858,7 +5166,7 @@
               <a:effectLst/>
               <a:latin typeface="+mn-lt"/>
               <a:ea typeface="Aptos" panose="020B0004020202020204" pitchFamily="34" charset="0"/>
-              <a:cs typeface="Times New Roman" panose="02020603050405020304" pitchFamily="18" charset="0"/>
+              <a:cs typeface="Arial" panose="020B0604020202020204" pitchFamily="34" charset="0"/>
             </a:endParaRPr>
           </a:p>
           <a:p>
@@ -4876,7 +5184,43 @@
             <a:endParaRPr lang="en-US" sz="3200" kern="100" dirty="0">
               <a:latin typeface="+mn-lt"/>
               <a:ea typeface="Aptos" panose="020B0004020202020204" pitchFamily="34" charset="0"/>
-              <a:cs typeface="Times New Roman" panose="02020603050405020304" pitchFamily="18" charset="0"/>
+              <a:cs typeface="Arial" panose="020B0604020202020204" pitchFamily="34" charset="0"/>
+            </a:endParaRPr>
+          </a:p>
+          <a:p>
+            <a:pPr marL="0" marR="0">
+              <a:lnSpc>
+                <a:spcPct val="107000"/>
+              </a:lnSpc>
+              <a:spcBef>
+                <a:spcPts val="0"/>
+              </a:spcBef>
+              <a:spcAft>
+                <a:spcPts val="800"/>
+              </a:spcAft>
+            </a:pPr>
+            <a:endParaRPr lang="en-US" sz="3200" kern="100" dirty="0">
+              <a:latin typeface="+mn-lt"/>
+              <a:ea typeface="Aptos" panose="020B0004020202020204" pitchFamily="34" charset="0"/>
+              <a:cs typeface="Arial" panose="020B0604020202020204" pitchFamily="34" charset="0"/>
+            </a:endParaRPr>
+          </a:p>
+          <a:p>
+            <a:pPr marL="0" marR="0">
+              <a:lnSpc>
+                <a:spcPct val="107000"/>
+              </a:lnSpc>
+              <a:spcBef>
+                <a:spcPts val="0"/>
+              </a:spcBef>
+              <a:spcAft>
+                <a:spcPts val="800"/>
+              </a:spcAft>
+            </a:pPr>
+            <a:endParaRPr lang="en-US" sz="3200" kern="100" dirty="0">
+              <a:latin typeface="+mn-lt"/>
+              <a:ea typeface="Aptos" panose="020B0004020202020204" pitchFamily="34" charset="0"/>
+              <a:cs typeface="Arial" panose="020B0604020202020204" pitchFamily="34" charset="0"/>
             </a:endParaRPr>
           </a:p>
           <a:p>
@@ -4895,7 +5239,7 @@
               <a:effectLst/>
               <a:latin typeface="+mn-lt"/>
               <a:ea typeface="Aptos" panose="020B0004020202020204" pitchFamily="34" charset="0"/>
-              <a:cs typeface="Times New Roman" panose="02020603050405020304" pitchFamily="18" charset="0"/>
+              <a:cs typeface="Arial" panose="020B0604020202020204" pitchFamily="34" charset="0"/>
             </a:endParaRPr>
           </a:p>
           <a:p>
@@ -4911,6 +5255,191 @@
               </a:spcAft>
             </a:pPr>
             <a:endParaRPr lang="en-US" sz="3200" kern="100" dirty="0">
+              <a:latin typeface="+mn-lt"/>
+              <a:ea typeface="Aptos" panose="020B0004020202020204" pitchFamily="34" charset="0"/>
+              <a:cs typeface="Arial" panose="020B0604020202020204" pitchFamily="34" charset="0"/>
+            </a:endParaRPr>
+          </a:p>
+          <a:p>
+            <a:pPr marL="0" marR="0">
+              <a:lnSpc>
+                <a:spcPct val="107000"/>
+              </a:lnSpc>
+              <a:spcBef>
+                <a:spcPts val="0"/>
+              </a:spcBef>
+              <a:spcAft>
+                <a:spcPts val="800"/>
+              </a:spcAft>
+            </a:pPr>
+            <a:endParaRPr lang="en-US" sz="3200" kern="100" dirty="0">
+              <a:effectLst/>
+              <a:latin typeface="+mn-lt"/>
+              <a:ea typeface="Aptos" panose="020B0004020202020204" pitchFamily="34" charset="0"/>
+              <a:cs typeface="Arial" panose="020B0604020202020204" pitchFamily="34" charset="0"/>
+            </a:endParaRPr>
+          </a:p>
+          <a:p>
+            <a:pPr marL="0" marR="0">
+              <a:lnSpc>
+                <a:spcPct val="107000"/>
+              </a:lnSpc>
+              <a:spcBef>
+                <a:spcPts val="0"/>
+              </a:spcBef>
+              <a:spcAft>
+                <a:spcPts val="800"/>
+              </a:spcAft>
+            </a:pPr>
+            <a:endParaRPr lang="en-US" sz="3200" kern="100" dirty="0">
+              <a:latin typeface="+mn-lt"/>
+              <a:ea typeface="Aptos" panose="020B0004020202020204" pitchFamily="34" charset="0"/>
+              <a:cs typeface="Arial" panose="020B0604020202020204" pitchFamily="34" charset="0"/>
+            </a:endParaRPr>
+          </a:p>
+          <a:p>
+            <a:pPr marL="0" marR="0">
+              <a:lnSpc>
+                <a:spcPct val="107000"/>
+              </a:lnSpc>
+              <a:spcBef>
+                <a:spcPts val="0"/>
+              </a:spcBef>
+              <a:spcAft>
+                <a:spcPts val="800"/>
+              </a:spcAft>
+            </a:pPr>
+            <a:endParaRPr lang="en-US" sz="3200" kern="100" dirty="0">
+              <a:effectLst/>
+              <a:latin typeface="+mn-lt"/>
+              <a:ea typeface="Aptos" panose="020B0004020202020204" pitchFamily="34" charset="0"/>
+              <a:cs typeface="Arial" panose="020B0604020202020204" pitchFamily="34" charset="0"/>
+            </a:endParaRPr>
+          </a:p>
+          <a:p>
+            <a:pPr marL="0" marR="0">
+              <a:lnSpc>
+                <a:spcPct val="107000"/>
+              </a:lnSpc>
+              <a:spcBef>
+                <a:spcPts val="0"/>
+              </a:spcBef>
+              <a:spcAft>
+                <a:spcPts val="800"/>
+              </a:spcAft>
+            </a:pPr>
+            <a:endParaRPr lang="en-US" sz="3200" kern="100" dirty="0">
+              <a:latin typeface="+mn-lt"/>
+              <a:ea typeface="Aptos" panose="020B0004020202020204" pitchFamily="34" charset="0"/>
+              <a:cs typeface="Arial" panose="020B0604020202020204" pitchFamily="34" charset="0"/>
+            </a:endParaRPr>
+          </a:p>
+          <a:p>
+            <a:pPr marL="0" marR="0">
+              <a:lnSpc>
+                <a:spcPct val="107000"/>
+              </a:lnSpc>
+              <a:spcBef>
+                <a:spcPts val="0"/>
+              </a:spcBef>
+              <a:spcAft>
+                <a:spcPts val="800"/>
+              </a:spcAft>
+            </a:pPr>
+            <a:endParaRPr lang="en-US" sz="3200" kern="100" dirty="0">
+              <a:effectLst/>
+              <a:latin typeface="+mn-lt"/>
+              <a:ea typeface="Aptos" panose="020B0004020202020204" pitchFamily="34" charset="0"/>
+              <a:cs typeface="Arial" panose="020B0604020202020204" pitchFamily="34" charset="0"/>
+            </a:endParaRPr>
+          </a:p>
+          <a:p>
+            <a:pPr marL="0" marR="0">
+              <a:lnSpc>
+                <a:spcPct val="107000"/>
+              </a:lnSpc>
+              <a:spcBef>
+                <a:spcPts val="0"/>
+              </a:spcBef>
+              <a:spcAft>
+                <a:spcPts val="800"/>
+              </a:spcAft>
+            </a:pPr>
+            <a:endParaRPr lang="en-US" sz="3200" kern="100" dirty="0">
+              <a:latin typeface="+mn-lt"/>
+              <a:ea typeface="Aptos" panose="020B0004020202020204" pitchFamily="34" charset="0"/>
+              <a:cs typeface="Arial" panose="020B0604020202020204" pitchFamily="34" charset="0"/>
+            </a:endParaRPr>
+          </a:p>
+          <a:p>
+            <a:pPr marL="0" marR="0">
+              <a:lnSpc>
+                <a:spcPct val="107000"/>
+              </a:lnSpc>
+              <a:spcBef>
+                <a:spcPts val="0"/>
+              </a:spcBef>
+              <a:spcAft>
+                <a:spcPts val="800"/>
+              </a:spcAft>
+            </a:pPr>
+            <a:endParaRPr lang="en-US" sz="3200" kern="100" dirty="0">
+              <a:effectLst/>
+              <a:latin typeface="+mn-lt"/>
+              <a:ea typeface="Aptos" panose="020B0004020202020204" pitchFamily="34" charset="0"/>
+              <a:cs typeface="Arial" panose="020B0604020202020204" pitchFamily="34" charset="0"/>
+            </a:endParaRPr>
+          </a:p>
+          <a:p>
+            <a:pPr marL="0" marR="0">
+              <a:lnSpc>
+                <a:spcPct val="107000"/>
+              </a:lnSpc>
+              <a:spcBef>
+                <a:spcPts val="0"/>
+              </a:spcBef>
+              <a:spcAft>
+                <a:spcPts val="800"/>
+              </a:spcAft>
+            </a:pPr>
+            <a:endParaRPr lang="en-US" sz="3200" kern="100" dirty="0">
+              <a:latin typeface="+mn-lt"/>
+              <a:ea typeface="Aptos" panose="020B0004020202020204" pitchFamily="34" charset="0"/>
+              <a:cs typeface="Arial" panose="020B0604020202020204" pitchFamily="34" charset="0"/>
+            </a:endParaRPr>
+          </a:p>
+          <a:p>
+            <a:pPr marL="0" marR="0">
+              <a:lnSpc>
+                <a:spcPct val="107000"/>
+              </a:lnSpc>
+              <a:spcBef>
+                <a:spcPts val="0"/>
+              </a:spcBef>
+              <a:spcAft>
+                <a:spcPts val="800"/>
+              </a:spcAft>
+            </a:pPr>
+            <a:endParaRPr lang="en-US" sz="3200" kern="100" dirty="0">
+              <a:effectLst/>
+              <a:latin typeface="+mn-lt"/>
+              <a:ea typeface="Aptos" panose="020B0004020202020204" pitchFamily="34" charset="0"/>
+              <a:cs typeface="Arial" panose="020B0604020202020204" pitchFamily="34" charset="0"/>
+            </a:endParaRPr>
+          </a:p>
+          <a:p>
+            <a:pPr marL="0" marR="0">
+              <a:lnSpc>
+                <a:spcPct val="107000"/>
+              </a:lnSpc>
+              <a:spcBef>
+                <a:spcPts val="0"/>
+              </a:spcBef>
+              <a:spcAft>
+                <a:spcPts val="800"/>
+              </a:spcAft>
+            </a:pPr>
+            <a:endParaRPr lang="en-US" sz="2400" kern="100" dirty="0">
               <a:effectLst/>
               <a:latin typeface="+mn-lt"/>
               <a:ea typeface="Aptos" panose="020B0004020202020204" pitchFamily="34" charset="0"/>
@@ -4927,7 +5456,7 @@
         </p:nvSpPr>
         <p:spPr>
           <a:xfrm>
-            <a:off x="15361920" y="16468647"/>
+            <a:off x="15387669" y="4745357"/>
             <a:ext cx="13167360" cy="731520"/>
           </a:xfrm>
           <a:prstGeom prst="rect">
@@ -5004,143 +5533,140 @@
           </a:prstGeom>
         </p:spPr>
       </p:pic>
-      <p:pic>
-        <p:nvPicPr>
-          <p:cNvPr id="6" name="Picture 5">
+      <p:grpSp>
+        <p:nvGrpSpPr>
+          <p:cNvPr id="37" name="Group 36">
             <a:extLst>
               <a:ext uri="{FF2B5EF4-FFF2-40B4-BE49-F238E27FC236}">
-                <a16:creationId xmlns:a16="http://schemas.microsoft.com/office/drawing/2014/main" id="{3CA2932D-5DB9-DF8C-3EE5-226E781409F8}"/>
+                <a16:creationId xmlns:a16="http://schemas.microsoft.com/office/drawing/2014/main" id="{5914D990-2504-4B21-A6EB-04FF4361B89B}"/>
               </a:ext>
             </a:extLst>
           </p:cNvPr>
-          <p:cNvPicPr>
-            <a:picLocks noChangeAspect="1"/>
-          </p:cNvPicPr>
+          <p:cNvGrpSpPr/>
           <p:nvPr/>
-        </p:nvPicPr>
-        <p:blipFill>
-          <a:blip r:embed="rId7"/>
-          <a:stretch>
-            <a:fillRect/>
-          </a:stretch>
-        </p:blipFill>
-        <p:spPr>
+        </p:nvGrpSpPr>
+        <p:grpSpPr>
           <a:xfrm>
-            <a:off x="2710602" y="25307183"/>
-            <a:ext cx="10488489" cy="3010320"/>
+            <a:off x="34461329" y="875014"/>
+            <a:ext cx="8421724" cy="2242944"/>
+            <a:chOff x="502920" y="30815280"/>
+            <a:chExt cx="26517600" cy="7062391"/>
           </a:xfrm>
-          <a:prstGeom prst="rect">
-            <a:avLst/>
-          </a:prstGeom>
-          <a:ln>
+        </p:grpSpPr>
+        <p:sp>
+          <p:nvSpPr>
+            <p:cNvPr id="38" name="Rectangle 37">
+              <a:extLst>
+                <a:ext uri="{FF2B5EF4-FFF2-40B4-BE49-F238E27FC236}">
+                  <a16:creationId xmlns:a16="http://schemas.microsoft.com/office/drawing/2014/main" id="{F98B8427-E96B-461B-9744-6E372A321F21}"/>
+                </a:ext>
+              </a:extLst>
+            </p:cNvPr>
+            <p:cNvSpPr/>
+            <p:nvPr/>
+          </p:nvSpPr>
+          <p:spPr>
+            <a:xfrm>
+              <a:off x="502920" y="30815280"/>
+              <a:ext cx="26517600" cy="7062391"/>
+            </a:xfrm>
+            <a:prstGeom prst="rect">
+              <a:avLst/>
+            </a:prstGeom>
             <a:solidFill>
-              <a:schemeClr val="tx1"/>
+              <a:schemeClr val="bg1"/>
             </a:solidFill>
-          </a:ln>
-        </p:spPr>
-      </p:pic>
-      <p:pic>
-        <p:nvPicPr>
-          <p:cNvPr id="19" name="Picture 18">
-            <a:extLst>
-              <a:ext uri="{FF2B5EF4-FFF2-40B4-BE49-F238E27FC236}">
-                <a16:creationId xmlns:a16="http://schemas.microsoft.com/office/drawing/2014/main" id="{CA7F02E4-CD79-FAA7-243E-7D1924AC8F1C}"/>
-              </a:ext>
-            </a:extLst>
-          </p:cNvPr>
-          <p:cNvPicPr>
-            <a:picLocks noChangeAspect="1"/>
-          </p:cNvPicPr>
-          <p:nvPr/>
-        </p:nvPicPr>
-        <p:blipFill rotWithShape="1">
-          <a:blip r:embed="rId8"/>
-          <a:srcRect r="62458"/>
-          <a:stretch/>
-        </p:blipFill>
-        <p:spPr>
-          <a:xfrm>
-            <a:off x="5995415" y="14303183"/>
-            <a:ext cx="3918861" cy="3777171"/>
-          </a:xfrm>
-          <a:prstGeom prst="rect">
-            <a:avLst/>
-          </a:prstGeom>
-          <a:ln>
-            <a:solidFill>
-              <a:schemeClr val="tx1"/>
-            </a:solidFill>
-          </a:ln>
-        </p:spPr>
-      </p:pic>
-      <p:pic>
-        <p:nvPicPr>
-          <p:cNvPr id="21" name="Picture 20">
-            <a:extLst>
-              <a:ext uri="{FF2B5EF4-FFF2-40B4-BE49-F238E27FC236}">
-                <a16:creationId xmlns:a16="http://schemas.microsoft.com/office/drawing/2014/main" id="{72E9D892-71CF-7A43-B237-2394F5BF711F}"/>
-              </a:ext>
-            </a:extLst>
-          </p:cNvPr>
-          <p:cNvPicPr>
-            <a:picLocks noChangeAspect="1"/>
-          </p:cNvPicPr>
-          <p:nvPr/>
-        </p:nvPicPr>
-        <p:blipFill rotWithShape="1">
-          <a:blip r:embed="rId9"/>
-          <a:srcRect r="572" b="54117"/>
-          <a:stretch/>
-        </p:blipFill>
-        <p:spPr>
-          <a:xfrm>
-            <a:off x="16288604" y="12117489"/>
-            <a:ext cx="11277597" cy="2499362"/>
-          </a:xfrm>
-          <a:prstGeom prst="rect">
-            <a:avLst/>
-          </a:prstGeom>
-          <a:ln>
-            <a:solidFill>
-              <a:schemeClr val="tx1"/>
-            </a:solidFill>
-          </a:ln>
-        </p:spPr>
-      </p:pic>
-      <p:pic>
-        <p:nvPicPr>
-          <p:cNvPr id="23" name="Picture 22">
-            <a:extLst>
-              <a:ext uri="{FF2B5EF4-FFF2-40B4-BE49-F238E27FC236}">
-                <a16:creationId xmlns:a16="http://schemas.microsoft.com/office/drawing/2014/main" id="{637B3BB4-70D4-01EF-773D-4F270A14BA3F}"/>
-              </a:ext>
-            </a:extLst>
-          </p:cNvPr>
-          <p:cNvPicPr>
-            <a:picLocks noChangeAspect="1"/>
-          </p:cNvPicPr>
-          <p:nvPr/>
-        </p:nvPicPr>
-        <p:blipFill rotWithShape="1">
-          <a:blip r:embed="rId9"/>
-          <a:srcRect t="50000" r="413" b="2046"/>
-          <a:stretch/>
-        </p:blipFill>
-        <p:spPr>
-          <a:xfrm>
-            <a:off x="16306800" y="8971489"/>
-            <a:ext cx="11277598" cy="2499362"/>
-          </a:xfrm>
-          <a:prstGeom prst="rect">
-            <a:avLst/>
-          </a:prstGeom>
-          <a:ln>
-            <a:solidFill>
-              <a:schemeClr val="tx1"/>
-            </a:solidFill>
-          </a:ln>
-        </p:spPr>
-      </p:pic>
+          </p:spPr>
+          <p:style>
+            <a:lnRef idx="2">
+              <a:schemeClr val="accent1">
+                <a:shade val="50000"/>
+              </a:schemeClr>
+            </a:lnRef>
+            <a:fillRef idx="1">
+              <a:schemeClr val="accent1"/>
+            </a:fillRef>
+            <a:effectRef idx="0">
+              <a:schemeClr val="accent1"/>
+            </a:effectRef>
+            <a:fontRef idx="minor">
+              <a:schemeClr val="lt1"/>
+            </a:fontRef>
+          </p:style>
+          <p:txBody>
+            <a:bodyPr rtlCol="0" anchor="ctr"/>
+            <a:lstStyle/>
+            <a:p>
+              <a:pPr marL="0" marR="0" lvl="0" indent="0" algn="ctr" defTabSz="457200" rtl="0" eaLnBrk="1" fontAlgn="auto" latinLnBrk="0" hangingPunct="1">
+                <a:lnSpc>
+                  <a:spcPct val="100000"/>
+                </a:lnSpc>
+                <a:spcBef>
+                  <a:spcPts val="0"/>
+                </a:spcBef>
+                <a:spcAft>
+                  <a:spcPts val="0"/>
+                </a:spcAft>
+                <a:buClrTx/>
+                <a:buSzTx/>
+                <a:buFontTx/>
+                <a:buNone/>
+                <a:tabLst/>
+                <a:defRPr/>
+              </a:pPr>
+              <a:endParaRPr kumimoji="0" lang="en-US" sz="1800" b="0" i="0" u="none" strike="noStrike" kern="1200" cap="none" spc="0" normalizeH="0" baseline="0" noProof="0">
+                <a:ln>
+                  <a:noFill/>
+                </a:ln>
+                <a:solidFill>
+                  <a:prstClr val="white"/>
+                </a:solidFill>
+                <a:effectLst/>
+                <a:uLnTx/>
+                <a:uFillTx/>
+                <a:latin typeface="Calibri" panose="020F0502020204030204"/>
+                <a:ea typeface="+mn-ea"/>
+                <a:cs typeface="+mn-cs"/>
+              </a:endParaRPr>
+            </a:p>
+          </p:txBody>
+        </p:sp>
+        <p:pic>
+          <p:nvPicPr>
+            <p:cNvPr id="39" name="Picture 38">
+              <a:extLst>
+                <a:ext uri="{FF2B5EF4-FFF2-40B4-BE49-F238E27FC236}">
+                  <a16:creationId xmlns:a16="http://schemas.microsoft.com/office/drawing/2014/main" id="{A0F6B9BD-1217-4B82-B0E3-0A91720D1424}"/>
+                </a:ext>
+              </a:extLst>
+            </p:cNvPr>
+            <p:cNvPicPr>
+              <a:picLocks noChangeAspect="1"/>
+            </p:cNvPicPr>
+            <p:nvPr/>
+          </p:nvPicPr>
+          <p:blipFill rotWithShape="1">
+            <a:blip r:embed="rId7" cstate="print">
+              <a:extLst>
+                <a:ext uri="{28A0092B-C50C-407E-A947-70E740481C1C}">
+                  <a14:useLocalDpi xmlns:a14="http://schemas.microsoft.com/office/drawing/2010/main" val="0"/>
+                </a:ext>
+              </a:extLst>
+            </a:blip>
+            <a:srcRect t="14538" b="12773"/>
+            <a:stretch/>
+          </p:blipFill>
+          <p:spPr>
+            <a:xfrm>
+              <a:off x="862690" y="31135320"/>
+              <a:ext cx="25745902" cy="6540717"/>
+            </a:xfrm>
+            <a:prstGeom prst="rect">
+              <a:avLst/>
+            </a:prstGeom>
+          </p:spPr>
+        </p:pic>
+      </p:grpSp>
       <p:sp>
         <p:nvSpPr>
           <p:cNvPr id="29" name="TextBox 28">
@@ -5155,8 +5681,8 @@
         </p:nvSpPr>
         <p:spPr>
           <a:xfrm>
-            <a:off x="13199092" y="30143546"/>
-            <a:ext cx="13166108" cy="2308324"/>
+            <a:off x="13172934" y="29902352"/>
+            <a:ext cx="13166108" cy="2677656"/>
           </a:xfrm>
           <a:prstGeom prst="rect">
             <a:avLst/>
@@ -5193,7 +5719,16 @@
               <a:rPr lang="en-US" sz="2400" dirty="0">
                 <a:latin typeface="Calibri" pitchFamily="34" charset="0"/>
               </a:rPr>
-              <a:t>Thank you to the Computer Science department for the workspace and the equipment used throughout the entirety of the project.</a:t>
+              <a:t>Thank you to the Computer Science department for the workspace and the equipment used throughout the entirety of the project. </a:t>
+            </a:r>
+          </a:p>
+          <a:p>
+            <a:pPr eaLnBrk="1" hangingPunct="1"/>
+            <a:r>
+              <a:rPr lang="en-US" sz="2400" dirty="0">
+                <a:latin typeface="Calibri" pitchFamily="34" charset="0"/>
+              </a:rPr>
+              <a:t>A special thanks to Dr. Nicolas Long for the concept of dice combinatorics that this project is based on. </a:t>
             </a:r>
           </a:p>
         </p:txBody>
@@ -5247,7 +5782,7 @@
         </p:nvSpPr>
         <p:spPr>
           <a:xfrm>
-            <a:off x="29260800" y="4629533"/>
+            <a:off x="29286549" y="4720148"/>
             <a:ext cx="13167360" cy="731520"/>
           </a:xfrm>
           <a:prstGeom prst="rect">
@@ -5289,17 +5824,17 @@
                   <a:schemeClr val="bg1"/>
                 </a:solidFill>
               </a:rPr>
-              <a:t>Bells Triangle Theorem</a:t>
+              <a:t>Counting Dice Recursively </a:t>
             </a:r>
           </a:p>
         </p:txBody>
       </p:sp>
       <p:pic>
         <p:nvPicPr>
-          <p:cNvPr id="28" name="Picture 27">
+          <p:cNvPr id="30" name="Picture 29">
             <a:extLst>
               <a:ext uri="{FF2B5EF4-FFF2-40B4-BE49-F238E27FC236}">
-                <a16:creationId xmlns:a16="http://schemas.microsoft.com/office/drawing/2014/main" id="{6ABD83B1-C1BB-DEA5-8795-52694A1E21BC}"/>
+                <a16:creationId xmlns:a16="http://schemas.microsoft.com/office/drawing/2014/main" id="{C9C911B9-1B0F-DCA3-7D3F-36046FB64CED}"/>
               </a:ext>
             </a:extLst>
           </p:cNvPr>
@@ -5309,15 +5844,15 @@
           <p:nvPr/>
         </p:nvPicPr>
         <p:blipFill>
-          <a:blip r:embed="rId10"/>
+          <a:blip r:embed="rId8"/>
           <a:stretch>
             <a:fillRect/>
           </a:stretch>
         </p:blipFill>
         <p:spPr>
           <a:xfrm>
-            <a:off x="18228007" y="20322092"/>
-            <a:ext cx="5921800" cy="1642663"/>
+            <a:off x="7177917" y="21957931"/>
+            <a:ext cx="6736197" cy="5647815"/>
           </a:xfrm>
           <a:prstGeom prst="rect">
             <a:avLst/>
@@ -5331,10 +5866,114 @@
       </p:pic>
       <p:pic>
         <p:nvPicPr>
-          <p:cNvPr id="40" name="Picture 39">
+          <p:cNvPr id="1028" name="Picture 4" descr="Mino Dice">
             <a:extLst>
               <a:ext uri="{FF2B5EF4-FFF2-40B4-BE49-F238E27FC236}">
-                <a16:creationId xmlns:a16="http://schemas.microsoft.com/office/drawing/2014/main" id="{48F079EA-E6B1-731B-605A-4AFFC5FAB50C}"/>
+                <a16:creationId xmlns:a16="http://schemas.microsoft.com/office/drawing/2014/main" id="{FACEF0A8-740A-43AF-CB32-72FB3BD54465}"/>
+              </a:ext>
+            </a:extLst>
+          </p:cNvPr>
+          <p:cNvPicPr>
+            <a:picLocks noChangeAspect="1" noChangeArrowheads="1"/>
+          </p:cNvPicPr>
+          <p:nvPr/>
+        </p:nvPicPr>
+        <p:blipFill>
+          <a:blip r:embed="rId9">
+            <a:extLst>
+              <a:ext uri="{28A0092B-C50C-407E-A947-70E740481C1C}">
+                <a14:useLocalDpi xmlns:a14="http://schemas.microsoft.com/office/drawing/2010/main" val="0"/>
+              </a:ext>
+            </a:extLst>
+          </a:blip>
+          <a:srcRect/>
+          <a:stretch>
+            <a:fillRect/>
+          </a:stretch>
+        </p:blipFill>
+        <p:spPr bwMode="auto">
+          <a:xfrm>
+            <a:off x="2034763" y="21527474"/>
+            <a:ext cx="4068795" cy="5778500"/>
+          </a:xfrm>
+          <a:prstGeom prst="rect">
+            <a:avLst/>
+          </a:prstGeom>
+          <a:noFill/>
+          <a:ln>
+            <a:solidFill>
+              <a:schemeClr val="tx1"/>
+            </a:solidFill>
+          </a:ln>
+          <a:extLst>
+            <a:ext uri="{909E8E84-426E-40DD-AFC4-6F175D3DCCD1}">
+              <a14:hiddenFill xmlns:a14="http://schemas.microsoft.com/office/drawing/2010/main">
+                <a:solidFill>
+                  <a:srgbClr val="FFFFFF"/>
+                </a:solidFill>
+              </a14:hiddenFill>
+            </a:ext>
+          </a:extLst>
+        </p:spPr>
+      </p:pic>
+      <p:pic>
+        <p:nvPicPr>
+          <p:cNvPr id="1030" name="Picture 6" descr="Mario Party | Nintendo 64 | Games | Nintendo">
+            <a:extLst>
+              <a:ext uri="{FF2B5EF4-FFF2-40B4-BE49-F238E27FC236}">
+                <a16:creationId xmlns:a16="http://schemas.microsoft.com/office/drawing/2014/main" id="{B65C70D2-60D1-CAF3-23AA-A305C0D26381}"/>
+              </a:ext>
+            </a:extLst>
+          </p:cNvPr>
+          <p:cNvPicPr>
+            <a:picLocks noChangeAspect="1" noChangeArrowheads="1"/>
+          </p:cNvPicPr>
+          <p:nvPr/>
+        </p:nvPicPr>
+        <p:blipFill>
+          <a:blip r:embed="rId10">
+            <a:extLst>
+              <a:ext uri="{28A0092B-C50C-407E-A947-70E740481C1C}">
+                <a14:useLocalDpi xmlns:a14="http://schemas.microsoft.com/office/drawing/2010/main" val="0"/>
+              </a:ext>
+            </a:extLst>
+          </a:blip>
+          <a:srcRect/>
+          <a:stretch>
+            <a:fillRect/>
+          </a:stretch>
+        </p:blipFill>
+        <p:spPr bwMode="auto">
+          <a:xfrm>
+            <a:off x="5029200" y="18044458"/>
+            <a:ext cx="8229600" cy="4114800"/>
+          </a:xfrm>
+          <a:prstGeom prst="rect">
+            <a:avLst/>
+          </a:prstGeom>
+          <a:noFill/>
+          <a:ln>
+            <a:solidFill>
+              <a:schemeClr val="tx1"/>
+            </a:solidFill>
+          </a:ln>
+          <a:extLst>
+            <a:ext uri="{909E8E84-426E-40DD-AFC4-6F175D3DCCD1}">
+              <a14:hiddenFill xmlns:a14="http://schemas.microsoft.com/office/drawing/2010/main">
+                <a:solidFill>
+                  <a:srgbClr val="FFFFFF"/>
+                </a:solidFill>
+              </a14:hiddenFill>
+            </a:ext>
+          </a:extLst>
+        </p:spPr>
+      </p:pic>
+      <p:pic>
+        <p:nvPicPr>
+          <p:cNvPr id="6" name="Picture 5">
+            <a:extLst>
+              <a:ext uri="{FF2B5EF4-FFF2-40B4-BE49-F238E27FC236}">
+                <a16:creationId xmlns:a16="http://schemas.microsoft.com/office/drawing/2014/main" id="{107D1107-B231-39C4-11CD-46CBD4C6CCE2}"/>
               </a:ext>
             </a:extLst>
           </p:cNvPr>
@@ -5351,8 +5990,8 @@
         </p:blipFill>
         <p:spPr>
           <a:xfrm>
-            <a:off x="18234831" y="22704428"/>
-            <a:ext cx="5980654" cy="3310048"/>
+            <a:off x="15431548" y="18743216"/>
+            <a:ext cx="13134805" cy="3225481"/>
           </a:xfrm>
           <a:prstGeom prst="rect">
             <a:avLst/>
@@ -5366,10 +6005,10 @@
       </p:pic>
       <p:pic>
         <p:nvPicPr>
-          <p:cNvPr id="22" name="Picture 21">
+          <p:cNvPr id="17" name="Picture 16">
             <a:extLst>
               <a:ext uri="{FF2B5EF4-FFF2-40B4-BE49-F238E27FC236}">
-                <a16:creationId xmlns:a16="http://schemas.microsoft.com/office/drawing/2014/main" id="{9739A0A6-476C-6EEF-7E0F-6B9DF43C3B1C}"/>
+                <a16:creationId xmlns:a16="http://schemas.microsoft.com/office/drawing/2014/main" id="{A1DE0511-100E-0432-70E6-3DBB11DD371A}"/>
               </a:ext>
             </a:extLst>
           </p:cNvPr>
@@ -5386,15 +6025,15 @@
         </p:blipFill>
         <p:spPr>
           <a:xfrm>
-            <a:off x="32022189" y="8288261"/>
-            <a:ext cx="7644581" cy="1698062"/>
+            <a:off x="15424394" y="22138671"/>
+            <a:ext cx="13134805" cy="3579813"/>
           </a:xfrm>
           <a:prstGeom prst="rect">
             <a:avLst/>
           </a:prstGeom>
           <a:ln>
             <a:solidFill>
-              <a:srgbClr val="7030A0"/>
+              <a:schemeClr val="tx1"/>
             </a:solidFill>
           </a:ln>
         </p:spPr>

--- a/Mary Kait Heeren Dice Combos Presentation Poster.pptx
+++ b/Mary Kait Heeren Dice Combos Presentation Poster.pptx
@@ -2944,11 +2944,11 @@
               <a:t>1.  </a:t>
             </a:r>
             <a:r>
-              <a:rPr lang="en-US" sz="2500" dirty="0" err="1"/>
+              <a:rPr lang="en-US" sz="2800" dirty="0" err="1"/>
               <a:t>Jupyter</a:t>
             </a:r>
             <a:r>
-              <a:rPr lang="en-US" sz="2500" dirty="0"/>
+              <a:rPr lang="en-US" sz="2800" dirty="0"/>
               <a:t> Notebook (</a:t>
             </a:r>
             <a:r>
@@ -2973,11 +2973,10 @@
               <a:rPr lang="en-US" sz="2800" dirty="0"/>
               <a:t>)</a:t>
             </a:r>
-            <a:endParaRPr lang="en-US" sz="2500" dirty="0"/>
-          </a:p>
-          <a:p>
-            <a:r>
-              <a:rPr lang="en-US" sz="2500" dirty="0"/>
+          </a:p>
+          <a:p>
+            <a:r>
+              <a:rPr lang="en-US" sz="2800" dirty="0"/>
               <a:t>2. Geeks for Geeks (</a:t>
             </a:r>
             <a:r>
@@ -3186,7 +3185,7 @@
                 <a:latin typeface="+mn-lt"/>
                 <a:cs typeface="Arial" panose="020B0604020202020204" pitchFamily="34" charset="0"/>
               </a:rPr>
-              <a:t>This exploration aims to analyze the mathematical intricacies involved in constructing dice with n faces and k pips, with a focus on combinatorial analysis. The initial motivation stemmed from developing a Python program to generate and compare dice configurations. This program is a practical tool for visualizing die combinations, leading to a deeper investigation into related mathematical concepts.</a:t>
+              <a:t>This exploration aims to analyze the mathematical intricacies of constructing dice with a specified number of sides and pips, focusing on combinatorial analysis. The initial motivation stemmed from developing a Python program to generate and compare dice configurations. This program is a practical tool for visualizing die combinations, leading to a deeper investigation into related mathematical concepts.</a:t>
             </a:r>
           </a:p>
           <a:p>
@@ -3201,7 +3200,7 @@
                 <a:latin typeface="+mn-lt"/>
                 <a:cs typeface="Arial" panose="020B0604020202020204" pitchFamily="34" charset="0"/>
               </a:rPr>
-              <a:t>The investigation uses an algorithm to construct all possible dice and compares the die to determine the optimal configuration, which is the configuration with the highest probability of winning.  Additionally, we explore properties of the die including the concept of transitivity in dice relationships.</a:t>
+              <a:t>The investigation uses an algorithm to construct all possible dice and compares them to determine the optimal configuration, which is the configuration with the highest probability of winning on a given roll when comparing sides. Additionally, we explore the relationship between the die, including the concept of transitivity in the dice “wins” relationship.</a:t>
             </a:r>
           </a:p>
         </p:txBody>
@@ -3272,7 +3271,7 @@
         <p:spPr bwMode="auto">
           <a:xfrm>
             <a:off x="15387669" y="5415783"/>
-            <a:ext cx="13161264" cy="8648475"/>
+            <a:ext cx="13161264" cy="8156032"/>
           </a:xfrm>
           <a:prstGeom prst="rect">
             <a:avLst/>
@@ -3653,7 +3652,7 @@
               <a:rPr lang="en-US" sz="3200" dirty="0">
                 <a:latin typeface="Calibri" pitchFamily="34" charset="0"/>
               </a:rPr>
-              <a:t>Given a dice with 3 sides and 9 pips to divide over the sides. We can generate the possible combinations. </a:t>
+              <a:t>Given 3 sides and 6 pips to divide over the sides. We can generate the possible die: </a:t>
             </a:r>
           </a:p>
           <a:p>
@@ -3662,7 +3661,7 @@
               <a:rPr lang="en-US" sz="3200" dirty="0">
                 <a:latin typeface="Calibri" pitchFamily="34" charset="0"/>
               </a:rPr>
-              <a:t>[5,3,1],[4,3,2],[6,2,1]</a:t>
+              <a:t>[4,1,1],[3,2,1],[2,2,2]</a:t>
             </a:r>
           </a:p>
           <a:p>
@@ -3680,7 +3679,7 @@
               <a:rPr lang="en-US" sz="3200" dirty="0">
                 <a:latin typeface="Calibri" pitchFamily="34" charset="0"/>
               </a:rPr>
-              <a:t>[5,3,1] &amp; [4,3,2]: TIE</a:t>
+              <a:t>[4,1,1] &amp; [3,2,1]: [3,2,1] wins</a:t>
             </a:r>
           </a:p>
           <a:p>
@@ -3689,7 +3688,7 @@
               <a:rPr lang="en-US" sz="3200" dirty="0">
                 <a:latin typeface="Calibri" pitchFamily="34" charset="0"/>
               </a:rPr>
-              <a:t>[4,3,2] &amp; [6,2,1]: [4,3,2] wins</a:t>
+              <a:t>[4,1,1] &amp; [2,2,2]: [2,2,2] wins</a:t>
             </a:r>
           </a:p>
           <a:p>
@@ -3698,7 +3697,7 @@
               <a:rPr lang="en-US" sz="3200" dirty="0">
                 <a:latin typeface="Calibri" pitchFamily="34" charset="0"/>
               </a:rPr>
-              <a:t>[5,3,1] &amp; [6,2,1]: TIE</a:t>
+              <a:t>[2,2,2] &amp; [3,2,1]: TIE</a:t>
             </a:r>
           </a:p>
           <a:p>
@@ -3713,7 +3712,7 @@
               <a:rPr lang="en-US" sz="3200" dirty="0">
                 <a:latin typeface="Calibri" pitchFamily="34" charset="0"/>
               </a:rPr>
-              <a:t>Therefore, this example demonstrates that there is not always a maximal die given a specified number of sides and pips. Not one of the three dice win consistently over the others thus disproving the theory that there will be a dominant or maximal die for every number of sides and pips. </a:t>
+              <a:t>Therefore, this example demonstrates that there is not always a “best” die given a specified number of sides and pips. Here both [3,2,1] and [2,2,2] perform equally well. </a:t>
             </a:r>
             <a:endParaRPr lang="en-US" sz="3200" dirty="0">
               <a:highlight>
@@ -3783,7 +3782,7 @@
                   <a:schemeClr val="bg1"/>
                 </a:solidFill>
               </a:rPr>
-              <a:t>Dice Games</a:t>
+              <a:t>Games with Asymmetrical Die</a:t>
             </a:r>
           </a:p>
         </p:txBody>
@@ -4402,320 +4401,544 @@
           </a:p>
         </p:txBody>
       </p:sp>
-      <p:sp>
-        <p:nvSpPr>
-          <p:cNvPr id="12" name="Text Box 191"/>
-          <p:cNvSpPr txBox="1">
-            <a:spLocks noChangeArrowheads="1"/>
-          </p:cNvSpPr>
-          <p:nvPr/>
-        </p:nvSpPr>
-        <p:spPr bwMode="auto">
-          <a:xfrm>
-            <a:off x="29338786" y="5333658"/>
-            <a:ext cx="13110156" cy="16035112"/>
-          </a:xfrm>
-          <a:prstGeom prst="rect">
-            <a:avLst/>
-          </a:prstGeom>
-          <a:solidFill>
-            <a:schemeClr val="bg1"/>
-          </a:solidFill>
-          <a:ln w="12700">
-            <a:solidFill>
-              <a:srgbClr val="5F259F"/>
-            </a:solidFill>
-          </a:ln>
-          <a:effectLst/>
-        </p:spPr>
-        <p:txBody>
-          <a:bodyPr wrap="square" lIns="137137" tIns="137137" rIns="137137" bIns="137137">
-            <a:spAutoFit/>
-          </a:bodyPr>
-          <a:lstStyle>
-            <a:lvl1pPr eaLnBrk="0" hangingPunct="0">
-              <a:defRPr sz="2200">
-                <a:solidFill>
-                  <a:schemeClr val="tx1"/>
-                </a:solidFill>
-                <a:latin typeface="Arial" charset="0"/>
-              </a:defRPr>
-            </a:lvl1pPr>
-            <a:lvl2pPr marL="742950" indent="-285750" eaLnBrk="0" hangingPunct="0">
-              <a:defRPr sz="2200">
-                <a:solidFill>
-                  <a:schemeClr val="tx1"/>
-                </a:solidFill>
-                <a:latin typeface="Arial" charset="0"/>
-              </a:defRPr>
-            </a:lvl2pPr>
-            <a:lvl3pPr marL="1143000" indent="-228600" eaLnBrk="0" hangingPunct="0">
-              <a:defRPr sz="2200">
-                <a:solidFill>
-                  <a:schemeClr val="tx1"/>
-                </a:solidFill>
-                <a:latin typeface="Arial" charset="0"/>
-              </a:defRPr>
-            </a:lvl3pPr>
-            <a:lvl4pPr marL="1600200" indent="-228600" eaLnBrk="0" hangingPunct="0">
-              <a:defRPr sz="2200">
-                <a:solidFill>
-                  <a:schemeClr val="tx1"/>
-                </a:solidFill>
-                <a:latin typeface="Arial" charset="0"/>
-              </a:defRPr>
-            </a:lvl4pPr>
-            <a:lvl5pPr marL="2057400" indent="-228600" eaLnBrk="0" hangingPunct="0">
-              <a:defRPr sz="2200">
-                <a:solidFill>
-                  <a:schemeClr val="tx1"/>
-                </a:solidFill>
-                <a:latin typeface="Arial" charset="0"/>
-              </a:defRPr>
-            </a:lvl5pPr>
-            <a:lvl6pPr marL="2514600" indent="-228600" eaLnBrk="0" fontAlgn="base" hangingPunct="0">
-              <a:spcBef>
-                <a:spcPct val="0"/>
-              </a:spcBef>
-              <a:spcAft>
-                <a:spcPct val="0"/>
-              </a:spcAft>
-              <a:defRPr sz="2200">
-                <a:solidFill>
-                  <a:schemeClr val="tx1"/>
-                </a:solidFill>
-                <a:latin typeface="Arial" charset="0"/>
-              </a:defRPr>
-            </a:lvl6pPr>
-            <a:lvl7pPr marL="2971800" indent="-228600" eaLnBrk="0" fontAlgn="base" hangingPunct="0">
-              <a:spcBef>
-                <a:spcPct val="0"/>
-              </a:spcBef>
-              <a:spcAft>
-                <a:spcPct val="0"/>
-              </a:spcAft>
-              <a:defRPr sz="2200">
-                <a:solidFill>
-                  <a:schemeClr val="tx1"/>
-                </a:solidFill>
-                <a:latin typeface="Arial" charset="0"/>
-              </a:defRPr>
-            </a:lvl7pPr>
-            <a:lvl8pPr marL="3429000" indent="-228600" eaLnBrk="0" fontAlgn="base" hangingPunct="0">
-              <a:spcBef>
-                <a:spcPct val="0"/>
-              </a:spcBef>
-              <a:spcAft>
-                <a:spcPct val="0"/>
-              </a:spcAft>
-              <a:defRPr sz="2200">
-                <a:solidFill>
-                  <a:schemeClr val="tx1"/>
-                </a:solidFill>
-                <a:latin typeface="Arial" charset="0"/>
-              </a:defRPr>
-            </a:lvl8pPr>
-            <a:lvl9pPr marL="3886200" indent="-228600" eaLnBrk="0" fontAlgn="base" hangingPunct="0">
-              <a:spcBef>
-                <a:spcPct val="0"/>
-              </a:spcBef>
-              <a:spcAft>
-                <a:spcPct val="0"/>
-              </a:spcAft>
-              <a:defRPr sz="2200">
-                <a:solidFill>
-                  <a:schemeClr val="tx1"/>
-                </a:solidFill>
-                <a:latin typeface="Arial" charset="0"/>
-              </a:defRPr>
-            </a:lvl9pPr>
-          </a:lstStyle>
-          <a:p>
-            <a:pPr eaLnBrk="1" hangingPunct="1"/>
-            <a:r>
-              <a:rPr lang="en-US" sz="3200" b="1" kern="100" dirty="0">
-                <a:latin typeface="+mn-lt"/>
-                <a:ea typeface="Aptos" panose="020B0004020202020204" pitchFamily="34" charset="0"/>
-                <a:cs typeface="Times New Roman" panose="02020603050405020304" pitchFamily="18" charset="0"/>
-              </a:rPr>
-              <a:t>Base Case: </a:t>
-            </a:r>
-            <a:r>
-              <a:rPr lang="en-US" sz="3200" kern="100" dirty="0">
-                <a:latin typeface="+mn-lt"/>
-                <a:ea typeface="Aptos" panose="020B0004020202020204" pitchFamily="34" charset="0"/>
-                <a:cs typeface="Times New Roman" panose="02020603050405020304" pitchFamily="18" charset="0"/>
-              </a:rPr>
-              <a:t>if the number of pips is less than the number of sides, then no dice are created since you cannot have a side without pips. Similarly, only one die is generated in the case that a die has an equal number of sides and pips, since each side can only have one pip.</a:t>
-            </a:r>
-          </a:p>
-          <a:p>
-            <a:pPr eaLnBrk="1" hangingPunct="1"/>
-            <a:endParaRPr lang="en-US" sz="3200" kern="100" dirty="0">
-              <a:latin typeface="+mn-lt"/>
-              <a:ea typeface="Aptos" panose="020B0004020202020204" pitchFamily="34" charset="0"/>
-              <a:cs typeface="Times New Roman" panose="02020603050405020304" pitchFamily="18" charset="0"/>
-            </a:endParaRPr>
-          </a:p>
-          <a:p>
-            <a:pPr eaLnBrk="1" hangingPunct="1"/>
-            <a:r>
-              <a:rPr lang="en-US" sz="3200" b="1" kern="100" dirty="0">
-                <a:latin typeface="+mn-lt"/>
-                <a:ea typeface="Aptos" panose="020B0004020202020204" pitchFamily="34" charset="0"/>
-                <a:cs typeface="Times New Roman" panose="02020603050405020304" pitchFamily="18" charset="0"/>
-              </a:rPr>
-              <a:t>Recursive Case</a:t>
-            </a:r>
-            <a:r>
-              <a:rPr lang="en-US" sz="3200" kern="100" dirty="0">
-                <a:latin typeface="+mn-lt"/>
-                <a:ea typeface="Aptos" panose="020B0004020202020204" pitchFamily="34" charset="0"/>
-                <a:cs typeface="Times New Roman" panose="02020603050405020304" pitchFamily="18" charset="0"/>
-              </a:rPr>
-              <a:t>: In this case, we use a minimum and maximum number that we can use to generate the number of pips for the first side. By using math.ceil(pips/sides) to set a lower bound on possible pips and a high bound of the previous pip (first pip of the previous iteration) or pips – sides + 1, this limits the possible values that pips on the first side of the die can take. For each possible value generated, the program recursively calls the method with sides minus one and pips minus pips generated for the first side. The pips from the first side are passed as the new previous pip as a check to ensure the current die’s value is not exceeded. </a:t>
-            </a:r>
-            <a:endParaRPr lang="en-US" sz="3200" dirty="0">
-              <a:latin typeface="+mn-lt"/>
-            </a:endParaRPr>
-          </a:p>
-          <a:p>
-            <a:pPr eaLnBrk="1" hangingPunct="1"/>
-            <a:r>
-              <a:rPr lang="en-US" sz="3200" b="1" dirty="0">
-                <a:latin typeface="+mn-lt"/>
-              </a:rPr>
-              <a:t>As an example, lets solve n = 3 and k = 5. </a:t>
-            </a:r>
-          </a:p>
-          <a:p>
-            <a:pPr eaLnBrk="1" hangingPunct="1"/>
-            <a:r>
-              <a:rPr lang="en-US" sz="3200" dirty="0">
-                <a:latin typeface="+mn-lt"/>
-              </a:rPr>
-              <a:t>			Finding the Lower and Upper Bound:</a:t>
-            </a:r>
-          </a:p>
-          <a:p>
-            <a:pPr eaLnBrk="1" hangingPunct="1"/>
-            <a:r>
-              <a:rPr lang="en-US" sz="3200" dirty="0">
-                <a:latin typeface="+mn-lt"/>
-              </a:rPr>
-              <a:t>			Lower: Ceiling of Pips/Sides: 2</a:t>
-            </a:r>
-          </a:p>
-          <a:p>
-            <a:pPr eaLnBrk="1" hangingPunct="1"/>
-            <a:r>
-              <a:rPr lang="en-US" sz="3200" dirty="0">
-                <a:latin typeface="+mn-lt"/>
-              </a:rPr>
-              <a:t>			Upper: Pips – Sides + 1: 3</a:t>
-            </a:r>
-          </a:p>
-          <a:p>
-            <a:pPr eaLnBrk="1" hangingPunct="1"/>
-            <a:r>
-              <a:rPr lang="en-US" sz="3200" dirty="0">
-                <a:latin typeface="+mn-lt"/>
-              </a:rPr>
-              <a:t>			Therefore, the dice will start with [2, _, _], [3, _, _].</a:t>
-            </a:r>
-          </a:p>
-          <a:p>
-            <a:pPr eaLnBrk="1" hangingPunct="1"/>
-            <a:r>
-              <a:rPr lang="en-US" sz="3200" b="1" dirty="0">
-                <a:latin typeface="+mn-lt"/>
-              </a:rPr>
-              <a:t>Repeat for each of these with parameters sides – 1 and total number of pips minus pips for the first side, as well as the first pip from the previous iteration. </a:t>
-            </a:r>
-          </a:p>
-          <a:p>
-            <a:pPr eaLnBrk="1" hangingPunct="1"/>
-            <a:r>
-              <a:rPr lang="en-US" sz="3200" dirty="0">
-                <a:latin typeface="+mn-lt"/>
-              </a:rPr>
-              <a:t>For first pip = 2, </a:t>
-            </a:r>
-          </a:p>
-          <a:p>
-            <a:pPr algn="ctr" eaLnBrk="1" hangingPunct="1"/>
-            <a:r>
-              <a:rPr lang="en-US" sz="3200" dirty="0">
-                <a:latin typeface="+mn-lt"/>
-              </a:rPr>
-              <a:t>Lower = 2, Upper = 2, so we have [2,2,_]</a:t>
-            </a:r>
-          </a:p>
-          <a:p>
-            <a:pPr eaLnBrk="1" hangingPunct="1"/>
-            <a:r>
-              <a:rPr lang="en-US" sz="3200" dirty="0">
-                <a:latin typeface="+mn-lt"/>
-              </a:rPr>
-              <a:t>For the next first pip, </a:t>
-            </a:r>
-          </a:p>
-          <a:p>
-            <a:pPr algn="ctr" eaLnBrk="1" hangingPunct="1"/>
-            <a:r>
-              <a:rPr lang="en-US" sz="3200" dirty="0">
-                <a:latin typeface="+mn-lt"/>
-              </a:rPr>
-              <a:t>Lower = 1, Upper = 1, so [2,2,1] = 1 die. </a:t>
-            </a:r>
-          </a:p>
-          <a:p>
-            <a:pPr eaLnBrk="1" hangingPunct="1"/>
-            <a:r>
-              <a:rPr lang="en-US" sz="3200" dirty="0">
-                <a:latin typeface="+mn-lt"/>
-              </a:rPr>
-              <a:t>For first pip = 3, </a:t>
-            </a:r>
-          </a:p>
-          <a:p>
-            <a:pPr algn="ctr" eaLnBrk="1" hangingPunct="1"/>
-            <a:r>
-              <a:rPr lang="en-US" sz="3200" dirty="0">
-                <a:latin typeface="+mn-lt"/>
-              </a:rPr>
-              <a:t>Lower = 1, Upper – 1, so [3,1,_].</a:t>
-            </a:r>
-          </a:p>
-          <a:p>
-            <a:pPr eaLnBrk="1" hangingPunct="1"/>
-            <a:r>
-              <a:rPr lang="en-US" sz="3200" dirty="0">
-                <a:latin typeface="+mn-lt"/>
-              </a:rPr>
-              <a:t>For the next first pip, </a:t>
-            </a:r>
-          </a:p>
-          <a:p>
-            <a:pPr algn="ctr" eaLnBrk="1" hangingPunct="1"/>
-            <a:r>
-              <a:rPr lang="en-US" sz="3200" dirty="0">
-                <a:latin typeface="+mn-lt"/>
-              </a:rPr>
-              <a:t>Lower = 1, Upper = 1, so [3,1,1] = 1 die.</a:t>
-            </a:r>
-          </a:p>
-          <a:p>
-            <a:pPr eaLnBrk="1" hangingPunct="1"/>
-            <a:r>
-              <a:rPr lang="en-US" sz="3200" b="1" dirty="0">
-                <a:latin typeface="+mn-lt"/>
-              </a:rPr>
-              <a:t>Therefore, we have 2 possible dice generated when there are 3 sides and 5 pips. </a:t>
-            </a:r>
-          </a:p>
-        </p:txBody>
-      </p:sp>
+      <mc:AlternateContent xmlns:mc="http://schemas.openxmlformats.org/markup-compatibility/2006">
+        <mc:Choice xmlns:a14="http://schemas.microsoft.com/office/drawing/2010/main" Requires="a14">
+          <p:sp>
+            <p:nvSpPr>
+              <p:cNvPr id="12" name="Text Box 191"/>
+              <p:cNvSpPr txBox="1">
+                <a:spLocks noChangeArrowheads="1"/>
+              </p:cNvSpPr>
+              <p:nvPr/>
+            </p:nvSpPr>
+            <p:spPr bwMode="auto">
+              <a:xfrm>
+                <a:off x="29338786" y="5333658"/>
+                <a:ext cx="13110156" cy="15542670"/>
+              </a:xfrm>
+              <a:prstGeom prst="rect">
+                <a:avLst/>
+              </a:prstGeom>
+              <a:solidFill>
+                <a:schemeClr val="bg1"/>
+              </a:solidFill>
+              <a:ln w="12700">
+                <a:solidFill>
+                  <a:srgbClr val="5F259F"/>
+                </a:solidFill>
+              </a:ln>
+              <a:effectLst/>
+            </p:spPr>
+            <p:txBody>
+              <a:bodyPr wrap="square" lIns="137137" tIns="137137" rIns="137137" bIns="137137">
+                <a:spAutoFit/>
+              </a:bodyPr>
+              <a:lstStyle>
+                <a:lvl1pPr eaLnBrk="0" hangingPunct="0">
+                  <a:defRPr sz="2200">
+                    <a:solidFill>
+                      <a:schemeClr val="tx1"/>
+                    </a:solidFill>
+                    <a:latin typeface="Arial" charset="0"/>
+                  </a:defRPr>
+                </a:lvl1pPr>
+                <a:lvl2pPr marL="742950" indent="-285750" eaLnBrk="0" hangingPunct="0">
+                  <a:defRPr sz="2200">
+                    <a:solidFill>
+                      <a:schemeClr val="tx1"/>
+                    </a:solidFill>
+                    <a:latin typeface="Arial" charset="0"/>
+                  </a:defRPr>
+                </a:lvl2pPr>
+                <a:lvl3pPr marL="1143000" indent="-228600" eaLnBrk="0" hangingPunct="0">
+                  <a:defRPr sz="2200">
+                    <a:solidFill>
+                      <a:schemeClr val="tx1"/>
+                    </a:solidFill>
+                    <a:latin typeface="Arial" charset="0"/>
+                  </a:defRPr>
+                </a:lvl3pPr>
+                <a:lvl4pPr marL="1600200" indent="-228600" eaLnBrk="0" hangingPunct="0">
+                  <a:defRPr sz="2200">
+                    <a:solidFill>
+                      <a:schemeClr val="tx1"/>
+                    </a:solidFill>
+                    <a:latin typeface="Arial" charset="0"/>
+                  </a:defRPr>
+                </a:lvl4pPr>
+                <a:lvl5pPr marL="2057400" indent="-228600" eaLnBrk="0" hangingPunct="0">
+                  <a:defRPr sz="2200">
+                    <a:solidFill>
+                      <a:schemeClr val="tx1"/>
+                    </a:solidFill>
+                    <a:latin typeface="Arial" charset="0"/>
+                  </a:defRPr>
+                </a:lvl5pPr>
+                <a:lvl6pPr marL="2514600" indent="-228600" eaLnBrk="0" fontAlgn="base" hangingPunct="0">
+                  <a:spcBef>
+                    <a:spcPct val="0"/>
+                  </a:spcBef>
+                  <a:spcAft>
+                    <a:spcPct val="0"/>
+                  </a:spcAft>
+                  <a:defRPr sz="2200">
+                    <a:solidFill>
+                      <a:schemeClr val="tx1"/>
+                    </a:solidFill>
+                    <a:latin typeface="Arial" charset="0"/>
+                  </a:defRPr>
+                </a:lvl6pPr>
+                <a:lvl7pPr marL="2971800" indent="-228600" eaLnBrk="0" fontAlgn="base" hangingPunct="0">
+                  <a:spcBef>
+                    <a:spcPct val="0"/>
+                  </a:spcBef>
+                  <a:spcAft>
+                    <a:spcPct val="0"/>
+                  </a:spcAft>
+                  <a:defRPr sz="2200">
+                    <a:solidFill>
+                      <a:schemeClr val="tx1"/>
+                    </a:solidFill>
+                    <a:latin typeface="Arial" charset="0"/>
+                  </a:defRPr>
+                </a:lvl7pPr>
+                <a:lvl8pPr marL="3429000" indent="-228600" eaLnBrk="0" fontAlgn="base" hangingPunct="0">
+                  <a:spcBef>
+                    <a:spcPct val="0"/>
+                  </a:spcBef>
+                  <a:spcAft>
+                    <a:spcPct val="0"/>
+                  </a:spcAft>
+                  <a:defRPr sz="2200">
+                    <a:solidFill>
+                      <a:schemeClr val="tx1"/>
+                    </a:solidFill>
+                    <a:latin typeface="Arial" charset="0"/>
+                  </a:defRPr>
+                </a:lvl8pPr>
+                <a:lvl9pPr marL="3886200" indent="-228600" eaLnBrk="0" fontAlgn="base" hangingPunct="0">
+                  <a:spcBef>
+                    <a:spcPct val="0"/>
+                  </a:spcBef>
+                  <a:spcAft>
+                    <a:spcPct val="0"/>
+                  </a:spcAft>
+                  <a:defRPr sz="2200">
+                    <a:solidFill>
+                      <a:schemeClr val="tx1"/>
+                    </a:solidFill>
+                    <a:latin typeface="Arial" charset="0"/>
+                  </a:defRPr>
+                </a:lvl9pPr>
+              </a:lstStyle>
+              <a:p>
+                <a:pPr eaLnBrk="1" hangingPunct="1"/>
+                <a:r>
+                  <a:rPr lang="en-US" sz="3200" b="1" kern="100" dirty="0">
+                    <a:latin typeface="+mn-lt"/>
+                    <a:ea typeface="Aptos" panose="020B0004020202020204" pitchFamily="34" charset="0"/>
+                    <a:cs typeface="Times New Roman" panose="02020603050405020304" pitchFamily="18" charset="0"/>
+                  </a:rPr>
+                  <a:t>Base Case: </a:t>
+                </a:r>
+                <a:r>
+                  <a:rPr lang="en-US" sz="3200" kern="100" dirty="0">
+                    <a:latin typeface="+mn-lt"/>
+                    <a:ea typeface="Aptos" panose="020B0004020202020204" pitchFamily="34" charset="0"/>
+                    <a:cs typeface="Times New Roman" panose="02020603050405020304" pitchFamily="18" charset="0"/>
+                  </a:rPr>
+                  <a:t>if the number of pips is less than the number of sides, then no dice are created since you cannot have a side without pips. Similarly, only one die is generated in the case that a die has an equal number of sides and pips, since each side can only have one pip. (We do not allow sides to have 0 pips)</a:t>
+                </a:r>
+              </a:p>
+              <a:p>
+                <a:pPr eaLnBrk="1" hangingPunct="1"/>
+                <a:endParaRPr lang="en-US" sz="3200" kern="100" dirty="0">
+                  <a:latin typeface="+mn-lt"/>
+                  <a:ea typeface="Aptos" panose="020B0004020202020204" pitchFamily="34" charset="0"/>
+                  <a:cs typeface="Times New Roman" panose="02020603050405020304" pitchFamily="18" charset="0"/>
+                </a:endParaRPr>
+              </a:p>
+              <a:p>
+                <a:pPr eaLnBrk="1" hangingPunct="1"/>
+                <a:r>
+                  <a:rPr lang="en-US" sz="3200" b="1" kern="100" dirty="0">
+                    <a:latin typeface="+mn-lt"/>
+                    <a:ea typeface="Aptos" panose="020B0004020202020204" pitchFamily="34" charset="0"/>
+                    <a:cs typeface="Times New Roman" panose="02020603050405020304" pitchFamily="18" charset="0"/>
+                  </a:rPr>
+                  <a:t>Recursive Case</a:t>
+                </a:r>
+                <a:r>
+                  <a:rPr lang="en-US" sz="3200" kern="100" dirty="0">
+                    <a:latin typeface="+mn-lt"/>
+                    <a:ea typeface="Aptos" panose="020B0004020202020204" pitchFamily="34" charset="0"/>
+                    <a:cs typeface="Times New Roman" panose="02020603050405020304" pitchFamily="18" charset="0"/>
+                  </a:rPr>
+                  <a:t>: In this case, we use a minimum and maximum number to generate the number of pips for the first side. WLOG, we assume the sides are in order. Thus:</a:t>
+                </a:r>
+              </a:p>
+              <a:p>
+                <a:pPr eaLnBrk="1" hangingPunct="1"/>
+                <a:r>
+                  <a:rPr lang="en-US" sz="3200" kern="100" dirty="0">
+                    <a:latin typeface="+mn-lt"/>
+                    <a:ea typeface="Aptos" panose="020B0004020202020204" pitchFamily="34" charset="0"/>
+                    <a:cs typeface="Times New Roman" panose="02020603050405020304" pitchFamily="18" charset="0"/>
+                  </a:rPr>
+                  <a:t>1) </a:t>
+                </a:r>
+                <a14:m>
+                  <m:oMath xmlns:m="http://schemas.openxmlformats.org/officeDocument/2006/math">
+                    <m:r>
+                      <a:rPr lang="en-US" sz="3200" b="0" i="1" kern="100" smtClean="0">
+                        <a:latin typeface="Cambria Math" panose="02040503050406030204" pitchFamily="18" charset="0"/>
+                        <a:ea typeface="Aptos" panose="020B0004020202020204" pitchFamily="34" charset="0"/>
+                        <a:cs typeface="Times New Roman" panose="02020603050405020304" pitchFamily="18" charset="0"/>
+                      </a:rPr>
+                      <m:t>⌈</m:t>
+                    </m:r>
+                  </m:oMath>
+                </a14:m>
+                <a:r>
+                  <a:rPr lang="en-US" sz="3200" kern="100" dirty="0">
+                    <a:latin typeface="+mn-lt"/>
+                    <a:ea typeface="Aptos" panose="020B0004020202020204" pitchFamily="34" charset="0"/>
+                    <a:cs typeface="Times New Roman" panose="02020603050405020304" pitchFamily="18" charset="0"/>
+                  </a:rPr>
+                  <a:t>pips/sides</a:t>
+                </a:r>
+                <a14:m>
+                  <m:oMath xmlns:m="http://schemas.openxmlformats.org/officeDocument/2006/math">
+                    <m:r>
+                      <a:rPr lang="en-US" sz="3200" b="0" i="1" kern="100" smtClean="0">
+                        <a:latin typeface="Cambria Math" panose="02040503050406030204" pitchFamily="18" charset="0"/>
+                        <a:ea typeface="Aptos" panose="020B0004020202020204" pitchFamily="34" charset="0"/>
+                        <a:cs typeface="Times New Roman" panose="02020603050405020304" pitchFamily="18" charset="0"/>
+                      </a:rPr>
+                      <m:t>⌉</m:t>
+                    </m:r>
+                  </m:oMath>
+                </a14:m>
+                <a:r>
+                  <a:rPr lang="en-US" sz="3200" kern="100" dirty="0">
+                    <a:latin typeface="+mn-lt"/>
+                    <a:ea typeface="Aptos" panose="020B0004020202020204" pitchFamily="34" charset="0"/>
+                    <a:cs typeface="Times New Roman" panose="02020603050405020304" pitchFamily="18" charset="0"/>
+                  </a:rPr>
+                  <a:t> is the lower bound on possible pips on the first side</a:t>
+                </a:r>
+              </a:p>
+              <a:p>
+                <a:pPr eaLnBrk="1" hangingPunct="1"/>
+                <a:r>
+                  <a:rPr lang="en-US" sz="3200" kern="100" dirty="0">
+                    <a:latin typeface="+mn-lt"/>
+                    <a:ea typeface="Aptos" panose="020B0004020202020204" pitchFamily="34" charset="0"/>
+                    <a:cs typeface="Times New Roman" panose="02020603050405020304" pitchFamily="18" charset="0"/>
+                  </a:rPr>
+                  <a:t>2) pips – sides + 1 is the upper bound on possible pips on the first side</a:t>
+                </a:r>
+              </a:p>
+              <a:p>
+                <a:pPr eaLnBrk="1" hangingPunct="1"/>
+                <a:r>
+                  <a:rPr lang="en-US" sz="3200" kern="100" dirty="0">
+                    <a:latin typeface="+mn-lt"/>
+                    <a:ea typeface="Aptos" panose="020B0004020202020204" pitchFamily="34" charset="0"/>
+                    <a:cs typeface="Times New Roman" panose="02020603050405020304" pitchFamily="18" charset="0"/>
+                  </a:rPr>
+                  <a:t>We place each value between the upper bound and lower bound on the first side and then recursively generate the die with</a:t>
+                </a:r>
+              </a:p>
+              <a:p>
+                <a:pPr marL="514350" indent="-514350" eaLnBrk="1" hangingPunct="1">
+                  <a:buAutoNum type="arabicParenR"/>
+                </a:pPr>
+                <a:r>
+                  <a:rPr lang="en-US" sz="3200" kern="100" dirty="0">
+                    <a:latin typeface="+mn-lt"/>
+                    <a:ea typeface="Aptos" panose="020B0004020202020204" pitchFamily="34" charset="0"/>
+                    <a:cs typeface="Times New Roman" panose="02020603050405020304" pitchFamily="18" charset="0"/>
+                  </a:rPr>
+                  <a:t>sides = 1 fewer side</a:t>
+                </a:r>
+              </a:p>
+              <a:p>
+                <a:pPr marL="514350" indent="-514350" eaLnBrk="1" hangingPunct="1">
+                  <a:buAutoNum type="arabicParenR"/>
+                </a:pPr>
+                <a:r>
+                  <a:rPr lang="en-US" sz="3200" kern="100" dirty="0">
+                    <a:latin typeface="+mn-lt"/>
+                    <a:ea typeface="Aptos" panose="020B0004020202020204" pitchFamily="34" charset="0"/>
+                    <a:cs typeface="Times New Roman" panose="02020603050405020304" pitchFamily="18" charset="0"/>
+                  </a:rPr>
+                  <a:t>pips = pips remaining after 1</a:t>
+                </a:r>
+                <a:r>
+                  <a:rPr lang="en-US" sz="3200" kern="100" baseline="30000" dirty="0">
+                    <a:latin typeface="+mn-lt"/>
+                    <a:ea typeface="Aptos" panose="020B0004020202020204" pitchFamily="34" charset="0"/>
+                    <a:cs typeface="Times New Roman" panose="02020603050405020304" pitchFamily="18" charset="0"/>
+                  </a:rPr>
+                  <a:t>st</a:t>
+                </a:r>
+                <a:r>
+                  <a:rPr lang="en-US" sz="3200" kern="100" dirty="0">
+                    <a:latin typeface="+mn-lt"/>
+                    <a:ea typeface="Aptos" panose="020B0004020202020204" pitchFamily="34" charset="0"/>
+                    <a:cs typeface="Times New Roman" panose="02020603050405020304" pitchFamily="18" charset="0"/>
+                  </a:rPr>
+                  <a:t> side is set.</a:t>
+                </a:r>
+              </a:p>
+              <a:p>
+                <a:pPr eaLnBrk="1" hangingPunct="1"/>
+                <a:endParaRPr lang="en-US" sz="3200" dirty="0">
+                  <a:latin typeface="+mn-lt"/>
+                </a:endParaRPr>
+              </a:p>
+              <a:p>
+                <a:pPr eaLnBrk="1" hangingPunct="1"/>
+                <a:r>
+                  <a:rPr lang="en-US" sz="3200" b="1" dirty="0">
+                    <a:latin typeface="+mn-lt"/>
+                  </a:rPr>
+                  <a:t>For example, we find the possible dice for side = 3 and pips  = 5. </a:t>
+                </a:r>
+              </a:p>
+              <a:p>
+                <a:pPr eaLnBrk="1" hangingPunct="1"/>
+                <a:r>
+                  <a:rPr lang="en-US" sz="3200" dirty="0">
+                    <a:latin typeface="+mn-lt"/>
+                  </a:rPr>
+                  <a:t>		Finding the Lower and Upper Bound:</a:t>
+                </a:r>
+              </a:p>
+              <a:p>
+                <a:pPr eaLnBrk="1" hangingPunct="1"/>
+                <a:r>
+                  <a:rPr lang="en-US" sz="3200" dirty="0">
+                    <a:latin typeface="+mn-lt"/>
+                  </a:rPr>
+                  <a:t>			Lower: </a:t>
+                </a:r>
+                <a14:m>
+                  <m:oMath xmlns:m="http://schemas.openxmlformats.org/officeDocument/2006/math">
+                    <m:r>
+                      <a:rPr lang="en-US" sz="3200" b="0" i="1" kern="100" smtClean="0">
+                        <a:latin typeface="Cambria Math" panose="02040503050406030204" pitchFamily="18" charset="0"/>
+                        <a:ea typeface="Aptos" panose="020B0004020202020204" pitchFamily="34" charset="0"/>
+                        <a:cs typeface="Times New Roman" panose="02020603050405020304" pitchFamily="18" charset="0"/>
+                      </a:rPr>
+                      <m:t>⌈</m:t>
+                    </m:r>
+                  </m:oMath>
+                </a14:m>
+                <a:r>
+                  <a:rPr lang="en-US" sz="3200" kern="100" dirty="0">
+                    <a:latin typeface="+mn-lt"/>
+                    <a:ea typeface="Aptos" panose="020B0004020202020204" pitchFamily="34" charset="0"/>
+                    <a:cs typeface="Times New Roman" panose="02020603050405020304" pitchFamily="18" charset="0"/>
+                  </a:rPr>
+                  <a:t>pips/sides</a:t>
+                </a:r>
+                <a14:m>
+                  <m:oMath xmlns:m="http://schemas.openxmlformats.org/officeDocument/2006/math">
+                    <m:r>
+                      <a:rPr lang="en-US" sz="3200" b="0" i="1" kern="100" smtClean="0">
+                        <a:latin typeface="Cambria Math" panose="02040503050406030204" pitchFamily="18" charset="0"/>
+                        <a:ea typeface="Aptos" panose="020B0004020202020204" pitchFamily="34" charset="0"/>
+                        <a:cs typeface="Times New Roman" panose="02020603050405020304" pitchFamily="18" charset="0"/>
+                      </a:rPr>
+                      <m:t>⌉ </m:t>
+                    </m:r>
+                  </m:oMath>
+                </a14:m>
+                <a:r>
+                  <a:rPr lang="en-US" sz="3200" dirty="0">
+                    <a:latin typeface="+mn-lt"/>
+                  </a:rPr>
+                  <a:t>= </a:t>
+                </a:r>
+                <a14:m>
+                  <m:oMath xmlns:m="http://schemas.openxmlformats.org/officeDocument/2006/math">
+                    <m:r>
+                      <a:rPr lang="en-US" sz="3200" i="1" kern="100">
+                        <a:latin typeface="Cambria Math" panose="02040503050406030204" pitchFamily="18" charset="0"/>
+                        <a:ea typeface="Aptos" panose="020B0004020202020204" pitchFamily="34" charset="0"/>
+                        <a:cs typeface="Times New Roman" panose="02020603050405020304" pitchFamily="18" charset="0"/>
+                      </a:rPr>
+                      <m:t>⌈</m:t>
+                    </m:r>
+                  </m:oMath>
+                </a14:m>
+                <a:r>
+                  <a:rPr lang="en-US" sz="3200" kern="100" dirty="0">
+                    <a:latin typeface="+mn-lt"/>
+                    <a:ea typeface="Aptos" panose="020B0004020202020204" pitchFamily="34" charset="0"/>
+                    <a:cs typeface="Times New Roman" panose="02020603050405020304" pitchFamily="18" charset="0"/>
+                  </a:rPr>
+                  <a:t>5/3</a:t>
+                </a:r>
+                <a14:m>
+                  <m:oMath xmlns:m="http://schemas.openxmlformats.org/officeDocument/2006/math">
+                    <m:r>
+                      <a:rPr lang="en-US" sz="3200" i="1" kern="100">
+                        <a:latin typeface="Cambria Math" panose="02040503050406030204" pitchFamily="18" charset="0"/>
+                        <a:ea typeface="Aptos" panose="020B0004020202020204" pitchFamily="34" charset="0"/>
+                        <a:cs typeface="Times New Roman" panose="02020603050405020304" pitchFamily="18" charset="0"/>
+                      </a:rPr>
+                      <m:t>⌉ </m:t>
+                    </m:r>
+                  </m:oMath>
+                </a14:m>
+                <a:r>
+                  <a:rPr lang="en-US" sz="3200" dirty="0">
+                    <a:latin typeface="+mn-lt"/>
+                  </a:rPr>
+                  <a:t>= 2</a:t>
+                </a:r>
+              </a:p>
+              <a:p>
+                <a:pPr eaLnBrk="1" hangingPunct="1"/>
+                <a:r>
+                  <a:rPr lang="en-US" sz="3200" dirty="0">
+                    <a:latin typeface="+mn-lt"/>
+                  </a:rPr>
+                  <a:t>			Upper: pips – sides + 1 = 5 – 3 + 1 = 3</a:t>
+                </a:r>
+              </a:p>
+              <a:p>
+                <a:pPr eaLnBrk="1" hangingPunct="1"/>
+                <a:r>
+                  <a:rPr lang="en-US" sz="3200" dirty="0">
+                    <a:latin typeface="+mn-lt"/>
+                  </a:rPr>
+                  <a:t>			Therefore, the dice will start with [2, _, _], [3, _, _].</a:t>
+                </a:r>
+              </a:p>
+              <a:p>
+                <a:pPr eaLnBrk="1" hangingPunct="1"/>
+                <a:r>
+                  <a:rPr lang="en-US" sz="3200" b="1" dirty="0">
+                    <a:latin typeface="+mn-lt"/>
+                  </a:rPr>
+                  <a:t>Repeat for each of these with parameters sides – 1=2 and total number of pips minus pips 3 and 2, respectively, for the first side</a:t>
+                </a:r>
+              </a:p>
+              <a:p>
+                <a:pPr eaLnBrk="1" hangingPunct="1"/>
+                <a:r>
+                  <a:rPr lang="en-US" sz="3200" dirty="0">
+                    <a:latin typeface="+mn-lt"/>
+                  </a:rPr>
+                  <a:t>For first pip = 2, we generate all die with 2 sides and 3 pips. Thus,</a:t>
+                </a:r>
+              </a:p>
+              <a:p>
+                <a:pPr algn="ctr" eaLnBrk="1" hangingPunct="1"/>
+                <a:r>
+                  <a:rPr lang="en-US" sz="3200" dirty="0">
+                    <a:latin typeface="+mn-lt"/>
+                  </a:rPr>
+                  <a:t>Lower = 2, Upper = 2, so we have [2,2,_]</a:t>
+                </a:r>
+              </a:p>
+              <a:p>
+                <a:pPr eaLnBrk="1" hangingPunct="1"/>
+                <a:r>
+                  <a:rPr lang="en-US" sz="3200" dirty="0">
+                    <a:latin typeface="+mn-lt"/>
+                  </a:rPr>
+                  <a:t>For the last pip, this is the base case with 1 side and 1 pip, so we have </a:t>
+                </a:r>
+              </a:p>
+              <a:p>
+                <a:pPr algn="ctr" eaLnBrk="1" hangingPunct="1"/>
+                <a:r>
+                  <a:rPr lang="en-US" sz="3200" dirty="0">
+                    <a:latin typeface="+mn-lt"/>
+                  </a:rPr>
+                  <a:t>Lower = 1, Upper = 1, so we obtain [2,2,1]. </a:t>
+                </a:r>
+              </a:p>
+              <a:p>
+                <a:pPr eaLnBrk="1" hangingPunct="1"/>
+                <a:r>
+                  <a:rPr lang="en-US" sz="3200" dirty="0">
+                    <a:latin typeface="+mn-lt"/>
+                  </a:rPr>
+                  <a:t>For first pip = 3, we generate all die with 2 sides and 2 pips (another base case): [1, 1]</a:t>
+                </a:r>
+              </a:p>
+              <a:p>
+                <a:pPr eaLnBrk="1" hangingPunct="1"/>
+                <a:r>
+                  <a:rPr lang="en-US" sz="3200" dirty="0">
+                    <a:latin typeface="+mn-lt"/>
+                  </a:rPr>
+                  <a:t>				So we obtain [3,1,1].</a:t>
+                </a:r>
+              </a:p>
+              <a:p>
+                <a:pPr eaLnBrk="1" hangingPunct="1"/>
+                <a:r>
+                  <a:rPr lang="en-US" sz="3200" b="1" dirty="0">
+                    <a:latin typeface="+mn-lt"/>
+                  </a:rPr>
+                  <a:t>Therefore, we have 2 possible dice generated when there are 3 sides and 5 pips: [2,2,1] and [3,1,1]</a:t>
+                </a:r>
+              </a:p>
+            </p:txBody>
+          </p:sp>
+        </mc:Choice>
+        <mc:Fallback>
+          <p:sp>
+            <p:nvSpPr>
+              <p:cNvPr id="12" name="Text Box 191"/>
+              <p:cNvSpPr txBox="1">
+                <a:spLocks noRot="1" noChangeAspect="1" noMove="1" noResize="1" noEditPoints="1" noAdjustHandles="1" noChangeArrowheads="1" noChangeShapeType="1" noTextEdit="1"/>
+              </p:cNvSpPr>
+              <p:nvPr/>
+            </p:nvSpPr>
+            <p:spPr bwMode="auto">
+              <a:xfrm>
+                <a:off x="29338786" y="5333658"/>
+                <a:ext cx="13110156" cy="15542670"/>
+              </a:xfrm>
+              <a:prstGeom prst="rect">
+                <a:avLst/>
+              </a:prstGeom>
+              <a:blipFill>
+                <a:blip r:embed="rId6"/>
+                <a:stretch>
+                  <a:fillRect l="-836" r="-1255"/>
+                </a:stretch>
+              </a:blipFill>
+              <a:ln w="12700">
+                <a:solidFill>
+                  <a:srgbClr val="5F259F"/>
+                </a:solidFill>
+              </a:ln>
+              <a:effectLst/>
+            </p:spPr>
+            <p:txBody>
+              <a:bodyPr/>
+              <a:lstStyle/>
+              <a:p>
+                <a:r>
+                  <a:rPr lang="en-US">
+                    <a:noFill/>
+                  </a:rPr>
+                  <a:t> </a:t>
+                </a:r>
+              </a:p>
+            </p:txBody>
+          </p:sp>
+        </mc:Fallback>
+      </mc:AlternateContent>
       <p:sp>
         <p:nvSpPr>
           <p:cNvPr id="14" name="Text Box 193"/>
@@ -4850,7 +5073,7 @@
               <a:rPr lang="en-US" sz="3200" dirty="0">
                 <a:latin typeface="Calibri" pitchFamily="34" charset="0"/>
               </a:rPr>
-              <a:t>Through the development of a python method for generating and comparing dice configurations, we observed transitivity does not universally hold amongst dice comparisons. We explored variations of comparison including “overall strength” versus “face-to-face” comparison and how outcomes will vary between both in regard to transitivity.  We utilized recursion to explore and quantify the number of possible dice configurations. </a:t>
+              <a:t>Through the development of Python programming for generating and comparing dice configurations, we observed transitivity does not universally hold amongst dice comparisons. We explored variations of comparison including “overall strength” versus “face-to-face” comparison and how outcomes will vary between both in regard to transitivity.  We utilized recursion to explore and quantify the number of possible dice configurations. </a:t>
             </a:r>
           </a:p>
           <a:p>
@@ -5518,7 +5741,7 @@
           <p:nvPr/>
         </p:nvPicPr>
         <p:blipFill>
-          <a:blip r:embed="rId6"/>
+          <a:blip r:embed="rId7"/>
           <a:stretch>
             <a:fillRect/>
           </a:stretch>
@@ -5646,7 +5869,7 @@
             <p:nvPr/>
           </p:nvPicPr>
           <p:blipFill rotWithShape="1">
-            <a:blip r:embed="rId7" cstate="print">
+            <a:blip r:embed="rId8" cstate="print">
               <a:extLst>
                 <a:ext uri="{28A0092B-C50C-407E-A947-70E740481C1C}">
                   <a14:useLocalDpi xmlns:a14="http://schemas.microsoft.com/office/drawing/2010/main" val="0"/>
@@ -5681,8 +5904,8 @@
         </p:nvSpPr>
         <p:spPr>
           <a:xfrm>
-            <a:off x="13172934" y="29902352"/>
-            <a:ext cx="13166108" cy="2677656"/>
+            <a:off x="11811000" y="29902352"/>
+            <a:ext cx="14528042" cy="2677656"/>
           </a:xfrm>
           <a:prstGeom prst="rect">
             <a:avLst/>
@@ -5704,13 +5927,13 @@
                 <a:effectLst/>
                 <a:latin typeface="Calibri" panose="020F0502020204030204" pitchFamily="34" charset="0"/>
               </a:rPr>
-              <a:t>This research was supported by the College of Sciences and Mathematics as part of the Undergraduate Research Experience at Stephen F. Austin State University.</a:t>
+              <a:t>The College of Sciences and Mathematics supported this research as part of the Undergraduate Research Experience at Stephen F. Austin State University.</a:t>
             </a:r>
             <a:r>
               <a:rPr lang="en-US" sz="2400" dirty="0">
                 <a:latin typeface="Calibri" pitchFamily="34" charset="0"/>
               </a:rPr>
-              <a:t> I’d like to extend a thank you to Stephen F. Austin State University and Jeremy Becnel for providing an opportunity to get involved in a Research Experience, as it has been an insightful and rewarding process. </a:t>
+              <a:t> I’d like to thank Stephen F. Austin State University and Jeremy Becnel for providing an opportunity to get involved in a Research Experience, as it has been an insightful and rewarding process. </a:t>
             </a:r>
           </a:p>
           <a:p>
@@ -5728,7 +5951,7 @@
               <a:rPr lang="en-US" sz="2400" dirty="0">
                 <a:latin typeface="Calibri" pitchFamily="34" charset="0"/>
               </a:rPr>
-              <a:t>A special thanks to Dr. Nicolas Long for the concept of dice combinatorics that this project is based on. </a:t>
+              <a:t>A special thanks to Dr. Nicolas Long for introducing the concept of dice combinatorics that this project is based on. </a:t>
             </a:r>
           </a:p>
         </p:txBody>
@@ -5747,7 +5970,7 @@
         </p:nvSpPr>
         <p:spPr>
           <a:xfrm>
-            <a:off x="12804648" y="29146503"/>
+            <a:off x="11811000" y="29258611"/>
             <a:ext cx="8683752" cy="769441"/>
           </a:xfrm>
           <a:prstGeom prst="rect">
@@ -5844,7 +6067,7 @@
           <p:nvPr/>
         </p:nvPicPr>
         <p:blipFill>
-          <a:blip r:embed="rId8"/>
+          <a:blip r:embed="rId9"/>
           <a:stretch>
             <a:fillRect/>
           </a:stretch>
@@ -5879,7 +6102,7 @@
           <p:nvPr/>
         </p:nvPicPr>
         <p:blipFill>
-          <a:blip r:embed="rId9">
+          <a:blip r:embed="rId10">
             <a:extLst>
               <a:ext uri="{28A0092B-C50C-407E-A947-70E740481C1C}">
                 <a14:useLocalDpi xmlns:a14="http://schemas.microsoft.com/office/drawing/2010/main" val="0"/>
@@ -5931,7 +6154,7 @@
           <p:nvPr/>
         </p:nvPicPr>
         <p:blipFill>
-          <a:blip r:embed="rId10">
+          <a:blip r:embed="rId11">
             <a:extLst>
               <a:ext uri="{28A0092B-C50C-407E-A947-70E740481C1C}">
                 <a14:useLocalDpi xmlns:a14="http://schemas.microsoft.com/office/drawing/2010/main" val="0"/>
@@ -5983,7 +6206,7 @@
           <p:nvPr/>
         </p:nvPicPr>
         <p:blipFill>
-          <a:blip r:embed="rId11"/>
+          <a:blip r:embed="rId12"/>
           <a:stretch>
             <a:fillRect/>
           </a:stretch>
@@ -6018,7 +6241,7 @@
           <p:nvPr/>
         </p:nvPicPr>
         <p:blipFill>
-          <a:blip r:embed="rId12"/>
+          <a:blip r:embed="rId13"/>
           <a:stretch>
             <a:fillRect/>
           </a:stretch>
